--- a/presentation/polish/Automatycznie testowalne aplikacje w srodowisku rozproszonym.pptx
+++ b/presentation/polish/Automatycznie testowalne aplikacje w srodowisku rozproszonym.pptx
@@ -948,11 +948,7 @@
             </a:r>
             <a:r>
               <a:rPr lang="pl-PL" baseline="0" dirty="0" smtClean="0"/>
-              <a:t> założenia systemy rozproszone są </a:t>
-            </a:r>
-            <a:r>
-              <a:rPr lang="pl-PL" baseline="0" dirty="0" smtClean="0"/>
-              <a:t>duże (duzo serwisow z wieloma instancjami). </a:t>
+              <a:t> założenia systemy rozproszone są duże (duzo serwisow z wieloma instancjami). </a:t>
             </a:r>
           </a:p>
           <a:p>
@@ -960,7 +956,6 @@
               <a:rPr lang="pl-PL" baseline="0" dirty="0" smtClean="0"/>
               <a:t>Zarzadzanie tym staje sie klopotliwe.</a:t>
             </a:r>
-            <a:endParaRPr lang="pl-PL" baseline="0" dirty="0" smtClean="0"/>
           </a:p>
           <a:p>
             <a:r>
@@ -977,13 +972,8 @@
           <a:p>
             <a:r>
               <a:rPr lang="pl-PL" baseline="0" dirty="0" smtClean="0"/>
-              <a:t>Wycofanie wszystkich czesci systemu naraz rowniez nie nalezy do </a:t>
-            </a:r>
-            <a:r>
-              <a:rPr lang="pl-PL" baseline="0" dirty="0" smtClean="0"/>
-              <a:t>najlatwiejszych</a:t>
-            </a:r>
-            <a:endParaRPr lang="pl-PL" baseline="0" dirty="0" smtClean="0"/>
+              <a:t>Wycofanie wszystkich czesci systemu naraz rowniez nie nalezy do najlatwiejszych</a:t>
+            </a:r>
           </a:p>
         </p:txBody>
       </p:sp>

--- a/presentation/polish/Automatycznie testowalne aplikacje w srodowisku rozproszonym.pptx
+++ b/presentation/polish/Automatycznie testowalne aplikacje w srodowisku rozproszonym.pptx
@@ -5877,17 +5877,18 @@
               <a:buNone/>
             </a:pPr>
             <a:r>
+              <a:rPr lang="pl-PL" dirty="0" smtClean="0"/>
+              <a:t>github: https</a:t>
+            </a:r>
+            <a:r>
               <a:rPr lang="pl-PL" dirty="0"/>
-              <a:t>g</a:t>
-            </a:r>
-            <a:r>
-              <a:rPr lang="pl-PL" smtClean="0"/>
-              <a:t>ithub</a:t>
-            </a:r>
-            <a:r>
-              <a:rPr lang="pl-PL" dirty="0" smtClean="0"/>
-              <a:t>: https://github.com/plitwinski</a:t>
-            </a:r>
+              <a:t>://</a:t>
+            </a:r>
+            <a:r>
+              <a:rPr lang="pl-PL" dirty="0" smtClean="0"/>
+              <a:t>github.com/plitwinski/automated-tests-presentation</a:t>
+            </a:r>
+            <a:endParaRPr lang="pl-PL" dirty="0" smtClean="0"/>
           </a:p>
           <a:p>
             <a:pPr marL="0" indent="0">

--- a/presentation/polish/Automatycznie testowalne aplikacje w srodowisku rozproszonym.pptx
+++ b/presentation/polish/Automatycznie testowalne aplikacje w srodowisku rozproszonym.pptx
@@ -5,31 +5,32 @@
     <p:sldMasterId id="2147483648" r:id="rId1"/>
   </p:sldMasterIdLst>
   <p:notesMasterIdLst>
-    <p:notesMasterId r:id="rId24"/>
+    <p:notesMasterId r:id="rId25"/>
   </p:notesMasterIdLst>
   <p:sldIdLst>
     <p:sldId id="256" r:id="rId2"/>
     <p:sldId id="257" r:id="rId3"/>
     <p:sldId id="258" r:id="rId4"/>
-    <p:sldId id="259" r:id="rId5"/>
-    <p:sldId id="260" r:id="rId6"/>
-    <p:sldId id="261" r:id="rId7"/>
-    <p:sldId id="262" r:id="rId8"/>
-    <p:sldId id="263" r:id="rId9"/>
-    <p:sldId id="264" r:id="rId10"/>
-    <p:sldId id="265" r:id="rId11"/>
-    <p:sldId id="266" r:id="rId12"/>
-    <p:sldId id="267" r:id="rId13"/>
-    <p:sldId id="268" r:id="rId14"/>
-    <p:sldId id="269" r:id="rId15"/>
-    <p:sldId id="270" r:id="rId16"/>
-    <p:sldId id="271" r:id="rId17"/>
-    <p:sldId id="272" r:id="rId18"/>
-    <p:sldId id="273" r:id="rId19"/>
-    <p:sldId id="274" r:id="rId20"/>
-    <p:sldId id="275" r:id="rId21"/>
-    <p:sldId id="276" r:id="rId22"/>
-    <p:sldId id="277" r:id="rId23"/>
+    <p:sldId id="278" r:id="rId5"/>
+    <p:sldId id="279" r:id="rId6"/>
+    <p:sldId id="280" r:id="rId7"/>
+    <p:sldId id="281" r:id="rId8"/>
+    <p:sldId id="259" r:id="rId9"/>
+    <p:sldId id="260" r:id="rId10"/>
+    <p:sldId id="261" r:id="rId11"/>
+    <p:sldId id="282" r:id="rId12"/>
+    <p:sldId id="262" r:id="rId13"/>
+    <p:sldId id="267" r:id="rId14"/>
+    <p:sldId id="268" r:id="rId15"/>
+    <p:sldId id="269" r:id="rId16"/>
+    <p:sldId id="270" r:id="rId17"/>
+    <p:sldId id="271" r:id="rId18"/>
+    <p:sldId id="272" r:id="rId19"/>
+    <p:sldId id="273" r:id="rId20"/>
+    <p:sldId id="274" r:id="rId21"/>
+    <p:sldId id="275" r:id="rId22"/>
+    <p:sldId id="276" r:id="rId23"/>
+    <p:sldId id="277" r:id="rId24"/>
   </p:sldIdLst>
   <p:sldSz cx="12192000" cy="6858000"/>
   <p:notesSz cx="6858000" cy="9144000"/>
@@ -230,7 +231,7 @@
           <a:p>
             <a:fld id="{6D50C51E-EFFB-4915-A982-E3AC0495EF2E}" type="datetimeFigureOut">
               <a:rPr lang="en-GB" smtClean="0"/>
-              <a:t>17/12/2017</a:t>
+              <a:t>07/01/2018</a:t>
             </a:fld>
             <a:endParaRPr lang="en-GB"/>
           </a:p>
@@ -640,8 +641,13 @@
             </a:r>
             <a:r>
               <a:rPr lang="pl-PL" baseline="0" dirty="0" smtClean="0"/>
-              <a:t> = wspomaganie rozwoju (TDD), regresja, testowanie glownego flow/hapy path, testowanie wszystkich przypadkow, wybranych, etc</a:t>
-            </a:r>
+              <a:t> = wspomaganie rozwoju (TDD), regresja, testowanie glownego flow/hapy path, testowanie wszystkich przypadkow, wybranych, </a:t>
+            </a:r>
+            <a:r>
+              <a:rPr lang="pl-PL" baseline="0" dirty="0" smtClean="0"/>
+              <a:t>etc, red-green refactoring, etc.</a:t>
+            </a:r>
+            <a:endParaRPr lang="pl-PL" baseline="0" dirty="0" smtClean="0"/>
           </a:p>
           <a:p>
             <a:r>
@@ -675,7 +681,7 @@
           <a:p>
             <a:fld id="{1FE3D8C1-E517-46B6-9C32-FED0C0B6C2DD}" type="slidenum">
               <a:rPr lang="en-GB" smtClean="0"/>
-              <a:t>13</a:t>
+              <a:t>14</a:t>
             </a:fld>
             <a:endParaRPr lang="en-GB"/>
           </a:p>
@@ -767,7 +773,7 @@
           <a:p>
             <a:fld id="{1FE3D8C1-E517-46B6-9C32-FED0C0B6C2DD}" type="slidenum">
               <a:rPr lang="en-GB" smtClean="0"/>
-              <a:t>18</a:t>
+              <a:t>19</a:t>
             </a:fld>
             <a:endParaRPr lang="en-GB"/>
           </a:p>
@@ -879,7 +885,7 @@
           <a:p>
             <a:fld id="{1FE3D8C1-E517-46B6-9C32-FED0C0B6C2DD}" type="slidenum">
               <a:rPr lang="en-GB" smtClean="0"/>
-              <a:t>20</a:t>
+              <a:t>21</a:t>
             </a:fld>
             <a:endParaRPr lang="en-GB"/>
           </a:p>
@@ -960,8 +966,13 @@
           <a:p>
             <a:r>
               <a:rPr lang="pl-PL" baseline="0" dirty="0" smtClean="0"/>
-              <a:t>Aktualizowanie wszystkich czesci systemu naraz jest klopotliwe</a:t>
-            </a:r>
+              <a:t>Aktualizowanie wszystkich czesci systemu naraz jest </a:t>
+            </a:r>
+            <a:r>
+              <a:rPr lang="pl-PL" baseline="0" dirty="0" smtClean="0"/>
+              <a:t>klopotliwe.</a:t>
+            </a:r>
+            <a:endParaRPr lang="pl-PL" baseline="0" dirty="0" smtClean="0"/>
           </a:p>
           <a:p>
             <a:r>
@@ -1059,23 +1070,23 @@
           <a:p>
             <a:r>
               <a:rPr lang="pl-PL" dirty="0" smtClean="0"/>
-              <a:t>Wrzucanie</a:t>
+              <a:t>Jednostkowe</a:t>
             </a:r>
             <a:r>
               <a:rPr lang="pl-PL" baseline="0" dirty="0" smtClean="0"/>
-              <a:t> wszystkiego naraz jest klopotliwe -&gt; dostarczajmy tylko to czego naprawde potrzebujemy (male, inkremenacyjne wprowadzanie zmiany) </a:t>
+              <a:t> = wiadomo</a:t>
             </a:r>
           </a:p>
           <a:p>
             <a:r>
               <a:rPr lang="pl-PL" baseline="0" dirty="0" smtClean="0"/>
-              <a:t>Jesli wrzucamy male kawalki to mozemy skupic sie na znacznie bardziej agresywnym testowaniu tych kawalokow (czas)</a:t>
+              <a:t>Kontraktowe = czesciowo jednostkowe ale sa pomiedzy jednostkowymi a komponentowymi</a:t>
             </a:r>
           </a:p>
           <a:p>
             <a:r>
               <a:rPr lang="pl-PL" baseline="0" dirty="0" smtClean="0"/>
-              <a:t>Po krotce omowic sposob budowy (CI/CD)</a:t>
+              <a:t>„Integracyjne” = sprawdzaja logike naszej aplikacji w oparciu o kontrakty</a:t>
             </a:r>
             <a:endParaRPr lang="en-GB" dirty="0"/>
           </a:p>
@@ -1098,7 +1109,7 @@
           <a:p>
             <a:fld id="{1FE3D8C1-E517-46B6-9C32-FED0C0B6C2DD}" type="slidenum">
               <a:rPr lang="en-GB" smtClean="0"/>
-              <a:t>4</a:t>
+              <a:t>5</a:t>
             </a:fld>
             <a:endParaRPr lang="en-GB"/>
           </a:p>
@@ -1107,7 +1118,7 @@
     </p:spTree>
     <p:extLst>
       <p:ext uri="{BB962C8B-B14F-4D97-AF65-F5344CB8AC3E}">
-        <p14:creationId xmlns:p14="http://schemas.microsoft.com/office/powerpoint/2010/main" val="1119294044"/>
+        <p14:creationId xmlns:p14="http://schemas.microsoft.com/office/powerpoint/2010/main" val="958540075"/>
       </p:ext>
     </p:extLst>
   </p:cSld>
@@ -1163,13 +1174,32 @@
           <a:p>
             <a:r>
               <a:rPr lang="pl-PL" dirty="0" smtClean="0"/>
-              <a:t>Weryfikacja</a:t>
+              <a:t>Deployed tests = mogą wywoływać samą aplikację lub uruchamiać</a:t>
             </a:r>
             <a:r>
               <a:rPr lang="pl-PL" baseline="0" dirty="0" smtClean="0"/>
-              <a:t> kontraktów = przed odpaleniem testow na CI zweryfikowac kontrakty na podstawie definicji zaleznych serwisow (np.: swagger)</a:t>
-            </a:r>
-            <a:endParaRPr lang="pl-PL" dirty="0"/>
+              <a:t> ten sam kod, który jest używany przez dana wersję aplikacji</a:t>
+            </a:r>
+          </a:p>
+          <a:p>
+            <a:r>
+              <a:rPr lang="pl-PL" baseline="0" dirty="0" smtClean="0"/>
+              <a:t>E2E = sprawdzanie wszystkiego na prawdziwych </a:t>
+            </a:r>
+            <a:r>
+              <a:rPr lang="pl-PL" baseline="0" dirty="0" smtClean="0"/>
+              <a:t>środowisku</a:t>
+            </a:r>
+            <a:endParaRPr lang="pl-PL" baseline="0" dirty="0" smtClean="0"/>
+          </a:p>
+          <a:p>
+            <a:r>
+              <a:rPr lang="pl-PL" baseline="0" dirty="0" smtClean="0"/>
+              <a:t>Explaratory = cześciowo automatyczne (np.: wołanie api z postman’a) lub ręczne (klikanie po UI)</a:t>
+            </a:r>
+          </a:p>
+          <a:p>
+            <a:endParaRPr lang="en-GB" dirty="0"/>
           </a:p>
         </p:txBody>
       </p:sp>
@@ -1190,7 +1220,7 @@
           <a:p>
             <a:fld id="{1FE3D8C1-E517-46B6-9C32-FED0C0B6C2DD}" type="slidenum">
               <a:rPr lang="en-GB" smtClean="0"/>
-              <a:t>5</a:t>
+              <a:t>6</a:t>
             </a:fld>
             <a:endParaRPr lang="en-GB"/>
           </a:p>
@@ -1199,7 +1229,7 @@
     </p:spTree>
     <p:extLst>
       <p:ext uri="{BB962C8B-B14F-4D97-AF65-F5344CB8AC3E}">
-        <p14:creationId xmlns:p14="http://schemas.microsoft.com/office/powerpoint/2010/main" val="4162336924"/>
+        <p14:creationId xmlns:p14="http://schemas.microsoft.com/office/powerpoint/2010/main" val="3803677322"/>
       </p:ext>
     </p:extLst>
   </p:cSld>
@@ -1255,43 +1285,26 @@
           <a:p>
             <a:r>
               <a:rPr lang="pl-PL" dirty="0" smtClean="0"/>
-              <a:t>Pipeline</a:t>
+              <a:t>Wydajnościowe = dedykowane środowisko</a:t>
             </a:r>
             <a:r>
               <a:rPr lang="pl-PL" baseline="0" dirty="0" smtClean="0"/>
-              <a:t> = build =&gt; deploy =&gt; tests (promocja automatyczna lub na rządanie)</a:t>
+              <a:t> symulujące realny ruch, możliwie jak najbardziej odizolowane od zewnątrz</a:t>
             </a:r>
           </a:p>
           <a:p>
             <a:r>
               <a:rPr lang="pl-PL" baseline="0" dirty="0" smtClean="0"/>
-              <a:t>Monitoring = odpalanie części testów/diagnostyki co jakiś czas i wrzucanie wyników</a:t>
-            </a:r>
-          </a:p>
-          <a:p>
-            <a:pPr marL="0" marR="0" lvl="0" indent="0" algn="l" defTabSz="914400" rtl="0" eaLnBrk="1" fontAlgn="auto" latinLnBrk="0" hangingPunct="1">
-              <a:lnSpc>
-                <a:spcPct val="100000"/>
-              </a:lnSpc>
-              <a:spcBef>
-                <a:spcPts val="0"/>
-              </a:spcBef>
-              <a:spcAft>
-                <a:spcPts val="0"/>
-              </a:spcAft>
-              <a:buClrTx/>
-              <a:buSzTx/>
-              <a:buFontTx/>
-              <a:buNone/>
-              <a:tabLst/>
-              <a:defRPr/>
-            </a:pPr>
+              <a:t>Resilience = celowe wyrzucenie/uszkodzenie czesci systemu i sprawdzenia jak sie zachowa (np.: Netflix chaos </a:t>
+            </a:r>
             <a:r>
               <a:rPr lang="pl-PL" baseline="0" dirty="0" smtClean="0"/>
-              <a:t>Dashboards = agregacja i koordynacja ustawień róznych testów </a:t>
-            </a:r>
-          </a:p>
-          <a:p>
+              <a:t>monkey, gorilla i kong </a:t>
+            </a:r>
+            <a:r>
+              <a:rPr lang="pl-PL" baseline="0" dirty="0" smtClean="0"/>
+              <a:t>czy ogolniej chaos engineering) – WAZNE fail fast &amp; fail safe</a:t>
+            </a:r>
             <a:endParaRPr lang="en-GB" dirty="0"/>
           </a:p>
         </p:txBody>
@@ -1322,7 +1335,7 @@
     </p:spTree>
     <p:extLst>
       <p:ext uri="{BB962C8B-B14F-4D97-AF65-F5344CB8AC3E}">
-        <p14:creationId xmlns:p14="http://schemas.microsoft.com/office/powerpoint/2010/main" val="3878079536"/>
+        <p14:creationId xmlns:p14="http://schemas.microsoft.com/office/powerpoint/2010/main" val="237820771"/>
       </p:ext>
     </p:extLst>
   </p:cSld>
@@ -1378,23 +1391,23 @@
           <a:p>
             <a:r>
               <a:rPr lang="pl-PL" dirty="0" smtClean="0"/>
-              <a:t>Jednostkowe</a:t>
+              <a:t>Wrzucanie</a:t>
             </a:r>
             <a:r>
               <a:rPr lang="pl-PL" baseline="0" dirty="0" smtClean="0"/>
-              <a:t> = wiadomo</a:t>
+              <a:t> wszystkiego naraz jest klopotliwe -&gt; dostarczajmy tylko to czego naprawde potrzebujemy (male, inkremenacyjne wprowadzanie zmiany) </a:t>
             </a:r>
           </a:p>
           <a:p>
             <a:r>
               <a:rPr lang="pl-PL" baseline="0" dirty="0" smtClean="0"/>
-              <a:t>Kontraktowe = czesciowo jednostkowe ale sa pomiedzy jednostkowymi a komponentowymi</a:t>
+              <a:t>Jesli wrzucamy male kawalki to mozemy skupic sie na znacznie bardziej agresywnym testowaniu tych kawalokow (czas)</a:t>
             </a:r>
           </a:p>
           <a:p>
             <a:r>
               <a:rPr lang="pl-PL" baseline="0" dirty="0" smtClean="0"/>
-              <a:t>„Integracyjne” = sprawdzaja logike naszej aplikacji w oparciu o kontrakty</a:t>
+              <a:t>Po krotce omowic sposob budowy (CI/CD)</a:t>
             </a:r>
             <a:endParaRPr lang="en-GB" dirty="0"/>
           </a:p>
@@ -1417,7 +1430,7 @@
           <a:p>
             <a:fld id="{1FE3D8C1-E517-46B6-9C32-FED0C0B6C2DD}" type="slidenum">
               <a:rPr lang="en-GB" smtClean="0"/>
-              <a:t>9</a:t>
+              <a:t>8</a:t>
             </a:fld>
             <a:endParaRPr lang="en-GB"/>
           </a:p>
@@ -1426,7 +1439,7 @@
     </p:spTree>
     <p:extLst>
       <p:ext uri="{BB962C8B-B14F-4D97-AF65-F5344CB8AC3E}">
-        <p14:creationId xmlns:p14="http://schemas.microsoft.com/office/powerpoint/2010/main" val="3391375778"/>
+        <p14:creationId xmlns:p14="http://schemas.microsoft.com/office/powerpoint/2010/main" val="1119294044"/>
       </p:ext>
     </p:extLst>
   </p:cSld>
@@ -1482,27 +1495,13 @@
           <a:p>
             <a:r>
               <a:rPr lang="pl-PL" dirty="0" smtClean="0"/>
-              <a:t>Deployed tests = mogą wywoływać samą aplikację lub uruchamiać</a:t>
+              <a:t>Weryfikacja</a:t>
             </a:r>
             <a:r>
               <a:rPr lang="pl-PL" baseline="0" dirty="0" smtClean="0"/>
-              <a:t> ten sam kod, który jest używany przez dana wersję aplikacji</a:t>
-            </a:r>
-          </a:p>
-          <a:p>
-            <a:r>
-              <a:rPr lang="pl-PL" baseline="0" dirty="0" smtClean="0"/>
-              <a:t>E2E = sprawdzanie wszystkiego na prawdziwych instancjach </a:t>
-            </a:r>
-          </a:p>
-          <a:p>
-            <a:r>
-              <a:rPr lang="pl-PL" baseline="0" dirty="0" smtClean="0"/>
-              <a:t>Explaratory = cześciowo automatyczne (np.: wołanie api z postman’a) lub ręczne (klikanie po UI)</a:t>
-            </a:r>
-          </a:p>
-          <a:p>
-            <a:endParaRPr lang="en-GB" dirty="0"/>
+              <a:t> kontraktów = przed odpaleniem testow na CI zweryfikowac kontrakty na podstawie definicji zaleznych serwisow (np.: swagger)</a:t>
+            </a:r>
+            <a:endParaRPr lang="pl-PL" dirty="0"/>
           </a:p>
         </p:txBody>
       </p:sp>
@@ -1523,7 +1522,7 @@
           <a:p>
             <a:fld id="{1FE3D8C1-E517-46B6-9C32-FED0C0B6C2DD}" type="slidenum">
               <a:rPr lang="en-GB" smtClean="0"/>
-              <a:t>10</a:t>
+              <a:t>9</a:t>
             </a:fld>
             <a:endParaRPr lang="en-GB"/>
           </a:p>
@@ -1532,7 +1531,7 @@
     </p:spTree>
     <p:extLst>
       <p:ext uri="{BB962C8B-B14F-4D97-AF65-F5344CB8AC3E}">
-        <p14:creationId xmlns:p14="http://schemas.microsoft.com/office/powerpoint/2010/main" val="1022390991"/>
+        <p14:creationId xmlns:p14="http://schemas.microsoft.com/office/powerpoint/2010/main" val="4162336924"/>
       </p:ext>
     </p:extLst>
   </p:cSld>
@@ -1588,18 +1587,43 @@
           <a:p>
             <a:r>
               <a:rPr lang="pl-PL" dirty="0" smtClean="0"/>
-              <a:t>Wydajnościowe = dedykowane środowisko</a:t>
+              <a:t>Pipeline</a:t>
             </a:r>
             <a:r>
               <a:rPr lang="pl-PL" baseline="0" dirty="0" smtClean="0"/>
-              <a:t> symulujące realny ruch, możliwie jak najbardziej odizolowane od zewnątrz</a:t>
+              <a:t> = build =&gt; deploy =&gt; tests (promocja automatyczna lub na rządanie)</a:t>
             </a:r>
           </a:p>
           <a:p>
             <a:r>
               <a:rPr lang="pl-PL" baseline="0" dirty="0" smtClean="0"/>
-              <a:t>Resilience = celowe wyrzucenie/uszkodzenie czesci systemu i sprawdzenia jak sie zachowa (np.: Netflix chaos monkey czy chaos kong czy ogolniej chaos engineering) – WAZNE fail fast &amp; fail safe</a:t>
-            </a:r>
+              <a:t>Monitoring = odpalanie części testów/diagnostyki co jakiś czas i wrzucanie wyników</a:t>
+            </a:r>
+          </a:p>
+          <a:p>
+            <a:pPr marL="0" marR="0" lvl="0" indent="0" algn="l" defTabSz="914400" rtl="0" eaLnBrk="1" fontAlgn="auto" latinLnBrk="0" hangingPunct="1">
+              <a:lnSpc>
+                <a:spcPct val="100000"/>
+              </a:lnSpc>
+              <a:spcBef>
+                <a:spcPts val="0"/>
+              </a:spcBef>
+              <a:spcAft>
+                <a:spcPts val="0"/>
+              </a:spcAft>
+              <a:buClrTx/>
+              <a:buSzTx/>
+              <a:buFontTx/>
+              <a:buNone/>
+              <a:tabLst/>
+              <a:defRPr/>
+            </a:pPr>
+            <a:r>
+              <a:rPr lang="pl-PL" baseline="0" dirty="0" smtClean="0"/>
+              <a:t>Dashboards = agregacja i koordynacja ustawień róznych testów </a:t>
+            </a:r>
+          </a:p>
+          <a:p>
             <a:endParaRPr lang="en-GB" dirty="0"/>
           </a:p>
         </p:txBody>
@@ -1621,7 +1645,7 @@
           <a:p>
             <a:fld id="{1FE3D8C1-E517-46B6-9C32-FED0C0B6C2DD}" type="slidenum">
               <a:rPr lang="en-GB" smtClean="0"/>
-              <a:t>11</a:t>
+              <a:t>12</a:t>
             </a:fld>
             <a:endParaRPr lang="en-GB"/>
           </a:p>
@@ -1630,7 +1654,7 @@
     </p:spTree>
     <p:extLst>
       <p:ext uri="{BB962C8B-B14F-4D97-AF65-F5344CB8AC3E}">
-        <p14:creationId xmlns:p14="http://schemas.microsoft.com/office/powerpoint/2010/main" val="509446694"/>
+        <p14:creationId xmlns:p14="http://schemas.microsoft.com/office/powerpoint/2010/main" val="3878079536"/>
       </p:ext>
     </p:extLst>
   </p:cSld>
@@ -1705,7 +1729,7 @@
           <a:p>
             <a:fld id="{1FE3D8C1-E517-46B6-9C32-FED0C0B6C2DD}" type="slidenum">
               <a:rPr lang="en-GB" smtClean="0"/>
-              <a:t>12</a:t>
+              <a:t>13</a:t>
             </a:fld>
             <a:endParaRPr lang="en-GB"/>
           </a:p>
@@ -1855,7 +1879,7 @@
           <a:p>
             <a:fld id="{84306E19-38DB-4254-BBD9-6C4CBC784CC1}" type="datetimeFigureOut">
               <a:rPr lang="en-GB" smtClean="0"/>
-              <a:t>17/12/2017</a:t>
+              <a:t>07/01/2018</a:t>
             </a:fld>
             <a:endParaRPr lang="en-GB"/>
           </a:p>
@@ -2025,7 +2049,7 @@
           <a:p>
             <a:fld id="{84306E19-38DB-4254-BBD9-6C4CBC784CC1}" type="datetimeFigureOut">
               <a:rPr lang="en-GB" smtClean="0"/>
-              <a:t>17/12/2017</a:t>
+              <a:t>07/01/2018</a:t>
             </a:fld>
             <a:endParaRPr lang="en-GB"/>
           </a:p>
@@ -2205,7 +2229,7 @@
           <a:p>
             <a:fld id="{84306E19-38DB-4254-BBD9-6C4CBC784CC1}" type="datetimeFigureOut">
               <a:rPr lang="en-GB" smtClean="0"/>
-              <a:t>17/12/2017</a:t>
+              <a:t>07/01/2018</a:t>
             </a:fld>
             <a:endParaRPr lang="en-GB"/>
           </a:p>
@@ -2375,7 +2399,7 @@
           <a:p>
             <a:fld id="{84306E19-38DB-4254-BBD9-6C4CBC784CC1}" type="datetimeFigureOut">
               <a:rPr lang="en-GB" smtClean="0"/>
-              <a:t>17/12/2017</a:t>
+              <a:t>07/01/2018</a:t>
             </a:fld>
             <a:endParaRPr lang="en-GB"/>
           </a:p>
@@ -2621,7 +2645,7 @@
           <a:p>
             <a:fld id="{84306E19-38DB-4254-BBD9-6C4CBC784CC1}" type="datetimeFigureOut">
               <a:rPr lang="en-GB" smtClean="0"/>
-              <a:t>17/12/2017</a:t>
+              <a:t>07/01/2018</a:t>
             </a:fld>
             <a:endParaRPr lang="en-GB"/>
           </a:p>
@@ -2853,7 +2877,7 @@
           <a:p>
             <a:fld id="{84306E19-38DB-4254-BBD9-6C4CBC784CC1}" type="datetimeFigureOut">
               <a:rPr lang="en-GB" smtClean="0"/>
-              <a:t>17/12/2017</a:t>
+              <a:t>07/01/2018</a:t>
             </a:fld>
             <a:endParaRPr lang="en-GB"/>
           </a:p>
@@ -3220,7 +3244,7 @@
           <a:p>
             <a:fld id="{84306E19-38DB-4254-BBD9-6C4CBC784CC1}" type="datetimeFigureOut">
               <a:rPr lang="en-GB" smtClean="0"/>
-              <a:t>17/12/2017</a:t>
+              <a:t>07/01/2018</a:t>
             </a:fld>
             <a:endParaRPr lang="en-GB"/>
           </a:p>
@@ -3338,7 +3362,7 @@
           <a:p>
             <a:fld id="{84306E19-38DB-4254-BBD9-6C4CBC784CC1}" type="datetimeFigureOut">
               <a:rPr lang="en-GB" smtClean="0"/>
-              <a:t>17/12/2017</a:t>
+              <a:t>07/01/2018</a:t>
             </a:fld>
             <a:endParaRPr lang="en-GB"/>
           </a:p>
@@ -3433,7 +3457,7 @@
           <a:p>
             <a:fld id="{84306E19-38DB-4254-BBD9-6C4CBC784CC1}" type="datetimeFigureOut">
               <a:rPr lang="en-GB" smtClean="0"/>
-              <a:t>17/12/2017</a:t>
+              <a:t>07/01/2018</a:t>
             </a:fld>
             <a:endParaRPr lang="en-GB"/>
           </a:p>
@@ -3710,7 +3734,7 @@
           <a:p>
             <a:fld id="{84306E19-38DB-4254-BBD9-6C4CBC784CC1}" type="datetimeFigureOut">
               <a:rPr lang="en-GB" smtClean="0"/>
-              <a:t>17/12/2017</a:t>
+              <a:t>07/01/2018</a:t>
             </a:fld>
             <a:endParaRPr lang="en-GB"/>
           </a:p>
@@ -3963,7 +3987,7 @@
           <a:p>
             <a:fld id="{84306E19-38DB-4254-BBD9-6C4CBC784CC1}" type="datetimeFigureOut">
               <a:rPr lang="en-GB" smtClean="0"/>
-              <a:t>17/12/2017</a:t>
+              <a:t>07/01/2018</a:t>
             </a:fld>
             <a:endParaRPr lang="en-GB"/>
           </a:p>
@@ -4176,7 +4200,7 @@
           <a:p>
             <a:fld id="{84306E19-38DB-4254-BBD9-6C4CBC784CC1}" type="datetimeFigureOut">
               <a:rPr lang="en-GB" smtClean="0"/>
-              <a:t>17/12/2017</a:t>
+              <a:t>07/01/2018</a:t>
             </a:fld>
             <a:endParaRPr lang="en-GB"/>
           </a:p>
@@ -4630,7 +4654,15 @@
           <a:p>
             <a:r>
               <a:rPr lang="pl-PL" dirty="0" smtClean="0"/>
-              <a:t>czyli jak testować micro serwisy (i nie tylko)</a:t>
+              <a:t>czyli jak testować </a:t>
+            </a:r>
+            <a:r>
+              <a:rPr lang="pl-PL" dirty="0" smtClean="0"/>
+              <a:t>mikro </a:t>
+            </a:r>
+            <a:r>
+              <a:rPr lang="pl-PL" dirty="0" smtClean="0"/>
+              <a:t>serwisy (i nie tylko)</a:t>
             </a:r>
           </a:p>
           <a:p>
@@ -4717,7 +4749,15 @@
           <a:p>
             <a:r>
               <a:rPr lang="pl-PL" dirty="0" smtClean="0"/>
-              <a:t>Środowiskowe</a:t>
+              <a:t>Narzędzia </a:t>
+            </a:r>
+            <a:r>
+              <a:rPr lang="pl-PL" dirty="0" smtClean="0"/>
+              <a:t>dla developera – </a:t>
+            </a:r>
+            <a:r>
+              <a:rPr lang="pl-PL" dirty="0" smtClean="0"/>
+              <a:t>przykłady 1,2</a:t>
             </a:r>
             <a:endParaRPr lang="en-GB" dirty="0"/>
           </a:p>
@@ -4735,7 +4775,7 @@
         </p:nvSpPr>
         <p:spPr>
           <a:xfrm>
-            <a:off x="838200" y="1836914"/>
+            <a:off x="838200" y="1791758"/>
             <a:ext cx="10515600" cy="4351338"/>
           </a:xfrm>
         </p:spPr>
@@ -4745,30 +4785,85 @@
           <a:p>
             <a:r>
               <a:rPr lang="pl-PL" dirty="0" smtClean="0"/>
-              <a:t>Deployed tests</a:t>
-            </a:r>
-          </a:p>
-          <a:p>
-            <a:r>
-              <a:rPr lang="pl-PL" dirty="0" smtClean="0"/>
-              <a:t>E2E</a:t>
-            </a:r>
-          </a:p>
-          <a:p>
-            <a:r>
-              <a:rPr lang="pl-PL" dirty="0" smtClean="0"/>
-              <a:t>Explaratory</a:t>
-            </a:r>
-          </a:p>
-          <a:p>
-            <a:endParaRPr lang="en-GB" dirty="0"/>
-          </a:p>
-        </p:txBody>
-      </p:sp>
+              <a:t>Coarse grained unit tests</a:t>
+            </a:r>
+          </a:p>
+          <a:p>
+            <a:pPr marL="914400" lvl="2" indent="0">
+              <a:buNone/>
+            </a:pPr>
+            <a:endParaRPr lang="pl-PL" dirty="0" smtClean="0"/>
+          </a:p>
+          <a:p>
+            <a:endParaRPr lang="pl-PL" dirty="0" smtClean="0"/>
+          </a:p>
+          <a:p>
+            <a:endParaRPr lang="pl-PL" dirty="0" smtClean="0"/>
+          </a:p>
+          <a:p>
+            <a:endParaRPr lang="pl-PL" dirty="0"/>
+          </a:p>
+          <a:p>
+            <a:r>
+              <a:rPr lang="pl-PL" dirty="0" smtClean="0"/>
+              <a:t>InMemory database and test server</a:t>
+            </a:r>
+            <a:endParaRPr lang="pl-PL" dirty="0"/>
+          </a:p>
+        </p:txBody>
+      </p:sp>
+      <p:pic>
+        <p:nvPicPr>
+          <p:cNvPr id="4" name="Picture 3"/>
+          <p:cNvPicPr>
+            <a:picLocks noChangeAspect="1"/>
+          </p:cNvPicPr>
+          <p:nvPr/>
+        </p:nvPicPr>
+        <p:blipFill>
+          <a:blip r:embed="rId2"/>
+          <a:stretch>
+            <a:fillRect/>
+          </a:stretch>
+        </p:blipFill>
+        <p:spPr>
+          <a:xfrm>
+            <a:off x="1521530" y="2427905"/>
+            <a:ext cx="7227359" cy="1290130"/>
+          </a:xfrm>
+          <a:prstGeom prst="rect">
+            <a:avLst/>
+          </a:prstGeom>
+        </p:spPr>
+      </p:pic>
+      <p:pic>
+        <p:nvPicPr>
+          <p:cNvPr id="5" name="Picture 4"/>
+          <p:cNvPicPr>
+            <a:picLocks noChangeAspect="1"/>
+          </p:cNvPicPr>
+          <p:nvPr/>
+        </p:nvPicPr>
+        <p:blipFill>
+          <a:blip r:embed="rId3"/>
+          <a:stretch>
+            <a:fillRect/>
+          </a:stretch>
+        </p:blipFill>
+        <p:spPr>
+          <a:xfrm>
+            <a:off x="1521530" y="4723931"/>
+            <a:ext cx="7227359" cy="1419165"/>
+          </a:xfrm>
+          <a:prstGeom prst="rect">
+            <a:avLst/>
+          </a:prstGeom>
+        </p:spPr>
+      </p:pic>
     </p:spTree>
     <p:extLst>
       <p:ext uri="{BB962C8B-B14F-4D97-AF65-F5344CB8AC3E}">
-        <p14:creationId xmlns:p14="http://schemas.microsoft.com/office/powerpoint/2010/main" val="3249972933"/>
+        <p14:creationId xmlns:p14="http://schemas.microsoft.com/office/powerpoint/2010/main" val="3216344548"/>
       </p:ext>
     </p:extLst>
   </p:cSld>
@@ -4818,10 +4913,9 @@
           <a:lstStyle/>
           <a:p>
             <a:r>
-              <a:rPr lang="pl-PL" dirty="0" smtClean="0"/>
-              <a:t>Systemowe</a:t>
-            </a:r>
-            <a:endParaRPr lang="en-GB" dirty="0"/>
+              <a:rPr lang="pl-PL" dirty="0"/>
+              <a:t>Narzędzie dla developera – przykłady 3</a:t>
+            </a:r>
           </a:p>
         </p:txBody>
       </p:sp>
@@ -4841,23 +4935,183 @@
           <a:lstStyle/>
           <a:p>
             <a:r>
-              <a:rPr lang="pl-PL" dirty="0" smtClean="0"/>
-              <a:t>Wydajnościowe</a:t>
-            </a:r>
-          </a:p>
-          <a:p>
-            <a:r>
-              <a:rPr lang="pl-PL" dirty="0" smtClean="0"/>
-              <a:t>Odpornościowe/Dostęnościowe (resilience/availability)</a:t>
-            </a:r>
-            <a:endParaRPr lang="en-GB" dirty="0"/>
-          </a:p>
-        </p:txBody>
-      </p:sp>
+              <a:rPr lang="pl-PL" dirty="0"/>
+              <a:t>Selenium WebDriver + Http </a:t>
+            </a:r>
+            <a:r>
+              <a:rPr lang="pl-PL" dirty="0" smtClean="0"/>
+              <a:t>Server + Json Server </a:t>
+            </a:r>
+            <a:r>
+              <a:rPr lang="pl-PL" dirty="0"/>
+              <a:t>+ headless </a:t>
+            </a:r>
+            <a:r>
+              <a:rPr lang="pl-PL" dirty="0" smtClean="0"/>
+              <a:t>Firefox</a:t>
+            </a:r>
+            <a:endParaRPr lang="pl-PL" dirty="0"/>
+          </a:p>
+          <a:p>
+            <a:pPr lvl="1"/>
+            <a:r>
+              <a:rPr lang="pl-PL" dirty="0"/>
+              <a:t>Kroki:</a:t>
+            </a:r>
+          </a:p>
+          <a:p>
+            <a:pPr lvl="2"/>
+            <a:r>
+              <a:rPr lang="pl-PL" dirty="0"/>
+              <a:t>npm run startWebServer (w osobnym procesie)</a:t>
+            </a:r>
+          </a:p>
+          <a:p>
+            <a:pPr lvl="2"/>
+            <a:r>
+              <a:rPr lang="pl-PL" dirty="0"/>
+              <a:t>npm run startApi (w osobnym procesie)</a:t>
+            </a:r>
+          </a:p>
+          <a:p>
+            <a:pPr lvl="2"/>
+            <a:r>
+              <a:rPr lang="pl-PL" dirty="0" smtClean="0"/>
+              <a:t>npm </a:t>
+            </a:r>
+            <a:r>
+              <a:rPr lang="pl-PL" dirty="0"/>
+              <a:t>run selenium-test (w osobnym procesie</a:t>
+            </a:r>
+            <a:r>
+              <a:rPr lang="pl-PL" dirty="0" smtClean="0"/>
+              <a:t>)</a:t>
+            </a:r>
+            <a:endParaRPr lang="pl-PL" dirty="0"/>
+          </a:p>
+        </p:txBody>
+      </p:sp>
+      <p:pic>
+        <p:nvPicPr>
+          <p:cNvPr id="4" name="Picture 3"/>
+          <p:cNvPicPr>
+            <a:picLocks noChangeAspect="1"/>
+          </p:cNvPicPr>
+          <p:nvPr/>
+        </p:nvPicPr>
+        <p:blipFill>
+          <a:blip r:embed="rId2"/>
+          <a:stretch>
+            <a:fillRect/>
+          </a:stretch>
+        </p:blipFill>
+        <p:spPr>
+          <a:xfrm>
+            <a:off x="1082498" y="4259087"/>
+            <a:ext cx="9191625" cy="1771650"/>
+          </a:xfrm>
+          <a:prstGeom prst="rect">
+            <a:avLst/>
+          </a:prstGeom>
+        </p:spPr>
+      </p:pic>
     </p:spTree>
     <p:extLst>
       <p:ext uri="{BB962C8B-B14F-4D97-AF65-F5344CB8AC3E}">
-        <p14:creationId xmlns:p14="http://schemas.microsoft.com/office/powerpoint/2010/main" val="4282503300"/>
+        <p14:creationId xmlns:p14="http://schemas.microsoft.com/office/powerpoint/2010/main" val="1104678181"/>
+      </p:ext>
+    </p:extLst>
+  </p:cSld>
+  <p:clrMapOvr>
+    <a:masterClrMapping/>
+  </p:clrMapOvr>
+</p:sld>
+</file>
+
+<file path=ppt/slides/slide12.xml><?xml version="1.0" encoding="utf-8"?>
+<p:sld xmlns:a="http://schemas.openxmlformats.org/drawingml/2006/main" xmlns:r="http://schemas.openxmlformats.org/officeDocument/2006/relationships" xmlns:p="http://schemas.openxmlformats.org/presentationml/2006/main">
+  <p:cSld>
+    <p:spTree>
+      <p:nvGrpSpPr>
+        <p:cNvPr id="1" name=""/>
+        <p:cNvGrpSpPr/>
+        <p:nvPr/>
+      </p:nvGrpSpPr>
+      <p:grpSpPr>
+        <a:xfrm>
+          <a:off x="0" y="0"/>
+          <a:ext cx="0" cy="0"/>
+          <a:chOff x="0" y="0"/>
+          <a:chExt cx="0" cy="0"/>
+        </a:xfrm>
+      </p:grpSpPr>
+      <p:sp>
+        <p:nvSpPr>
+          <p:cNvPr id="2" name="Title 1"/>
+          <p:cNvSpPr>
+            <a:spLocks noGrp="1"/>
+          </p:cNvSpPr>
+          <p:nvPr>
+            <p:ph type="title"/>
+          </p:nvPr>
+        </p:nvSpPr>
+        <p:spPr/>
+        <p:txBody>
+          <a:bodyPr/>
+          <a:lstStyle/>
+          <a:p>
+            <a:r>
+              <a:rPr lang="pl-PL" dirty="0" smtClean="0"/>
+              <a:t>Narzędzia dla ops’a</a:t>
+            </a:r>
+            <a:endParaRPr lang="en-GB" dirty="0"/>
+          </a:p>
+        </p:txBody>
+      </p:sp>
+      <p:sp>
+        <p:nvSpPr>
+          <p:cNvPr id="3" name="Content Placeholder 2"/>
+          <p:cNvSpPr>
+            <a:spLocks noGrp="1"/>
+          </p:cNvSpPr>
+          <p:nvPr>
+            <p:ph idx="1"/>
+          </p:nvPr>
+        </p:nvSpPr>
+        <p:spPr>
+          <a:xfrm>
+            <a:off x="838200" y="1791758"/>
+            <a:ext cx="10515600" cy="4351338"/>
+          </a:xfrm>
+        </p:spPr>
+        <p:txBody>
+          <a:bodyPr/>
+          <a:lstStyle/>
+          <a:p>
+            <a:r>
+              <a:rPr lang="pl-PL" dirty="0" smtClean="0"/>
+              <a:t>Pipelines </a:t>
+            </a:r>
+          </a:p>
+          <a:p>
+            <a:r>
+              <a:rPr lang="pl-PL" dirty="0" smtClean="0"/>
+              <a:t>Monitoring </a:t>
+            </a:r>
+          </a:p>
+          <a:p>
+            <a:r>
+              <a:rPr lang="pl-PL" dirty="0" smtClean="0"/>
+              <a:t>Dashboards</a:t>
+            </a:r>
+            <a:endParaRPr lang="en-GB" dirty="0"/>
+          </a:p>
+        </p:txBody>
+      </p:sp>
+    </p:spTree>
+    <p:extLst>
+      <p:ext uri="{BB962C8B-B14F-4D97-AF65-F5344CB8AC3E}">
+        <p14:creationId xmlns:p14="http://schemas.microsoft.com/office/powerpoint/2010/main" val="2297384822"/>
       </p:ext>
     </p:extLst>
   </p:cSld>
@@ -4874,7 +5128,7 @@
 </p:sld>
 </file>
 
-<file path=ppt/slides/slide12.xml><?xml version="1.0" encoding="utf-8"?>
+<file path=ppt/slides/slide13.xml><?xml version="1.0" encoding="utf-8"?>
 <p:sld xmlns:a="http://schemas.openxmlformats.org/drawingml/2006/main" xmlns:r="http://schemas.openxmlformats.org/officeDocument/2006/relationships" xmlns:p="http://schemas.openxmlformats.org/presentationml/2006/main">
   <p:cSld>
     <p:spTree>
@@ -4963,84 +5217,6 @@
 </p:sld>
 </file>
 
-<file path=ppt/slides/slide13.xml><?xml version="1.0" encoding="utf-8"?>
-<p:sld xmlns:a="http://schemas.openxmlformats.org/drawingml/2006/main" xmlns:r="http://schemas.openxmlformats.org/officeDocument/2006/relationships" xmlns:p="http://schemas.openxmlformats.org/presentationml/2006/main">
-  <p:cSld>
-    <p:spTree>
-      <p:nvGrpSpPr>
-        <p:cNvPr id="1" name=""/>
-        <p:cNvGrpSpPr/>
-        <p:nvPr/>
-      </p:nvGrpSpPr>
-      <p:grpSpPr>
-        <a:xfrm>
-          <a:off x="0" y="0"/>
-          <a:ext cx="0" cy="0"/>
-          <a:chOff x="0" y="0"/>
-          <a:chExt cx="0" cy="0"/>
-        </a:xfrm>
-      </p:grpSpPr>
-      <p:sp>
-        <p:nvSpPr>
-          <p:cNvPr id="3" name="Content Placeholder 2"/>
-          <p:cNvSpPr>
-            <a:spLocks noGrp="1"/>
-          </p:cNvSpPr>
-          <p:nvPr>
-            <p:ph idx="1"/>
-          </p:nvPr>
-        </p:nvSpPr>
-        <p:spPr/>
-        <p:txBody>
-          <a:bodyPr/>
-          <a:lstStyle/>
-          <a:p>
-            <a:r>
-              <a:rPr lang="pl-PL" dirty="0" smtClean="0"/>
-              <a:t>Wybór strategii – co chcemy osiągnąć poprzez napisanie testów autoamtycznych? </a:t>
-            </a:r>
-          </a:p>
-          <a:p>
-            <a:r>
-              <a:rPr lang="pl-PL" dirty="0" smtClean="0"/>
-              <a:t>Wybór metodologi – testowanie funkcji/klas/komponentow vs testwoanie scenariusz</a:t>
-            </a:r>
-          </a:p>
-          <a:p>
-            <a:r>
-              <a:rPr lang="pl-PL" dirty="0" smtClean="0"/>
-              <a:t>Planowanie – zanim zaczniemy pisać kod, zastanówmy się jakiego rodzaju testy będą nam potrzebne </a:t>
-            </a:r>
-          </a:p>
-          <a:p>
-            <a:r>
-              <a:rPr lang="pl-PL" dirty="0" smtClean="0"/>
-              <a:t>Modulowość – budowanie z „klocków”</a:t>
-            </a:r>
-            <a:endParaRPr lang="en-GB" dirty="0"/>
-          </a:p>
-        </p:txBody>
-      </p:sp>
-    </p:spTree>
-    <p:extLst>
-      <p:ext uri="{BB962C8B-B14F-4D97-AF65-F5344CB8AC3E}">
-        <p14:creationId xmlns:p14="http://schemas.microsoft.com/office/powerpoint/2010/main" val="2735704985"/>
-      </p:ext>
-    </p:extLst>
-  </p:cSld>
-  <p:clrMapOvr>
-    <a:masterClrMapping/>
-  </p:clrMapOvr>
-  <p:timing>
-    <p:tnLst>
-      <p:par>
-        <p:cTn id="1" dur="indefinite" restart="never" nodeType="tmRoot"/>
-      </p:par>
-    </p:tnLst>
-  </p:timing>
-</p:sld>
-</file>
-
 <file path=ppt/slides/slide14.xml><?xml version="1.0" encoding="utf-8"?>
 <p:sld xmlns:a="http://schemas.openxmlformats.org/drawingml/2006/main" xmlns:r="http://schemas.openxmlformats.org/officeDocument/2006/relationships" xmlns:p="http://schemas.openxmlformats.org/presentationml/2006/main">
   <p:cSld>
@@ -5060,22 +5236,49 @@
       </p:grpSpPr>
       <p:sp>
         <p:nvSpPr>
-          <p:cNvPr id="2" name="Title 1"/>
-          <p:cNvSpPr>
-            <a:spLocks noGrp="1"/>
-          </p:cNvSpPr>
-          <p:nvPr>
-            <p:ph type="title"/>
-          </p:nvPr>
-        </p:nvSpPr>
-        <p:spPr/>
-        <p:txBody>
-          <a:bodyPr/>
-          <a:lstStyle/>
-          <a:p>
-            <a:r>
-              <a:rPr lang="pl-PL" dirty="0" smtClean="0"/>
-              <a:t>Metodologia - przykłady</a:t>
+          <p:cNvPr id="3" name="Content Placeholder 2"/>
+          <p:cNvSpPr>
+            <a:spLocks noGrp="1"/>
+          </p:cNvSpPr>
+          <p:nvPr>
+            <p:ph idx="1"/>
+          </p:nvPr>
+        </p:nvSpPr>
+        <p:spPr/>
+        <p:txBody>
+          <a:bodyPr/>
+          <a:lstStyle/>
+          <a:p>
+            <a:r>
+              <a:rPr lang="pl-PL" dirty="0" smtClean="0"/>
+              <a:t>Wybór strategii – co chcemy osiągnąć poprzez napisanie testów autoamtycznych? </a:t>
+            </a:r>
+          </a:p>
+          <a:p>
+            <a:r>
+              <a:rPr lang="pl-PL" dirty="0" smtClean="0"/>
+              <a:t>Wybór metodologi – testowanie funkcji/klas/komponentow vs </a:t>
+            </a:r>
+            <a:r>
+              <a:rPr lang="pl-PL" dirty="0" smtClean="0"/>
+              <a:t>testowanie scenariuszowe</a:t>
+            </a:r>
+            <a:endParaRPr lang="pl-PL" dirty="0" smtClean="0"/>
+          </a:p>
+          <a:p>
+            <a:r>
+              <a:rPr lang="pl-PL" dirty="0" smtClean="0"/>
+              <a:t>Planowanie – zanim zaczniemy pisać kod, zastanówmy się jakiego rodzaju testy będą nam potrzebne </a:t>
+            </a:r>
+          </a:p>
+          <a:p>
+            <a:r>
+              <a:rPr lang="pl-PL" dirty="0" smtClean="0"/>
+              <a:t>Modułowość </a:t>
+            </a:r>
+            <a:r>
+              <a:rPr lang="pl-PL" dirty="0" smtClean="0"/>
+              <a:t>– budowanie z „klocków”</a:t>
             </a:r>
             <a:endParaRPr lang="en-GB" dirty="0"/>
           </a:p>
@@ -5084,7 +5287,7 @@
     </p:spTree>
     <p:extLst>
       <p:ext uri="{BB962C8B-B14F-4D97-AF65-F5344CB8AC3E}">
-        <p14:creationId xmlns:p14="http://schemas.microsoft.com/office/powerpoint/2010/main" val="430514157"/>
+        <p14:creationId xmlns:p14="http://schemas.microsoft.com/office/powerpoint/2010/main" val="2735704985"/>
       </p:ext>
     </p:extLst>
   </p:cSld>
@@ -5135,12 +5338,120 @@
           <a:p>
             <a:r>
               <a:rPr lang="pl-PL" dirty="0" smtClean="0"/>
+              <a:t>Metodologia - przykłady</a:t>
+            </a:r>
+            <a:endParaRPr lang="en-GB" dirty="0"/>
+          </a:p>
+        </p:txBody>
+      </p:sp>
+      <p:pic>
+        <p:nvPicPr>
+          <p:cNvPr id="3" name="Picture 2"/>
+          <p:cNvPicPr>
+            <a:picLocks noChangeAspect="1"/>
+          </p:cNvPicPr>
+          <p:nvPr/>
+        </p:nvPicPr>
+        <p:blipFill>
+          <a:blip r:embed="rId2"/>
+          <a:stretch>
+            <a:fillRect/>
+          </a:stretch>
+        </p:blipFill>
+        <p:spPr>
+          <a:xfrm>
+            <a:off x="952500" y="2211211"/>
+            <a:ext cx="10401300" cy="2819400"/>
+          </a:xfrm>
+          <a:prstGeom prst="rect">
+            <a:avLst/>
+          </a:prstGeom>
+        </p:spPr>
+      </p:pic>
+    </p:spTree>
+    <p:extLst>
+      <p:ext uri="{BB962C8B-B14F-4D97-AF65-F5344CB8AC3E}">
+        <p14:creationId xmlns:p14="http://schemas.microsoft.com/office/powerpoint/2010/main" val="430514157"/>
+      </p:ext>
+    </p:extLst>
+  </p:cSld>
+  <p:clrMapOvr>
+    <a:masterClrMapping/>
+  </p:clrMapOvr>
+  <p:timing>
+    <p:tnLst>
+      <p:par>
+        <p:cTn id="1" dur="indefinite" restart="never" nodeType="tmRoot"/>
+      </p:par>
+    </p:tnLst>
+  </p:timing>
+</p:sld>
+</file>
+
+<file path=ppt/slides/slide16.xml><?xml version="1.0" encoding="utf-8"?>
+<p:sld xmlns:a="http://schemas.openxmlformats.org/drawingml/2006/main" xmlns:r="http://schemas.openxmlformats.org/officeDocument/2006/relationships" xmlns:p="http://schemas.openxmlformats.org/presentationml/2006/main">
+  <p:cSld>
+    <p:spTree>
+      <p:nvGrpSpPr>
+        <p:cNvPr id="1" name=""/>
+        <p:cNvGrpSpPr/>
+        <p:nvPr/>
+      </p:nvGrpSpPr>
+      <p:grpSpPr>
+        <a:xfrm>
+          <a:off x="0" y="0"/>
+          <a:ext cx="0" cy="0"/>
+          <a:chOff x="0" y="0"/>
+          <a:chExt cx="0" cy="0"/>
+        </a:xfrm>
+      </p:grpSpPr>
+      <p:sp>
+        <p:nvSpPr>
+          <p:cNvPr id="2" name="Title 1"/>
+          <p:cNvSpPr>
+            <a:spLocks noGrp="1"/>
+          </p:cNvSpPr>
+          <p:nvPr>
+            <p:ph type="title"/>
+          </p:nvPr>
+        </p:nvSpPr>
+        <p:spPr/>
+        <p:txBody>
+          <a:bodyPr/>
+          <a:lstStyle/>
+          <a:p>
+            <a:r>
+              <a:rPr lang="pl-PL" dirty="0" smtClean="0"/>
               <a:t>Modułowość  - przykłady</a:t>
             </a:r>
             <a:endParaRPr lang="en-GB" dirty="0"/>
           </a:p>
         </p:txBody>
       </p:sp>
+      <p:pic>
+        <p:nvPicPr>
+          <p:cNvPr id="3" name="Picture 2"/>
+          <p:cNvPicPr>
+            <a:picLocks noChangeAspect="1"/>
+          </p:cNvPicPr>
+          <p:nvPr/>
+        </p:nvPicPr>
+        <p:blipFill>
+          <a:blip r:embed="rId2"/>
+          <a:stretch>
+            <a:fillRect/>
+          </a:stretch>
+        </p:blipFill>
+        <p:spPr>
+          <a:xfrm>
+            <a:off x="838200" y="1981553"/>
+            <a:ext cx="10515600" cy="3752850"/>
+          </a:xfrm>
+          <a:prstGeom prst="rect">
+            <a:avLst/>
+          </a:prstGeom>
+        </p:spPr>
+      </p:pic>
     </p:spTree>
     <p:extLst>
       <p:ext uri="{BB962C8B-B14F-4D97-AF65-F5344CB8AC3E}">
@@ -5161,7 +5472,7 @@
 </p:sld>
 </file>
 
-<file path=ppt/slides/slide16.xml><?xml version="1.0" encoding="utf-8"?>
+<file path=ppt/slides/slide17.xml><?xml version="1.0" encoding="utf-8"?>
 <p:sld xmlns:a="http://schemas.openxmlformats.org/drawingml/2006/main" xmlns:r="http://schemas.openxmlformats.org/officeDocument/2006/relationships" xmlns:p="http://schemas.openxmlformats.org/presentationml/2006/main">
   <p:cSld>
     <p:spTree>
@@ -5245,7 +5556,7 @@
 </p:sld>
 </file>
 
-<file path=ppt/slides/slide17.xml><?xml version="1.0" encoding="utf-8"?>
+<file path=ppt/slides/slide18.xml><?xml version="1.0" encoding="utf-8"?>
 <p:sld xmlns:a="http://schemas.openxmlformats.org/drawingml/2006/main" xmlns:r="http://schemas.openxmlformats.org/officeDocument/2006/relationships" xmlns:p="http://schemas.openxmlformats.org/presentationml/2006/main">
   <p:cSld>
     <p:spTree>
@@ -5305,6 +5616,17 @@
               <a:rPr lang="pl-PL" dirty="0" smtClean="0"/>
               <a:t>Mutation tests </a:t>
             </a:r>
+            <a:r>
+              <a:rPr lang="pl-PL" dirty="0" smtClean="0"/>
+              <a:t>(testy mutacyjne)</a:t>
+            </a:r>
+          </a:p>
+          <a:p>
+            <a:r>
+              <a:rPr lang="pl-PL" dirty="0" smtClean="0"/>
+              <a:t>Formal verification (weryfikacja formalna)</a:t>
+            </a:r>
+            <a:endParaRPr lang="pl-PL" dirty="0" smtClean="0"/>
           </a:p>
           <a:p>
             <a:endParaRPr lang="en-GB" dirty="0"/>
@@ -5331,7 +5653,7 @@
 </p:sld>
 </file>
 
-<file path=ppt/slides/slide18.xml><?xml version="1.0" encoding="utf-8"?>
+<file path=ppt/slides/slide19.xml><?xml version="1.0" encoding="utf-8"?>
 <p:sld xmlns:a="http://schemas.openxmlformats.org/drawingml/2006/main" xmlns:r="http://schemas.openxmlformats.org/officeDocument/2006/relationships" xmlns:p="http://schemas.openxmlformats.org/presentationml/2006/main">
   <p:cSld>
     <p:spTree>
@@ -5421,100 +5743,6 @@
 </p:sld>
 </file>
 
-<file path=ppt/slides/slide19.xml><?xml version="1.0" encoding="utf-8"?>
-<p:sld xmlns:a="http://schemas.openxmlformats.org/drawingml/2006/main" xmlns:r="http://schemas.openxmlformats.org/officeDocument/2006/relationships" xmlns:p="http://schemas.openxmlformats.org/presentationml/2006/main">
-  <p:cSld>
-    <p:spTree>
-      <p:nvGrpSpPr>
-        <p:cNvPr id="1" name=""/>
-        <p:cNvGrpSpPr/>
-        <p:nvPr/>
-      </p:nvGrpSpPr>
-      <p:grpSpPr>
-        <a:xfrm>
-          <a:off x="0" y="0"/>
-          <a:ext cx="0" cy="0"/>
-          <a:chOff x="0" y="0"/>
-          <a:chExt cx="0" cy="0"/>
-        </a:xfrm>
-      </p:grpSpPr>
-      <p:sp>
-        <p:nvSpPr>
-          <p:cNvPr id="2" name="Title 1"/>
-          <p:cNvSpPr>
-            <a:spLocks noGrp="1"/>
-          </p:cNvSpPr>
-          <p:nvPr>
-            <p:ph type="title"/>
-          </p:nvPr>
-        </p:nvSpPr>
-        <p:spPr/>
-        <p:txBody>
-          <a:bodyPr/>
-          <a:lstStyle/>
-          <a:p>
-            <a:r>
-              <a:rPr lang="pl-PL" dirty="0" smtClean="0"/>
-              <a:t>Trudności</a:t>
-            </a:r>
-            <a:endParaRPr lang="en-GB" dirty="0"/>
-          </a:p>
-        </p:txBody>
-      </p:sp>
-      <p:sp>
-        <p:nvSpPr>
-          <p:cNvPr id="3" name="Content Placeholder 2"/>
-          <p:cNvSpPr>
-            <a:spLocks noGrp="1"/>
-          </p:cNvSpPr>
-          <p:nvPr>
-            <p:ph idx="1"/>
-          </p:nvPr>
-        </p:nvSpPr>
-        <p:spPr/>
-        <p:txBody>
-          <a:bodyPr/>
-          <a:lstStyle/>
-          <a:p>
-            <a:r>
-              <a:rPr lang="pl-PL" dirty="0" smtClean="0"/>
-              <a:t>Standaryzacja i automatyzacja procesów na poziomie całej firmy</a:t>
-            </a:r>
-          </a:p>
-          <a:p>
-            <a:r>
-              <a:rPr lang="pl-PL" dirty="0" smtClean="0"/>
-              <a:t>Wprowadzanie większych zmian może być bardziej złożone</a:t>
-            </a:r>
-          </a:p>
-          <a:p>
-            <a:r>
-              <a:rPr lang="pl-PL" dirty="0" smtClean="0"/>
-              <a:t>Koszt  - czas, narzędzie, doświadczony zespół, szkolenia, etc. w krótkim okresie czasu</a:t>
-            </a:r>
-          </a:p>
-        </p:txBody>
-      </p:sp>
-    </p:spTree>
-    <p:extLst>
-      <p:ext uri="{BB962C8B-B14F-4D97-AF65-F5344CB8AC3E}">
-        <p14:creationId xmlns:p14="http://schemas.microsoft.com/office/powerpoint/2010/main" val="1390924937"/>
-      </p:ext>
-    </p:extLst>
-  </p:cSld>
-  <p:clrMapOvr>
-    <a:masterClrMapping/>
-  </p:clrMapOvr>
-  <p:timing>
-    <p:tnLst>
-      <p:par>
-        <p:cTn id="1" dur="indefinite" restart="never" nodeType="tmRoot"/>
-      </p:par>
-    </p:tnLst>
-  </p:timing>
-</p:sld>
-</file>
-
 <file path=ppt/slides/slide2.xml><?xml version="1.0" encoding="utf-8"?>
 <p:sld xmlns:a="http://schemas.openxmlformats.org/drawingml/2006/main" xmlns:r="http://schemas.openxmlformats.org/officeDocument/2006/relationships" xmlns:p="http://schemas.openxmlformats.org/presentationml/2006/main">
   <p:cSld>
@@ -5572,8 +5800,23 @@
           <a:p>
             <a:r>
               <a:rPr lang="pl-PL" dirty="0" smtClean="0"/>
-              <a:t>W czym tkwi problem?</a:t>
-            </a:r>
+              <a:t>W czym tkwi problem</a:t>
+            </a:r>
+            <a:r>
+              <a:rPr lang="pl-PL" dirty="0" smtClean="0"/>
+              <a:t>?</a:t>
+            </a:r>
+          </a:p>
+          <a:p>
+            <a:r>
+              <a:rPr lang="pl-PL" dirty="0"/>
+              <a:t>Rodzaje </a:t>
+            </a:r>
+            <a:r>
+              <a:rPr lang="pl-PL" dirty="0" smtClean="0"/>
+              <a:t>testów</a:t>
+            </a:r>
+            <a:endParaRPr lang="pl-PL" dirty="0" smtClean="0"/>
           </a:p>
           <a:p>
             <a:r>
@@ -5584,13 +5827,11 @@
           <a:p>
             <a:r>
               <a:rPr lang="pl-PL" dirty="0" smtClean="0"/>
-              <a:t>Rodzaje testów</a:t>
-            </a:r>
-          </a:p>
-          <a:p>
-            <a:r>
-              <a:rPr lang="pl-PL" dirty="0" smtClean="0"/>
-              <a:t>Jak pisać testy automatyczne?</a:t>
+              <a:t>Jak </a:t>
+            </a:r>
+            <a:r>
+              <a:rPr lang="pl-PL" dirty="0" smtClean="0"/>
+              <a:t>pisać testy automatyczne?</a:t>
             </a:r>
           </a:p>
           <a:p>
@@ -5661,6 +5902,108 @@
           <a:p>
             <a:r>
               <a:rPr lang="pl-PL" dirty="0" smtClean="0"/>
+              <a:t>Trudności</a:t>
+            </a:r>
+            <a:endParaRPr lang="en-GB" dirty="0"/>
+          </a:p>
+        </p:txBody>
+      </p:sp>
+      <p:sp>
+        <p:nvSpPr>
+          <p:cNvPr id="3" name="Content Placeholder 2"/>
+          <p:cNvSpPr>
+            <a:spLocks noGrp="1"/>
+          </p:cNvSpPr>
+          <p:nvPr>
+            <p:ph idx="1"/>
+          </p:nvPr>
+        </p:nvSpPr>
+        <p:spPr/>
+        <p:txBody>
+          <a:bodyPr/>
+          <a:lstStyle/>
+          <a:p>
+            <a:r>
+              <a:rPr lang="pl-PL" dirty="0" smtClean="0"/>
+              <a:t>Standaryzacja i automatyzacja procesów na poziomie całej firmy</a:t>
+            </a:r>
+          </a:p>
+          <a:p>
+            <a:r>
+              <a:rPr lang="pl-PL" dirty="0" smtClean="0"/>
+              <a:t>Wprowadzanie większych zmian może być bardziej złożone</a:t>
+            </a:r>
+          </a:p>
+          <a:p>
+            <a:r>
+              <a:rPr lang="pl-PL" dirty="0" smtClean="0"/>
+              <a:t>Koszt  - czas, </a:t>
+            </a:r>
+            <a:r>
+              <a:rPr lang="pl-PL" dirty="0" smtClean="0"/>
+              <a:t>narzędzia, krzywa nauki, </a:t>
+            </a:r>
+            <a:r>
+              <a:rPr lang="pl-PL" dirty="0" smtClean="0"/>
+              <a:t>szkolenia, etc. w krótkim okresie czasu</a:t>
+            </a:r>
+          </a:p>
+        </p:txBody>
+      </p:sp>
+    </p:spTree>
+    <p:extLst>
+      <p:ext uri="{BB962C8B-B14F-4D97-AF65-F5344CB8AC3E}">
+        <p14:creationId xmlns:p14="http://schemas.microsoft.com/office/powerpoint/2010/main" val="1390924937"/>
+      </p:ext>
+    </p:extLst>
+  </p:cSld>
+  <p:clrMapOvr>
+    <a:masterClrMapping/>
+  </p:clrMapOvr>
+  <p:timing>
+    <p:tnLst>
+      <p:par>
+        <p:cTn id="1" dur="indefinite" restart="never" nodeType="tmRoot"/>
+      </p:par>
+    </p:tnLst>
+  </p:timing>
+</p:sld>
+</file>
+
+<file path=ppt/slides/slide21.xml><?xml version="1.0" encoding="utf-8"?>
+<p:sld xmlns:a="http://schemas.openxmlformats.org/drawingml/2006/main" xmlns:r="http://schemas.openxmlformats.org/officeDocument/2006/relationships" xmlns:p="http://schemas.openxmlformats.org/presentationml/2006/main">
+  <p:cSld>
+    <p:spTree>
+      <p:nvGrpSpPr>
+        <p:cNvPr id="1" name=""/>
+        <p:cNvGrpSpPr/>
+        <p:nvPr/>
+      </p:nvGrpSpPr>
+      <p:grpSpPr>
+        <a:xfrm>
+          <a:off x="0" y="0"/>
+          <a:ext cx="0" cy="0"/>
+          <a:chOff x="0" y="0"/>
+          <a:chExt cx="0" cy="0"/>
+        </a:xfrm>
+      </p:grpSpPr>
+      <p:sp>
+        <p:nvSpPr>
+          <p:cNvPr id="2" name="Title 1"/>
+          <p:cNvSpPr>
+            <a:spLocks noGrp="1"/>
+          </p:cNvSpPr>
+          <p:nvPr>
+            <p:ph type="title"/>
+          </p:nvPr>
+        </p:nvSpPr>
+        <p:spPr/>
+        <p:txBody>
+          <a:bodyPr/>
+          <a:lstStyle/>
+          <a:p>
+            <a:r>
+              <a:rPr lang="pl-PL" dirty="0" smtClean="0"/>
               <a:t>Zalety</a:t>
             </a:r>
             <a:endParaRPr lang="en-GB" dirty="0"/>
@@ -5728,7 +6071,7 @@
 </p:sld>
 </file>
 
-<file path=ppt/slides/slide21.xml><?xml version="1.0" encoding="utf-8"?>
+<file path=ppt/slides/slide22.xml><?xml version="1.0" encoding="utf-8"?>
 <p:sld xmlns:a="http://schemas.openxmlformats.org/drawingml/2006/main" xmlns:r="http://schemas.openxmlformats.org/officeDocument/2006/relationships" xmlns:p="http://schemas.openxmlformats.org/presentationml/2006/main">
   <p:cSld>
     <p:spTree>
@@ -5818,7 +6161,7 @@
 </p:sld>
 </file>
 
-<file path=ppt/slides/slide22.xml><?xml version="1.0" encoding="utf-8"?>
+<file path=ppt/slides/slide23.xml><?xml version="1.0" encoding="utf-8"?>
 <p:sld xmlns:a="http://schemas.openxmlformats.org/drawingml/2006/main" xmlns:r="http://schemas.openxmlformats.org/officeDocument/2006/relationships" xmlns:p="http://schemas.openxmlformats.org/presentationml/2006/main">
   <p:cSld>
     <p:spTree>
@@ -5877,17 +6220,131 @@
               <a:buNone/>
             </a:pPr>
             <a:r>
-              <a:rPr lang="pl-PL" dirty="0" smtClean="0"/>
-              <a:t>github: https</a:t>
-            </a:r>
-            <a:r>
-              <a:rPr lang="pl-PL" dirty="0"/>
+              <a:rPr lang="pl-PL" dirty="0" smtClean="0">
+                <a:hlinkClick r:id="rId2"/>
+              </a:rPr>
+              <a:t>https</a:t>
+            </a:r>
+            <a:r>
+              <a:rPr lang="pl-PL" dirty="0">
+                <a:hlinkClick r:id="rId2"/>
+              </a:rPr>
               <a:t>://</a:t>
             </a:r>
             <a:r>
-              <a:rPr lang="pl-PL" dirty="0" smtClean="0"/>
+              <a:rPr lang="pl-PL" dirty="0" smtClean="0">
+                <a:hlinkClick r:id="rId2"/>
+              </a:rPr>
               <a:t>github.com/plitwinski/automated-tests-presentation</a:t>
             </a:r>
+            <a:endParaRPr lang="pl-PL" dirty="0" smtClean="0"/>
+          </a:p>
+          <a:p>
+            <a:pPr marL="0" indent="0">
+              <a:buNone/>
+            </a:pPr>
+            <a:r>
+              <a:rPr lang="pl-PL" dirty="0">
+                <a:hlinkClick r:id="rId3"/>
+              </a:rPr>
+              <a:t>https://</a:t>
+            </a:r>
+            <a:r>
+              <a:rPr lang="pl-PL" dirty="0" smtClean="0">
+                <a:hlinkClick r:id="rId3"/>
+              </a:rPr>
+              <a:t>en.wikipedia.org/wiki/Formal_verification</a:t>
+            </a:r>
+            <a:endParaRPr lang="pl-PL" dirty="0" smtClean="0"/>
+          </a:p>
+          <a:p>
+            <a:pPr marL="0" indent="0">
+              <a:buNone/>
+            </a:pPr>
+            <a:r>
+              <a:rPr lang="pl-PL" dirty="0">
+                <a:hlinkClick r:id="rId4"/>
+              </a:rPr>
+              <a:t>https://</a:t>
+            </a:r>
+            <a:r>
+              <a:rPr lang="pl-PL" dirty="0" smtClean="0">
+                <a:hlinkClick r:id="rId4"/>
+              </a:rPr>
+              <a:t>medium.com/netflix-techblog/the-netflix-simian-army-16e57fbab116</a:t>
+            </a:r>
+            <a:endParaRPr lang="pl-PL" dirty="0" smtClean="0"/>
+          </a:p>
+          <a:p>
+            <a:pPr marL="0" indent="0">
+              <a:buNone/>
+            </a:pPr>
+            <a:r>
+              <a:rPr lang="pl-PL" dirty="0">
+                <a:hlinkClick r:id="rId5"/>
+              </a:rPr>
+              <a:t>https://</a:t>
+            </a:r>
+            <a:r>
+              <a:rPr lang="pl-PL" dirty="0" smtClean="0">
+                <a:hlinkClick r:id="rId5"/>
+              </a:rPr>
+              <a:t>medium.com/netflix-techblog/chaos-engineering-upgraded-878d341f15fa</a:t>
+            </a:r>
+            <a:endParaRPr lang="pl-PL" dirty="0" smtClean="0"/>
+          </a:p>
+          <a:p>
+            <a:pPr marL="0" indent="0">
+              <a:buNone/>
+            </a:pPr>
+            <a:r>
+              <a:rPr lang="pl-PL" dirty="0">
+                <a:hlinkClick r:id="rId6"/>
+              </a:rPr>
+              <a:t>https://</a:t>
+            </a:r>
+            <a:r>
+              <a:rPr lang="pl-PL" dirty="0" smtClean="0">
+                <a:hlinkClick r:id="rId6"/>
+              </a:rPr>
+              <a:t>en.wikipedia.org/wiki/Mutation_testing</a:t>
+            </a:r>
+            <a:endParaRPr lang="pl-PL" dirty="0" smtClean="0"/>
+          </a:p>
+          <a:p>
+            <a:pPr marL="0" indent="0">
+              <a:buNone/>
+            </a:pPr>
+            <a:r>
+              <a:rPr lang="pl-PL" dirty="0">
+                <a:hlinkClick r:id="rId7"/>
+              </a:rPr>
+              <a:t>https://</a:t>
+            </a:r>
+            <a:r>
+              <a:rPr lang="pl-PL" dirty="0" smtClean="0">
+                <a:hlinkClick r:id="rId7"/>
+              </a:rPr>
+              <a:t>martinfowler.com/articles/microservice-testing</a:t>
+            </a:r>
+            <a:endParaRPr lang="pl-PL" dirty="0" smtClean="0"/>
+          </a:p>
+          <a:p>
+            <a:pPr marL="0" indent="0">
+              <a:buNone/>
+            </a:pPr>
+            <a:endParaRPr lang="pl-PL" dirty="0" smtClean="0"/>
+          </a:p>
+          <a:p>
+            <a:pPr marL="0" indent="0">
+              <a:buNone/>
+            </a:pPr>
+            <a:endParaRPr lang="pl-PL" dirty="0" smtClean="0"/>
+          </a:p>
+          <a:p>
+            <a:pPr marL="0" indent="0">
+              <a:buNone/>
+            </a:pPr>
             <a:endParaRPr lang="pl-PL" dirty="0" smtClean="0"/>
           </a:p>
           <a:p>
@@ -6035,6 +6492,393 @@
           <a:p>
             <a:r>
               <a:rPr lang="pl-PL" dirty="0" smtClean="0"/>
+              <a:t>Rodzaje testów</a:t>
+            </a:r>
+            <a:endParaRPr lang="en-GB" dirty="0"/>
+          </a:p>
+        </p:txBody>
+      </p:sp>
+      <p:pic>
+        <p:nvPicPr>
+          <p:cNvPr id="5" name="Picture 4"/>
+          <p:cNvPicPr>
+            <a:picLocks noChangeAspect="1"/>
+          </p:cNvPicPr>
+          <p:nvPr/>
+        </p:nvPicPr>
+        <p:blipFill>
+          <a:blip r:embed="rId2">
+            <a:extLst>
+              <a:ext uri="{28A0092B-C50C-407E-A947-70E740481C1C}">
+                <a14:useLocalDpi xmlns:a14="http://schemas.microsoft.com/office/drawing/2010/main" val="0"/>
+              </a:ext>
+            </a:extLst>
+          </a:blip>
+          <a:stretch>
+            <a:fillRect/>
+          </a:stretch>
+        </p:blipFill>
+        <p:spPr>
+          <a:xfrm>
+            <a:off x="3435034" y="2099733"/>
+            <a:ext cx="5227121" cy="3409245"/>
+          </a:xfrm>
+          <a:prstGeom prst="rect">
+            <a:avLst/>
+          </a:prstGeom>
+        </p:spPr>
+      </p:pic>
+    </p:spTree>
+    <p:extLst>
+      <p:ext uri="{BB962C8B-B14F-4D97-AF65-F5344CB8AC3E}">
+        <p14:creationId xmlns:p14="http://schemas.microsoft.com/office/powerpoint/2010/main" val="1261438835"/>
+      </p:ext>
+    </p:extLst>
+  </p:cSld>
+  <p:clrMapOvr>
+    <a:masterClrMapping/>
+  </p:clrMapOvr>
+  <p:timing>
+    <p:tnLst>
+      <p:par>
+        <p:cTn id="1" dur="indefinite" restart="never" nodeType="tmRoot"/>
+      </p:par>
+    </p:tnLst>
+  </p:timing>
+</p:sld>
+</file>
+
+<file path=ppt/slides/slide5.xml><?xml version="1.0" encoding="utf-8"?>
+<p:sld xmlns:a="http://schemas.openxmlformats.org/drawingml/2006/main" xmlns:r="http://schemas.openxmlformats.org/officeDocument/2006/relationships" xmlns:p="http://schemas.openxmlformats.org/presentationml/2006/main">
+  <p:cSld>
+    <p:spTree>
+      <p:nvGrpSpPr>
+        <p:cNvPr id="1" name=""/>
+        <p:cNvGrpSpPr/>
+        <p:nvPr/>
+      </p:nvGrpSpPr>
+      <p:grpSpPr>
+        <a:xfrm>
+          <a:off x="0" y="0"/>
+          <a:ext cx="0" cy="0"/>
+          <a:chOff x="0" y="0"/>
+          <a:chExt cx="0" cy="0"/>
+        </a:xfrm>
+      </p:grpSpPr>
+      <p:sp>
+        <p:nvSpPr>
+          <p:cNvPr id="2" name="Title 1"/>
+          <p:cNvSpPr>
+            <a:spLocks noGrp="1"/>
+          </p:cNvSpPr>
+          <p:nvPr>
+            <p:ph type="title"/>
+          </p:nvPr>
+        </p:nvSpPr>
+        <p:spPr/>
+        <p:txBody>
+          <a:bodyPr/>
+          <a:lstStyle/>
+          <a:p>
+            <a:r>
+              <a:rPr lang="pl-PL" dirty="0" smtClean="0"/>
+              <a:t>W trakcie </a:t>
+            </a:r>
+            <a:r>
+              <a:rPr lang="pl-PL" dirty="0" smtClean="0"/>
+              <a:t>budowania</a:t>
+            </a:r>
+            <a:endParaRPr lang="en-GB" dirty="0"/>
+          </a:p>
+        </p:txBody>
+      </p:sp>
+      <p:sp>
+        <p:nvSpPr>
+          <p:cNvPr id="3" name="Content Placeholder 2"/>
+          <p:cNvSpPr>
+            <a:spLocks noGrp="1"/>
+          </p:cNvSpPr>
+          <p:nvPr>
+            <p:ph idx="1"/>
+          </p:nvPr>
+        </p:nvSpPr>
+        <p:spPr/>
+        <p:txBody>
+          <a:bodyPr/>
+          <a:lstStyle/>
+          <a:p>
+            <a:r>
+              <a:rPr lang="pl-PL" dirty="0" smtClean="0"/>
+              <a:t>Jednostkowe</a:t>
+            </a:r>
+          </a:p>
+          <a:p>
+            <a:r>
+              <a:rPr lang="pl-PL" dirty="0" smtClean="0"/>
+              <a:t>Kontraktowe</a:t>
+            </a:r>
+          </a:p>
+          <a:p>
+            <a:r>
+              <a:rPr lang="pl-PL" dirty="0" smtClean="0"/>
+              <a:t>Serwisowe/Komponentowe</a:t>
+            </a:r>
+            <a:endParaRPr lang="en-GB" dirty="0"/>
+          </a:p>
+        </p:txBody>
+      </p:sp>
+    </p:spTree>
+    <p:extLst>
+      <p:ext uri="{BB962C8B-B14F-4D97-AF65-F5344CB8AC3E}">
+        <p14:creationId xmlns:p14="http://schemas.microsoft.com/office/powerpoint/2010/main" val="1936318684"/>
+      </p:ext>
+    </p:extLst>
+  </p:cSld>
+  <p:clrMapOvr>
+    <a:masterClrMapping/>
+  </p:clrMapOvr>
+  <p:timing>
+    <p:tnLst>
+      <p:par>
+        <p:cTn id="1" dur="indefinite" restart="never" nodeType="tmRoot"/>
+      </p:par>
+    </p:tnLst>
+  </p:timing>
+</p:sld>
+</file>
+
+<file path=ppt/slides/slide6.xml><?xml version="1.0" encoding="utf-8"?>
+<p:sld xmlns:a="http://schemas.openxmlformats.org/drawingml/2006/main" xmlns:r="http://schemas.openxmlformats.org/officeDocument/2006/relationships" xmlns:p="http://schemas.openxmlformats.org/presentationml/2006/main">
+  <p:cSld>
+    <p:spTree>
+      <p:nvGrpSpPr>
+        <p:cNvPr id="1" name=""/>
+        <p:cNvGrpSpPr/>
+        <p:nvPr/>
+      </p:nvGrpSpPr>
+      <p:grpSpPr>
+        <a:xfrm>
+          <a:off x="0" y="0"/>
+          <a:ext cx="0" cy="0"/>
+          <a:chOff x="0" y="0"/>
+          <a:chExt cx="0" cy="0"/>
+        </a:xfrm>
+      </p:grpSpPr>
+      <p:sp>
+        <p:nvSpPr>
+          <p:cNvPr id="2" name="Title 1"/>
+          <p:cNvSpPr>
+            <a:spLocks noGrp="1"/>
+          </p:cNvSpPr>
+          <p:nvPr>
+            <p:ph type="title"/>
+          </p:nvPr>
+        </p:nvSpPr>
+        <p:spPr/>
+        <p:txBody>
+          <a:bodyPr/>
+          <a:lstStyle/>
+          <a:p>
+            <a:r>
+              <a:rPr lang="pl-PL" dirty="0" smtClean="0"/>
+              <a:t>Środowiskowe</a:t>
+            </a:r>
+            <a:endParaRPr lang="en-GB" dirty="0"/>
+          </a:p>
+        </p:txBody>
+      </p:sp>
+      <p:sp>
+        <p:nvSpPr>
+          <p:cNvPr id="3" name="Content Placeholder 2"/>
+          <p:cNvSpPr>
+            <a:spLocks noGrp="1"/>
+          </p:cNvSpPr>
+          <p:nvPr>
+            <p:ph idx="1"/>
+          </p:nvPr>
+        </p:nvSpPr>
+        <p:spPr>
+          <a:xfrm>
+            <a:off x="838200" y="1836914"/>
+            <a:ext cx="10515600" cy="4351338"/>
+          </a:xfrm>
+        </p:spPr>
+        <p:txBody>
+          <a:bodyPr/>
+          <a:lstStyle/>
+          <a:p>
+            <a:r>
+              <a:rPr lang="pl-PL" dirty="0" smtClean="0"/>
+              <a:t>Deployed </a:t>
+            </a:r>
+            <a:r>
+              <a:rPr lang="pl-PL" dirty="0" smtClean="0"/>
+              <a:t>/ integracyjne </a:t>
+            </a:r>
+            <a:endParaRPr lang="pl-PL" dirty="0" smtClean="0"/>
+          </a:p>
+          <a:p>
+            <a:r>
+              <a:rPr lang="pl-PL" dirty="0" smtClean="0"/>
+              <a:t>E2E</a:t>
+            </a:r>
+            <a:endParaRPr lang="pl-PL" dirty="0" smtClean="0"/>
+          </a:p>
+          <a:p>
+            <a:r>
+              <a:rPr lang="pl-PL" dirty="0" smtClean="0"/>
+              <a:t>Eksporacyjne</a:t>
+            </a:r>
+            <a:endParaRPr lang="pl-PL" dirty="0" smtClean="0"/>
+          </a:p>
+          <a:p>
+            <a:endParaRPr lang="en-GB" dirty="0"/>
+          </a:p>
+        </p:txBody>
+      </p:sp>
+    </p:spTree>
+    <p:extLst>
+      <p:ext uri="{BB962C8B-B14F-4D97-AF65-F5344CB8AC3E}">
+        <p14:creationId xmlns:p14="http://schemas.microsoft.com/office/powerpoint/2010/main" val="4193760154"/>
+      </p:ext>
+    </p:extLst>
+  </p:cSld>
+  <p:clrMapOvr>
+    <a:masterClrMapping/>
+  </p:clrMapOvr>
+  <p:timing>
+    <p:tnLst>
+      <p:par>
+        <p:cTn id="1" dur="indefinite" restart="never" nodeType="tmRoot"/>
+      </p:par>
+    </p:tnLst>
+  </p:timing>
+</p:sld>
+</file>
+
+<file path=ppt/slides/slide7.xml><?xml version="1.0" encoding="utf-8"?>
+<p:sld xmlns:a="http://schemas.openxmlformats.org/drawingml/2006/main" xmlns:r="http://schemas.openxmlformats.org/officeDocument/2006/relationships" xmlns:p="http://schemas.openxmlformats.org/presentationml/2006/main">
+  <p:cSld>
+    <p:spTree>
+      <p:nvGrpSpPr>
+        <p:cNvPr id="1" name=""/>
+        <p:cNvGrpSpPr/>
+        <p:nvPr/>
+      </p:nvGrpSpPr>
+      <p:grpSpPr>
+        <a:xfrm>
+          <a:off x="0" y="0"/>
+          <a:ext cx="0" cy="0"/>
+          <a:chOff x="0" y="0"/>
+          <a:chExt cx="0" cy="0"/>
+        </a:xfrm>
+      </p:grpSpPr>
+      <p:sp>
+        <p:nvSpPr>
+          <p:cNvPr id="2" name="Title 1"/>
+          <p:cNvSpPr>
+            <a:spLocks noGrp="1"/>
+          </p:cNvSpPr>
+          <p:nvPr>
+            <p:ph type="title"/>
+          </p:nvPr>
+        </p:nvSpPr>
+        <p:spPr/>
+        <p:txBody>
+          <a:bodyPr/>
+          <a:lstStyle/>
+          <a:p>
+            <a:r>
+              <a:rPr lang="pl-PL" dirty="0" smtClean="0"/>
+              <a:t>Systemowe</a:t>
+            </a:r>
+            <a:endParaRPr lang="en-GB" dirty="0"/>
+          </a:p>
+        </p:txBody>
+      </p:sp>
+      <p:sp>
+        <p:nvSpPr>
+          <p:cNvPr id="3" name="Content Placeholder 2"/>
+          <p:cNvSpPr>
+            <a:spLocks noGrp="1"/>
+          </p:cNvSpPr>
+          <p:nvPr>
+            <p:ph idx="1"/>
+          </p:nvPr>
+        </p:nvSpPr>
+        <p:spPr/>
+        <p:txBody>
+          <a:bodyPr/>
+          <a:lstStyle/>
+          <a:p>
+            <a:r>
+              <a:rPr lang="pl-PL" dirty="0" smtClean="0"/>
+              <a:t>Wydajnościowe</a:t>
+            </a:r>
+          </a:p>
+          <a:p>
+            <a:r>
+              <a:rPr lang="pl-PL" dirty="0" smtClean="0"/>
+              <a:t>Odpornościowe/Dostęnościowe (resilience/availability)</a:t>
+            </a:r>
+            <a:endParaRPr lang="en-GB" dirty="0"/>
+          </a:p>
+        </p:txBody>
+      </p:sp>
+    </p:spTree>
+    <p:extLst>
+      <p:ext uri="{BB962C8B-B14F-4D97-AF65-F5344CB8AC3E}">
+        <p14:creationId xmlns:p14="http://schemas.microsoft.com/office/powerpoint/2010/main" val="4141451299"/>
+      </p:ext>
+    </p:extLst>
+  </p:cSld>
+  <p:clrMapOvr>
+    <a:masterClrMapping/>
+  </p:clrMapOvr>
+  <p:timing>
+    <p:tnLst>
+      <p:par>
+        <p:cTn id="1" dur="indefinite" restart="never" nodeType="tmRoot"/>
+      </p:par>
+    </p:tnLst>
+  </p:timing>
+</p:sld>
+</file>
+
+<file path=ppt/slides/slide8.xml><?xml version="1.0" encoding="utf-8"?>
+<p:sld xmlns:a="http://schemas.openxmlformats.org/drawingml/2006/main" xmlns:r="http://schemas.openxmlformats.org/officeDocument/2006/relationships" xmlns:p="http://schemas.openxmlformats.org/presentationml/2006/main">
+  <p:cSld>
+    <p:spTree>
+      <p:nvGrpSpPr>
+        <p:cNvPr id="1" name=""/>
+        <p:cNvGrpSpPr/>
+        <p:nvPr/>
+      </p:nvGrpSpPr>
+      <p:grpSpPr>
+        <a:xfrm>
+          <a:off x="0" y="0"/>
+          <a:ext cx="0" cy="0"/>
+          <a:chOff x="0" y="0"/>
+          <a:chExt cx="0" cy="0"/>
+        </a:xfrm>
+      </p:grpSpPr>
+      <p:sp>
+        <p:nvSpPr>
+          <p:cNvPr id="2" name="Title 1"/>
+          <p:cNvSpPr>
+            <a:spLocks noGrp="1"/>
+          </p:cNvSpPr>
+          <p:nvPr>
+            <p:ph type="title"/>
+          </p:nvPr>
+        </p:nvSpPr>
+        <p:spPr/>
+        <p:txBody>
+          <a:bodyPr/>
+          <a:lstStyle/>
+          <a:p>
+            <a:r>
+              <a:rPr lang="pl-PL" dirty="0" smtClean="0"/>
               <a:t>Jakich narzędzi możemy użyć?</a:t>
             </a:r>
             <a:endParaRPr lang="en-GB" dirty="0"/>
@@ -6090,405 +6934,6 @@
 </p:sld>
 </file>
 
-<file path=ppt/slides/slide5.xml><?xml version="1.0" encoding="utf-8"?>
-<p:sld xmlns:a="http://schemas.openxmlformats.org/drawingml/2006/main" xmlns:r="http://schemas.openxmlformats.org/officeDocument/2006/relationships" xmlns:p="http://schemas.openxmlformats.org/presentationml/2006/main">
-  <p:cSld>
-    <p:spTree>
-      <p:nvGrpSpPr>
-        <p:cNvPr id="1" name=""/>
-        <p:cNvGrpSpPr/>
-        <p:nvPr/>
-      </p:nvGrpSpPr>
-      <p:grpSpPr>
-        <a:xfrm>
-          <a:off x="0" y="0"/>
-          <a:ext cx="0" cy="0"/>
-          <a:chOff x="0" y="0"/>
-          <a:chExt cx="0" cy="0"/>
-        </a:xfrm>
-      </p:grpSpPr>
-      <p:sp>
-        <p:nvSpPr>
-          <p:cNvPr id="2" name="Title 1"/>
-          <p:cNvSpPr>
-            <a:spLocks noGrp="1"/>
-          </p:cNvSpPr>
-          <p:nvPr>
-            <p:ph type="title"/>
-          </p:nvPr>
-        </p:nvSpPr>
-        <p:spPr/>
-        <p:txBody>
-          <a:bodyPr/>
-          <a:lstStyle/>
-          <a:p>
-            <a:r>
-              <a:rPr lang="pl-PL" dirty="0" smtClean="0"/>
-              <a:t>Narzędzie dla developera</a:t>
-            </a:r>
-            <a:endParaRPr lang="en-GB" dirty="0"/>
-          </a:p>
-        </p:txBody>
-      </p:sp>
-      <p:sp>
-        <p:nvSpPr>
-          <p:cNvPr id="3" name="Content Placeholder 2"/>
-          <p:cNvSpPr>
-            <a:spLocks noGrp="1"/>
-          </p:cNvSpPr>
-          <p:nvPr>
-            <p:ph idx="1"/>
-          </p:nvPr>
-        </p:nvSpPr>
-        <p:spPr/>
-        <p:txBody>
-          <a:bodyPr/>
-          <a:lstStyle/>
-          <a:p>
-            <a:r>
-              <a:rPr lang="pl-PL" dirty="0" smtClean="0"/>
-              <a:t>Narzędzie do wykorzsytania wewnątrz procesu (w pamięci)</a:t>
-            </a:r>
-          </a:p>
-          <a:p>
-            <a:pPr lvl="1"/>
-            <a:r>
-              <a:rPr lang="pl-PL" dirty="0" smtClean="0"/>
-              <a:t>Stubs &amp; mocks</a:t>
-            </a:r>
-          </a:p>
-          <a:p>
-            <a:pPr lvl="1"/>
-            <a:r>
-              <a:rPr lang="pl-PL" dirty="0" smtClean="0"/>
-              <a:t>Coarse grained „unit” tests </a:t>
-            </a:r>
-          </a:p>
-          <a:p>
-            <a:pPr lvl="1"/>
-            <a:r>
-              <a:rPr lang="pl-PL" dirty="0" smtClean="0"/>
-              <a:t>Zdefiniowane kontrakty</a:t>
-            </a:r>
-          </a:p>
-          <a:p>
-            <a:pPr lvl="1"/>
-            <a:r>
-              <a:rPr lang="pl-PL" dirty="0" smtClean="0"/>
-              <a:t>Odpowiedniki odpalane w pamięci (np.: in-memory databases, test server)</a:t>
-            </a:r>
-          </a:p>
-          <a:p>
-            <a:r>
-              <a:rPr lang="pl-PL" dirty="0" smtClean="0"/>
-              <a:t>Narzędzia do wykorzysania na agencie do budowania</a:t>
-            </a:r>
-          </a:p>
-          <a:p>
-            <a:pPr lvl="1"/>
-            <a:r>
-              <a:rPr lang="pl-PL" dirty="0" smtClean="0"/>
-              <a:t>Weryfikacja konraktów</a:t>
-            </a:r>
-          </a:p>
-          <a:p>
-            <a:pPr lvl="1"/>
-            <a:r>
-              <a:rPr lang="pl-PL" dirty="0" smtClean="0"/>
-              <a:t>Web driver + (Headless) browsers </a:t>
-            </a:r>
-          </a:p>
-          <a:p>
-            <a:pPr lvl="1"/>
-            <a:r>
-              <a:rPr lang="pl-PL" dirty="0" smtClean="0"/>
-              <a:t>Lokalne odpowiedniki (np.: local sql, json server, etc.)</a:t>
-            </a:r>
-          </a:p>
-          <a:p>
-            <a:pPr lvl="1"/>
-            <a:endParaRPr lang="pl-PL" dirty="0" smtClean="0"/>
-          </a:p>
-          <a:p>
-            <a:pPr lvl="1"/>
-            <a:endParaRPr lang="pl-PL" dirty="0"/>
-          </a:p>
-          <a:p>
-            <a:pPr lvl="1"/>
-            <a:endParaRPr lang="pl-PL" dirty="0" smtClean="0"/>
-          </a:p>
-        </p:txBody>
-      </p:sp>
-    </p:spTree>
-    <p:extLst>
-      <p:ext uri="{BB962C8B-B14F-4D97-AF65-F5344CB8AC3E}">
-        <p14:creationId xmlns:p14="http://schemas.microsoft.com/office/powerpoint/2010/main" val="454666414"/>
-      </p:ext>
-    </p:extLst>
-  </p:cSld>
-  <p:clrMapOvr>
-    <a:masterClrMapping/>
-  </p:clrMapOvr>
-  <p:timing>
-    <p:tnLst>
-      <p:par>
-        <p:cTn id="1" dur="indefinite" restart="never" nodeType="tmRoot"/>
-      </p:par>
-    </p:tnLst>
-  </p:timing>
-</p:sld>
-</file>
-
-<file path=ppt/slides/slide6.xml><?xml version="1.0" encoding="utf-8"?>
-<p:sld xmlns:a="http://schemas.openxmlformats.org/drawingml/2006/main" xmlns:r="http://schemas.openxmlformats.org/officeDocument/2006/relationships" xmlns:p="http://schemas.openxmlformats.org/presentationml/2006/main">
-  <p:cSld>
-    <p:spTree>
-      <p:nvGrpSpPr>
-        <p:cNvPr id="1" name=""/>
-        <p:cNvGrpSpPr/>
-        <p:nvPr/>
-      </p:nvGrpSpPr>
-      <p:grpSpPr>
-        <a:xfrm>
-          <a:off x="0" y="0"/>
-          <a:ext cx="0" cy="0"/>
-          <a:chOff x="0" y="0"/>
-          <a:chExt cx="0" cy="0"/>
-        </a:xfrm>
-      </p:grpSpPr>
-      <p:sp>
-        <p:nvSpPr>
-          <p:cNvPr id="2" name="Title 1"/>
-          <p:cNvSpPr>
-            <a:spLocks noGrp="1"/>
-          </p:cNvSpPr>
-          <p:nvPr>
-            <p:ph type="title"/>
-          </p:nvPr>
-        </p:nvSpPr>
-        <p:spPr/>
-        <p:txBody>
-          <a:bodyPr/>
-          <a:lstStyle/>
-          <a:p>
-            <a:r>
-              <a:rPr lang="pl-PL" dirty="0" smtClean="0"/>
-              <a:t>Narzędzie dla developera – przykłady</a:t>
-            </a:r>
-            <a:endParaRPr lang="en-GB" dirty="0"/>
-          </a:p>
-        </p:txBody>
-      </p:sp>
-    </p:spTree>
-    <p:extLst>
-      <p:ext uri="{BB962C8B-B14F-4D97-AF65-F5344CB8AC3E}">
-        <p14:creationId xmlns:p14="http://schemas.microsoft.com/office/powerpoint/2010/main" val="3216344548"/>
-      </p:ext>
-    </p:extLst>
-  </p:cSld>
-  <p:clrMapOvr>
-    <a:masterClrMapping/>
-  </p:clrMapOvr>
-  <p:timing>
-    <p:tnLst>
-      <p:par>
-        <p:cTn id="1" dur="indefinite" restart="never" nodeType="tmRoot"/>
-      </p:par>
-    </p:tnLst>
-  </p:timing>
-</p:sld>
-</file>
-
-<file path=ppt/slides/slide7.xml><?xml version="1.0" encoding="utf-8"?>
-<p:sld xmlns:a="http://schemas.openxmlformats.org/drawingml/2006/main" xmlns:r="http://schemas.openxmlformats.org/officeDocument/2006/relationships" xmlns:p="http://schemas.openxmlformats.org/presentationml/2006/main">
-  <p:cSld>
-    <p:spTree>
-      <p:nvGrpSpPr>
-        <p:cNvPr id="1" name=""/>
-        <p:cNvGrpSpPr/>
-        <p:nvPr/>
-      </p:nvGrpSpPr>
-      <p:grpSpPr>
-        <a:xfrm>
-          <a:off x="0" y="0"/>
-          <a:ext cx="0" cy="0"/>
-          <a:chOff x="0" y="0"/>
-          <a:chExt cx="0" cy="0"/>
-        </a:xfrm>
-      </p:grpSpPr>
-      <p:sp>
-        <p:nvSpPr>
-          <p:cNvPr id="2" name="Title 1"/>
-          <p:cNvSpPr>
-            <a:spLocks noGrp="1"/>
-          </p:cNvSpPr>
-          <p:nvPr>
-            <p:ph type="title"/>
-          </p:nvPr>
-        </p:nvSpPr>
-        <p:spPr/>
-        <p:txBody>
-          <a:bodyPr/>
-          <a:lstStyle/>
-          <a:p>
-            <a:r>
-              <a:rPr lang="pl-PL" dirty="0" smtClean="0"/>
-              <a:t>Narzędzia dla ops’a</a:t>
-            </a:r>
-            <a:endParaRPr lang="en-GB" dirty="0"/>
-          </a:p>
-        </p:txBody>
-      </p:sp>
-      <p:sp>
-        <p:nvSpPr>
-          <p:cNvPr id="3" name="Content Placeholder 2"/>
-          <p:cNvSpPr>
-            <a:spLocks noGrp="1"/>
-          </p:cNvSpPr>
-          <p:nvPr>
-            <p:ph idx="1"/>
-          </p:nvPr>
-        </p:nvSpPr>
-        <p:spPr>
-          <a:xfrm>
-            <a:off x="838200" y="1791758"/>
-            <a:ext cx="10515600" cy="4351338"/>
-          </a:xfrm>
-        </p:spPr>
-        <p:txBody>
-          <a:bodyPr/>
-          <a:lstStyle/>
-          <a:p>
-            <a:r>
-              <a:rPr lang="pl-PL" dirty="0" smtClean="0"/>
-              <a:t>Pipelines </a:t>
-            </a:r>
-          </a:p>
-          <a:p>
-            <a:r>
-              <a:rPr lang="pl-PL" dirty="0" smtClean="0"/>
-              <a:t>Monitoring </a:t>
-            </a:r>
-          </a:p>
-          <a:p>
-            <a:r>
-              <a:rPr lang="pl-PL" dirty="0" smtClean="0"/>
-              <a:t>Dashboards</a:t>
-            </a:r>
-            <a:endParaRPr lang="en-GB" dirty="0"/>
-          </a:p>
-        </p:txBody>
-      </p:sp>
-    </p:spTree>
-    <p:extLst>
-      <p:ext uri="{BB962C8B-B14F-4D97-AF65-F5344CB8AC3E}">
-        <p14:creationId xmlns:p14="http://schemas.microsoft.com/office/powerpoint/2010/main" val="2297384822"/>
-      </p:ext>
-    </p:extLst>
-  </p:cSld>
-  <p:clrMapOvr>
-    <a:masterClrMapping/>
-  </p:clrMapOvr>
-  <p:timing>
-    <p:tnLst>
-      <p:par>
-        <p:cTn id="1" dur="indefinite" restart="never" nodeType="tmRoot"/>
-      </p:par>
-    </p:tnLst>
-  </p:timing>
-</p:sld>
-</file>
-
-<file path=ppt/slides/slide8.xml><?xml version="1.0" encoding="utf-8"?>
-<p:sld xmlns:a="http://schemas.openxmlformats.org/drawingml/2006/main" xmlns:r="http://schemas.openxmlformats.org/officeDocument/2006/relationships" xmlns:p="http://schemas.openxmlformats.org/presentationml/2006/main">
-  <p:cSld>
-    <p:spTree>
-      <p:nvGrpSpPr>
-        <p:cNvPr id="1" name=""/>
-        <p:cNvGrpSpPr/>
-        <p:nvPr/>
-      </p:nvGrpSpPr>
-      <p:grpSpPr>
-        <a:xfrm>
-          <a:off x="0" y="0"/>
-          <a:ext cx="0" cy="0"/>
-          <a:chOff x="0" y="0"/>
-          <a:chExt cx="0" cy="0"/>
-        </a:xfrm>
-      </p:grpSpPr>
-      <p:sp>
-        <p:nvSpPr>
-          <p:cNvPr id="2" name="Title 1"/>
-          <p:cNvSpPr>
-            <a:spLocks noGrp="1"/>
-          </p:cNvSpPr>
-          <p:nvPr>
-            <p:ph type="title"/>
-          </p:nvPr>
-        </p:nvSpPr>
-        <p:spPr/>
-        <p:txBody>
-          <a:bodyPr/>
-          <a:lstStyle/>
-          <a:p>
-            <a:r>
-              <a:rPr lang="pl-PL" dirty="0" smtClean="0"/>
-              <a:t>Rodzaje testów</a:t>
-            </a:r>
-            <a:endParaRPr lang="en-GB" dirty="0"/>
-          </a:p>
-        </p:txBody>
-      </p:sp>
-      <p:pic>
-        <p:nvPicPr>
-          <p:cNvPr id="5" name="Picture 4"/>
-          <p:cNvPicPr>
-            <a:picLocks noChangeAspect="1"/>
-          </p:cNvPicPr>
-          <p:nvPr/>
-        </p:nvPicPr>
-        <p:blipFill>
-          <a:blip r:embed="rId2">
-            <a:extLst>
-              <a:ext uri="{28A0092B-C50C-407E-A947-70E740481C1C}">
-                <a14:useLocalDpi xmlns:a14="http://schemas.microsoft.com/office/drawing/2010/main" val="0"/>
-              </a:ext>
-            </a:extLst>
-          </a:blip>
-          <a:stretch>
-            <a:fillRect/>
-          </a:stretch>
-        </p:blipFill>
-        <p:spPr>
-          <a:xfrm>
-            <a:off x="3435034" y="2099733"/>
-            <a:ext cx="5227121" cy="3409245"/>
-          </a:xfrm>
-          <a:prstGeom prst="rect">
-            <a:avLst/>
-          </a:prstGeom>
-        </p:spPr>
-      </p:pic>
-    </p:spTree>
-    <p:extLst>
-      <p:ext uri="{BB962C8B-B14F-4D97-AF65-F5344CB8AC3E}">
-        <p14:creationId xmlns:p14="http://schemas.microsoft.com/office/powerpoint/2010/main" val="2981103871"/>
-      </p:ext>
-    </p:extLst>
-  </p:cSld>
-  <p:clrMapOvr>
-    <a:masterClrMapping/>
-  </p:clrMapOvr>
-  <p:timing>
-    <p:tnLst>
-      <p:par>
-        <p:cTn id="1" dur="indefinite" restart="never" nodeType="tmRoot"/>
-      </p:par>
-    </p:tnLst>
-  </p:timing>
-</p:sld>
-</file>
-
 <file path=ppt/slides/slide9.xml><?xml version="1.0" encoding="utf-8"?>
 <p:sld xmlns:a="http://schemas.openxmlformats.org/drawingml/2006/main" xmlns:r="http://schemas.openxmlformats.org/officeDocument/2006/relationships" xmlns:p="http://schemas.openxmlformats.org/presentationml/2006/main">
   <p:cSld>
@@ -6523,7 +6968,11 @@
           <a:p>
             <a:r>
               <a:rPr lang="pl-PL" dirty="0" smtClean="0"/>
-              <a:t>W trakcie procesu budowania</a:t>
+              <a:t>Narzędzia </a:t>
+            </a:r>
+            <a:r>
+              <a:rPr lang="pl-PL" dirty="0" smtClean="0"/>
+              <a:t>dla developera</a:t>
             </a:r>
             <a:endParaRPr lang="en-GB" dirty="0"/>
           </a:p>
@@ -6546,28 +6995,86 @@
           <a:p>
             <a:r>
               <a:rPr lang="pl-PL" dirty="0" smtClean="0"/>
-              <a:t>Jednostkowe</a:t>
-            </a:r>
-          </a:p>
-          <a:p>
-            <a:r>
-              <a:rPr lang="pl-PL" dirty="0" smtClean="0"/>
-              <a:t>Kontraktowe</a:t>
-            </a:r>
-          </a:p>
-          <a:p>
-            <a:r>
-              <a:rPr lang="pl-PL" dirty="0" smtClean="0"/>
-              <a:t>Serwisowe/Komponentowe/”Integracyjne”</a:t>
-            </a:r>
-            <a:endParaRPr lang="en-GB" dirty="0"/>
+              <a:t>Narzędzia </a:t>
+            </a:r>
+            <a:r>
+              <a:rPr lang="pl-PL" dirty="0" smtClean="0"/>
+              <a:t>do wykorzsytania wewnątrz procesu (w pamięci)</a:t>
+            </a:r>
+          </a:p>
+          <a:p>
+            <a:pPr lvl="1"/>
+            <a:r>
+              <a:rPr lang="pl-PL" dirty="0" smtClean="0"/>
+              <a:t>Stubs &amp; mocks</a:t>
+            </a:r>
+          </a:p>
+          <a:p>
+            <a:pPr lvl="1"/>
+            <a:r>
+              <a:rPr lang="pl-PL" dirty="0" smtClean="0"/>
+              <a:t>Coarse grained „unit” tests </a:t>
+            </a:r>
+          </a:p>
+          <a:p>
+            <a:pPr lvl="1"/>
+            <a:r>
+              <a:rPr lang="pl-PL" dirty="0" smtClean="0"/>
+              <a:t>Zdefiniowane kontrakty</a:t>
+            </a:r>
+          </a:p>
+          <a:p>
+            <a:pPr lvl="1"/>
+            <a:r>
+              <a:rPr lang="pl-PL" dirty="0" smtClean="0"/>
+              <a:t>Odpowiedniki odpalane w pamięci (np.: in-memory databases, test server)</a:t>
+            </a:r>
+          </a:p>
+          <a:p>
+            <a:r>
+              <a:rPr lang="pl-PL" dirty="0" smtClean="0"/>
+              <a:t>Narzędzia do wykorzysania na agencie do budowania</a:t>
+            </a:r>
+          </a:p>
+          <a:p>
+            <a:pPr lvl="1"/>
+            <a:r>
+              <a:rPr lang="pl-PL" dirty="0" smtClean="0"/>
+              <a:t>Weryfikacja konraktów</a:t>
+            </a:r>
+          </a:p>
+          <a:p>
+            <a:pPr lvl="1"/>
+            <a:r>
+              <a:rPr lang="pl-PL" dirty="0" smtClean="0"/>
+              <a:t>Web driver + (Headless) browsers </a:t>
+            </a:r>
+          </a:p>
+          <a:p>
+            <a:pPr lvl="1"/>
+            <a:r>
+              <a:rPr lang="pl-PL" dirty="0" smtClean="0"/>
+              <a:t>Lokalne odpowiedniki (np.: local sql, json server, etc.)</a:t>
+            </a:r>
+          </a:p>
+          <a:p>
+            <a:pPr lvl="1"/>
+            <a:endParaRPr lang="pl-PL" dirty="0" smtClean="0"/>
+          </a:p>
+          <a:p>
+            <a:pPr lvl="1"/>
+            <a:endParaRPr lang="pl-PL" dirty="0"/>
+          </a:p>
+          <a:p>
+            <a:pPr lvl="1"/>
+            <a:endParaRPr lang="pl-PL" dirty="0" smtClean="0"/>
           </a:p>
         </p:txBody>
       </p:sp>
     </p:spTree>
     <p:extLst>
       <p:ext uri="{BB962C8B-B14F-4D97-AF65-F5344CB8AC3E}">
-        <p14:creationId xmlns:p14="http://schemas.microsoft.com/office/powerpoint/2010/main" val="3123588435"/>
+        <p14:creationId xmlns:p14="http://schemas.microsoft.com/office/powerpoint/2010/main" val="454666414"/>
       </p:ext>
     </p:extLst>
   </p:cSld>

--- a/presentation/polish/Automatycznie testowalne aplikacje w srodowisku rozproszonym.pptx
+++ b/presentation/polish/Automatycznie testowalne aplikacje w srodowisku rozproszonym.pptx
@@ -641,13 +641,8 @@
             </a:r>
             <a:r>
               <a:rPr lang="pl-PL" baseline="0" dirty="0" smtClean="0"/>
-              <a:t> = wspomaganie rozwoju (TDD), regresja, testowanie glownego flow/hapy path, testowanie wszystkich przypadkow, wybranych, </a:t>
-            </a:r>
-            <a:r>
-              <a:rPr lang="pl-PL" baseline="0" dirty="0" smtClean="0"/>
-              <a:t>etc, red-green refactoring, etc.</a:t>
-            </a:r>
-            <a:endParaRPr lang="pl-PL" baseline="0" dirty="0" smtClean="0"/>
+              <a:t> = wspomaganie rozwoju (TDD), regresja, testowanie glownego flow/hapy path, testowanie wszystkich przypadkow, wybranych, etc, red-green refactoring, etc.</a:t>
+            </a:r>
           </a:p>
           <a:p>
             <a:r>
@@ -966,13 +961,8 @@
           <a:p>
             <a:r>
               <a:rPr lang="pl-PL" baseline="0" dirty="0" smtClean="0"/>
-              <a:t>Aktualizowanie wszystkich czesci systemu naraz jest </a:t>
-            </a:r>
-            <a:r>
-              <a:rPr lang="pl-PL" baseline="0" dirty="0" smtClean="0"/>
-              <a:t>klopotliwe.</a:t>
-            </a:r>
-            <a:endParaRPr lang="pl-PL" baseline="0" dirty="0" smtClean="0"/>
+              <a:t>Aktualizowanie wszystkich czesci systemu naraz jest klopotliwe.</a:t>
+            </a:r>
           </a:p>
           <a:p>
             <a:r>
@@ -1184,13 +1174,8 @@
           <a:p>
             <a:r>
               <a:rPr lang="pl-PL" baseline="0" dirty="0" smtClean="0"/>
-              <a:t>E2E = sprawdzanie wszystkiego na prawdziwych </a:t>
-            </a:r>
-            <a:r>
-              <a:rPr lang="pl-PL" baseline="0" dirty="0" smtClean="0"/>
-              <a:t>środowisku</a:t>
-            </a:r>
-            <a:endParaRPr lang="pl-PL" baseline="0" dirty="0" smtClean="0"/>
+              <a:t>E2E = sprawdzanie wszystkiego na prawdziwych środowisku</a:t>
+            </a:r>
           </a:p>
           <a:p>
             <a:r>
@@ -1295,15 +1280,7 @@
           <a:p>
             <a:r>
               <a:rPr lang="pl-PL" baseline="0" dirty="0" smtClean="0"/>
-              <a:t>Resilience = celowe wyrzucenie/uszkodzenie czesci systemu i sprawdzenia jak sie zachowa (np.: Netflix chaos </a:t>
-            </a:r>
-            <a:r>
-              <a:rPr lang="pl-PL" baseline="0" dirty="0" smtClean="0"/>
-              <a:t>monkey, gorilla i kong </a:t>
-            </a:r>
-            <a:r>
-              <a:rPr lang="pl-PL" baseline="0" dirty="0" smtClean="0"/>
-              <a:t>czy ogolniej chaos engineering) – WAZNE fail fast &amp; fail safe</a:t>
+              <a:t>Resilience = celowe wyrzucenie/uszkodzenie czesci systemu i sprawdzenia jak sie zachowa (np.: Netflix chaos monkey, gorilla i kong czy ogolniej chaos engineering) – WAZNE fail fast &amp; fail safe</a:t>
             </a:r>
             <a:endParaRPr lang="en-GB" dirty="0"/>
           </a:p>
@@ -4654,15 +4631,7 @@
           <a:p>
             <a:r>
               <a:rPr lang="pl-PL" dirty="0" smtClean="0"/>
-              <a:t>czyli jak testować </a:t>
-            </a:r>
-            <a:r>
-              <a:rPr lang="pl-PL" dirty="0" smtClean="0"/>
-              <a:t>mikro </a:t>
-            </a:r>
-            <a:r>
-              <a:rPr lang="pl-PL" dirty="0" smtClean="0"/>
-              <a:t>serwisy (i nie tylko)</a:t>
+              <a:t>czyli jak testować mikro serwisy (i nie tylko)</a:t>
             </a:r>
           </a:p>
           <a:p>
@@ -4749,15 +4718,7 @@
           <a:p>
             <a:r>
               <a:rPr lang="pl-PL" dirty="0" smtClean="0"/>
-              <a:t>Narzędzia </a:t>
-            </a:r>
-            <a:r>
-              <a:rPr lang="pl-PL" dirty="0" smtClean="0"/>
-              <a:t>dla developera – </a:t>
-            </a:r>
-            <a:r>
-              <a:rPr lang="pl-PL" dirty="0" smtClean="0"/>
-              <a:t>przykłady 1,2</a:t>
+              <a:t>Narzędzia dla developera – przykłady 1,2</a:t>
             </a:r>
             <a:endParaRPr lang="en-GB" dirty="0"/>
           </a:p>
@@ -5257,13 +5218,8 @@
           <a:p>
             <a:r>
               <a:rPr lang="pl-PL" dirty="0" smtClean="0"/>
-              <a:t>Wybór metodologi – testowanie funkcji/klas/komponentow vs </a:t>
-            </a:r>
-            <a:r>
-              <a:rPr lang="pl-PL" dirty="0" smtClean="0"/>
-              <a:t>testowanie scenariuszowe</a:t>
-            </a:r>
-            <a:endParaRPr lang="pl-PL" dirty="0" smtClean="0"/>
+              <a:t>Wybór metodologi – testowanie funkcji/klas/komponentow vs testowanie scenariuszowe</a:t>
+            </a:r>
           </a:p>
           <a:p>
             <a:r>
@@ -5274,11 +5230,7 @@
           <a:p>
             <a:r>
               <a:rPr lang="pl-PL" dirty="0" smtClean="0"/>
-              <a:t>Modułowość </a:t>
-            </a:r>
-            <a:r>
-              <a:rPr lang="pl-PL" dirty="0" smtClean="0"/>
-              <a:t>– budowanie z „klocków”</a:t>
+              <a:t>Modułowość – budowanie z „klocków”</a:t>
             </a:r>
             <a:endParaRPr lang="en-GB" dirty="0"/>
           </a:p>
@@ -5614,22 +5566,17 @@
           <a:p>
             <a:r>
               <a:rPr lang="pl-PL" dirty="0" smtClean="0"/>
-              <a:t>Mutation tests </a:t>
-            </a:r>
-            <a:r>
-              <a:rPr lang="pl-PL" dirty="0" smtClean="0"/>
-              <a:t>(testy mutacyjne)</a:t>
-            </a:r>
-          </a:p>
-          <a:p>
-            <a:r>
-              <a:rPr lang="pl-PL" dirty="0" smtClean="0"/>
-              <a:t>Formal verification (weryfikacja formalna)</a:t>
+              <a:t>Mutation tests (testy </a:t>
+            </a:r>
+            <a:r>
+              <a:rPr lang="pl-PL" smtClean="0"/>
+              <a:t>mutacyjne</a:t>
+            </a:r>
+            <a:r>
+              <a:rPr lang="pl-PL" smtClean="0"/>
+              <a:t>)</a:t>
             </a:r>
             <a:endParaRPr lang="pl-PL" dirty="0" smtClean="0"/>
-          </a:p>
-          <a:p>
-            <a:endParaRPr lang="en-GB" dirty="0"/>
           </a:p>
         </p:txBody>
       </p:sp>
@@ -5800,11 +5747,7 @@
           <a:p>
             <a:r>
               <a:rPr lang="pl-PL" dirty="0" smtClean="0"/>
-              <a:t>W czym tkwi problem</a:t>
-            </a:r>
-            <a:r>
-              <a:rPr lang="pl-PL" dirty="0" smtClean="0"/>
-              <a:t>?</a:t>
+              <a:t>W czym tkwi problem?</a:t>
             </a:r>
           </a:p>
           <a:p>
@@ -5816,7 +5759,6 @@
               <a:rPr lang="pl-PL" dirty="0" smtClean="0"/>
               <a:t>testów</a:t>
             </a:r>
-            <a:endParaRPr lang="pl-PL" dirty="0" smtClean="0"/>
           </a:p>
           <a:p>
             <a:r>
@@ -5827,11 +5769,7 @@
           <a:p>
             <a:r>
               <a:rPr lang="pl-PL" dirty="0" smtClean="0"/>
-              <a:t>Jak </a:t>
-            </a:r>
-            <a:r>
-              <a:rPr lang="pl-PL" dirty="0" smtClean="0"/>
-              <a:t>pisać testy automatyczne?</a:t>
+              <a:t>Jak pisać testy automatyczne?</a:t>
             </a:r>
           </a:p>
           <a:p>
@@ -5937,15 +5875,7 @@
           <a:p>
             <a:r>
               <a:rPr lang="pl-PL" dirty="0" smtClean="0"/>
-              <a:t>Koszt  - czas, </a:t>
-            </a:r>
-            <a:r>
-              <a:rPr lang="pl-PL" dirty="0" smtClean="0"/>
-              <a:t>narzędzia, krzywa nauki, </a:t>
-            </a:r>
-            <a:r>
-              <a:rPr lang="pl-PL" dirty="0" smtClean="0"/>
-              <a:t>szkolenia, etc. w krótkim okresie czasu</a:t>
+              <a:t>Koszt  - czas, narzędzia, krzywa nauki, szkolenia, etc. w krótkim okresie czasu</a:t>
             </a:r>
           </a:p>
         </p:txBody>
@@ -6582,11 +6512,7 @@
           <a:p>
             <a:r>
               <a:rPr lang="pl-PL" dirty="0" smtClean="0"/>
-              <a:t>W trakcie </a:t>
-            </a:r>
-            <a:r>
-              <a:rPr lang="pl-PL" dirty="0" smtClean="0"/>
-              <a:t>budowania</a:t>
+              <a:t>W trakcie budowania</a:t>
             </a:r>
             <a:endParaRPr lang="en-GB" dirty="0"/>
           </a:p>
@@ -6709,27 +6635,20 @@
           <a:p>
             <a:r>
               <a:rPr lang="pl-PL" dirty="0" smtClean="0"/>
-              <a:t>Deployed </a:t>
-            </a:r>
-            <a:r>
-              <a:rPr lang="pl-PL" dirty="0" smtClean="0"/>
-              <a:t>/ integracyjne </a:t>
-            </a:r>
-            <a:endParaRPr lang="pl-PL" dirty="0" smtClean="0"/>
+              <a:t>Deployed / integracyjne </a:t>
+            </a:r>
           </a:p>
           <a:p>
             <a:r>
               <a:rPr lang="pl-PL" dirty="0" smtClean="0"/>
               <a:t>E2E</a:t>
             </a:r>
-            <a:endParaRPr lang="pl-PL" dirty="0" smtClean="0"/>
           </a:p>
           <a:p>
             <a:r>
               <a:rPr lang="pl-PL" dirty="0" smtClean="0"/>
               <a:t>Eksporacyjne</a:t>
             </a:r>
-            <a:endParaRPr lang="pl-PL" dirty="0" smtClean="0"/>
           </a:p>
           <a:p>
             <a:endParaRPr lang="en-GB" dirty="0"/>
@@ -6968,11 +6887,7 @@
           <a:p>
             <a:r>
               <a:rPr lang="pl-PL" dirty="0" smtClean="0"/>
-              <a:t>Narzędzia </a:t>
-            </a:r>
-            <a:r>
-              <a:rPr lang="pl-PL" dirty="0" smtClean="0"/>
-              <a:t>dla developera</a:t>
+              <a:t>Narzędzia dla developera</a:t>
             </a:r>
             <a:endParaRPr lang="en-GB" dirty="0"/>
           </a:p>
@@ -6995,11 +6910,7 @@
           <a:p>
             <a:r>
               <a:rPr lang="pl-PL" dirty="0" smtClean="0"/>
-              <a:t>Narzędzia </a:t>
-            </a:r>
-            <a:r>
-              <a:rPr lang="pl-PL" dirty="0" smtClean="0"/>
-              <a:t>do wykorzsytania wewnątrz procesu (w pamięci)</a:t>
+              <a:t>Narzędzia do wykorzsytania wewnątrz procesu (w pamięci)</a:t>
             </a:r>
           </a:p>
           <a:p>

--- a/presentation/polish/Automatycznie testowalne aplikacje w srodowisku rozproszonym.pptx
+++ b/presentation/polish/Automatycznie testowalne aplikacje w srodowisku rozproszonym.pptx
@@ -4875,7 +4875,15 @@
           <a:p>
             <a:r>
               <a:rPr lang="pl-PL" dirty="0"/>
-              <a:t>Narzędzie dla developera – przykłady 3</a:t>
+              <a:t>Narzędzie dla developera – </a:t>
+            </a:r>
+            <a:r>
+              <a:rPr lang="pl-PL" dirty="0" smtClean="0"/>
+              <a:t>przykład </a:t>
+            </a:r>
+            <a:r>
+              <a:rPr lang="pl-PL" dirty="0"/>
+              <a:t>3</a:t>
             </a:r>
           </a:p>
         </p:txBody>
@@ -5290,7 +5298,11 @@
           <a:p>
             <a:r>
               <a:rPr lang="pl-PL" dirty="0" smtClean="0"/>
-              <a:t>Metodologia - przykłady</a:t>
+              <a:t>Metodologia </a:t>
+            </a:r>
+            <a:r>
+              <a:rPr lang="pl-PL" dirty="0" smtClean="0"/>
+              <a:t>– przykład 4</a:t>
             </a:r>
             <a:endParaRPr lang="en-GB" dirty="0"/>
           </a:p>
@@ -5374,7 +5386,11 @@
           <a:p>
             <a:r>
               <a:rPr lang="pl-PL" dirty="0" smtClean="0"/>
-              <a:t>Modułowość  - przykłady</a:t>
+              <a:t>Modułowość  - </a:t>
+            </a:r>
+            <a:r>
+              <a:rPr lang="pl-PL" dirty="0" smtClean="0"/>
+              <a:t>przykład 5</a:t>
             </a:r>
             <a:endParaRPr lang="en-GB" dirty="0"/>
           </a:p>
@@ -5570,11 +5586,7 @@
             </a:r>
             <a:r>
               <a:rPr lang="pl-PL" smtClean="0"/>
-              <a:t>mutacyjne</a:t>
-            </a:r>
-            <a:r>
-              <a:rPr lang="pl-PL" smtClean="0"/>
-              <a:t>)</a:t>
+              <a:t>mutacyjne)</a:t>
             </a:r>
             <a:endParaRPr lang="pl-PL" dirty="0" smtClean="0"/>
           </a:p>

--- a/presentation/polish/Automatycznie testowalne aplikacje w srodowisku rozproszonym.pptx
+++ b/presentation/polish/Automatycznie testowalne aplikacje w srodowisku rozproszonym.pptx
@@ -4962,7 +4962,7 @@
       </p:sp>
       <p:pic>
         <p:nvPicPr>
-          <p:cNvPr id="4" name="Picture 3"/>
+          <p:cNvPr id="5" name="Picture 4"/>
           <p:cNvPicPr>
             <a:picLocks noChangeAspect="1"/>
           </p:cNvPicPr>
@@ -4976,8 +4976,8 @@
         </p:blipFill>
         <p:spPr>
           <a:xfrm>
-            <a:off x="1082498" y="4259087"/>
-            <a:ext cx="9191625" cy="1771650"/>
+            <a:off x="679626" y="3835400"/>
+            <a:ext cx="11058525" cy="2476500"/>
           </a:xfrm>
           <a:prstGeom prst="rect">
             <a:avLst/>
@@ -5298,11 +5298,7 @@
           <a:p>
             <a:r>
               <a:rPr lang="pl-PL" dirty="0" smtClean="0"/>
-              <a:t>Metodologia </a:t>
-            </a:r>
-            <a:r>
-              <a:rPr lang="pl-PL" dirty="0" smtClean="0"/>
-              <a:t>– przykład 4</a:t>
+              <a:t>Metodologia – przykład 4</a:t>
             </a:r>
             <a:endParaRPr lang="en-GB" dirty="0"/>
           </a:p>
@@ -5386,11 +5382,7 @@
           <a:p>
             <a:r>
               <a:rPr lang="pl-PL" dirty="0" smtClean="0"/>
-              <a:t>Modułowość  - </a:t>
-            </a:r>
-            <a:r>
-              <a:rPr lang="pl-PL" dirty="0" smtClean="0"/>
-              <a:t>przykład 5</a:t>
+              <a:t>Modułowość  - przykład 5</a:t>
             </a:r>
             <a:endParaRPr lang="en-GB" dirty="0"/>
           </a:p>

--- a/presentation/polish/Automatycznie testowalne aplikacje w srodowisku rozproszonym.pptx
+++ b/presentation/polish/Automatycznie testowalne aplikacje w srodowisku rozproszonym.pptx
@@ -5,7 +5,7 @@
     <p:sldMasterId id="2147483648" r:id="rId1"/>
   </p:sldMasterIdLst>
   <p:notesMasterIdLst>
-    <p:notesMasterId r:id="rId25"/>
+    <p:notesMasterId r:id="rId26"/>
   </p:notesMasterIdLst>
   <p:sldIdLst>
     <p:sldId id="256" r:id="rId2"/>
@@ -17,20 +17,21 @@
     <p:sldId id="281" r:id="rId8"/>
     <p:sldId id="259" r:id="rId9"/>
     <p:sldId id="260" r:id="rId10"/>
-    <p:sldId id="261" r:id="rId11"/>
-    <p:sldId id="282" r:id="rId12"/>
-    <p:sldId id="262" r:id="rId13"/>
-    <p:sldId id="267" r:id="rId14"/>
-    <p:sldId id="268" r:id="rId15"/>
-    <p:sldId id="269" r:id="rId16"/>
-    <p:sldId id="270" r:id="rId17"/>
-    <p:sldId id="271" r:id="rId18"/>
-    <p:sldId id="272" r:id="rId19"/>
-    <p:sldId id="273" r:id="rId20"/>
-    <p:sldId id="274" r:id="rId21"/>
-    <p:sldId id="275" r:id="rId22"/>
-    <p:sldId id="276" r:id="rId23"/>
-    <p:sldId id="277" r:id="rId24"/>
+    <p:sldId id="283" r:id="rId11"/>
+    <p:sldId id="261" r:id="rId12"/>
+    <p:sldId id="282" r:id="rId13"/>
+    <p:sldId id="262" r:id="rId14"/>
+    <p:sldId id="267" r:id="rId15"/>
+    <p:sldId id="268" r:id="rId16"/>
+    <p:sldId id="269" r:id="rId17"/>
+    <p:sldId id="270" r:id="rId18"/>
+    <p:sldId id="271" r:id="rId19"/>
+    <p:sldId id="272" r:id="rId20"/>
+    <p:sldId id="273" r:id="rId21"/>
+    <p:sldId id="274" r:id="rId22"/>
+    <p:sldId id="275" r:id="rId23"/>
+    <p:sldId id="276" r:id="rId24"/>
+    <p:sldId id="277" r:id="rId25"/>
   </p:sldIdLst>
   <p:sldSz cx="12192000" cy="6858000"/>
   <p:notesSz cx="6858000" cy="9144000"/>
@@ -231,7 +232,7 @@
           <a:p>
             <a:fld id="{6D50C51E-EFFB-4915-A982-E3AC0495EF2E}" type="datetimeFigureOut">
               <a:rPr lang="en-GB" smtClean="0"/>
-              <a:t>07/01/2018</a:t>
+              <a:t>09/01/2018</a:t>
             </a:fld>
             <a:endParaRPr lang="en-GB"/>
           </a:p>
@@ -641,7 +642,31 @@
             </a:r>
             <a:r>
               <a:rPr lang="pl-PL" baseline="0" dirty="0" smtClean="0"/>
-              <a:t> = wspomaganie rozwoju (TDD), regresja, testowanie glownego flow/hapy path, testowanie wszystkich przypadkow, wybranych, etc, red-green refactoring, etc.</a:t>
+              <a:t> = wspomaganie rozwoju (TDD), regresja, testowanie glownego </a:t>
+            </a:r>
+            <a:r>
+              <a:rPr lang="pl-PL" baseline="0" dirty="0" smtClean="0"/>
+              <a:t>flow/happy </a:t>
+            </a:r>
+            <a:r>
+              <a:rPr lang="pl-PL" baseline="0" dirty="0" smtClean="0"/>
+              <a:t>path, testowanie wszystkich przypadkow, wybranych</a:t>
+            </a:r>
+            <a:r>
+              <a:rPr lang="pl-PL" baseline="0" dirty="0" smtClean="0"/>
+              <a:t>, </a:t>
+            </a:r>
+            <a:r>
+              <a:rPr lang="pl-PL" baseline="0" dirty="0" smtClean="0"/>
+              <a:t>red-green </a:t>
+            </a:r>
+            <a:r>
+              <a:rPr lang="pl-PL" baseline="0" dirty="0" smtClean="0"/>
+              <a:t>refactor, </a:t>
+            </a:r>
+            <a:r>
+              <a:rPr lang="pl-PL" baseline="0" dirty="0" smtClean="0"/>
+              <a:t>etc.</a:t>
             </a:r>
           </a:p>
           <a:p>
@@ -676,7 +701,7 @@
           <a:p>
             <a:fld id="{1FE3D8C1-E517-46B6-9C32-FED0C0B6C2DD}" type="slidenum">
               <a:rPr lang="en-GB" smtClean="0"/>
-              <a:t>14</a:t>
+              <a:t>15</a:t>
             </a:fld>
             <a:endParaRPr lang="en-GB"/>
           </a:p>
@@ -768,7 +793,7 @@
           <a:p>
             <a:fld id="{1FE3D8C1-E517-46B6-9C32-FED0C0B6C2DD}" type="slidenum">
               <a:rPr lang="en-GB" smtClean="0"/>
-              <a:t>19</a:t>
+              <a:t>20</a:t>
             </a:fld>
             <a:endParaRPr lang="en-GB"/>
           </a:p>
@@ -880,7 +905,7 @@
           <a:p>
             <a:fld id="{1FE3D8C1-E517-46B6-9C32-FED0C0B6C2DD}" type="slidenum">
               <a:rPr lang="en-GB" smtClean="0"/>
-              <a:t>21</a:t>
+              <a:t>22</a:t>
             </a:fld>
             <a:endParaRPr lang="en-GB"/>
           </a:p>
@@ -1622,7 +1647,7 @@
           <a:p>
             <a:fld id="{1FE3D8C1-E517-46B6-9C32-FED0C0B6C2DD}" type="slidenum">
               <a:rPr lang="en-GB" smtClean="0"/>
-              <a:t>12</a:t>
+              <a:t>13</a:t>
             </a:fld>
             <a:endParaRPr lang="en-GB"/>
           </a:p>
@@ -1706,7 +1731,7 @@
           <a:p>
             <a:fld id="{1FE3D8C1-E517-46B6-9C32-FED0C0B6C2DD}" type="slidenum">
               <a:rPr lang="en-GB" smtClean="0"/>
-              <a:t>13</a:t>
+              <a:t>14</a:t>
             </a:fld>
             <a:endParaRPr lang="en-GB"/>
           </a:p>
@@ -1856,7 +1881,7 @@
           <a:p>
             <a:fld id="{84306E19-38DB-4254-BBD9-6C4CBC784CC1}" type="datetimeFigureOut">
               <a:rPr lang="en-GB" smtClean="0"/>
-              <a:t>07/01/2018</a:t>
+              <a:t>09/01/2018</a:t>
             </a:fld>
             <a:endParaRPr lang="en-GB"/>
           </a:p>
@@ -2026,7 +2051,7 @@
           <a:p>
             <a:fld id="{84306E19-38DB-4254-BBD9-6C4CBC784CC1}" type="datetimeFigureOut">
               <a:rPr lang="en-GB" smtClean="0"/>
-              <a:t>07/01/2018</a:t>
+              <a:t>09/01/2018</a:t>
             </a:fld>
             <a:endParaRPr lang="en-GB"/>
           </a:p>
@@ -2206,7 +2231,7 @@
           <a:p>
             <a:fld id="{84306E19-38DB-4254-BBD9-6C4CBC784CC1}" type="datetimeFigureOut">
               <a:rPr lang="en-GB" smtClean="0"/>
-              <a:t>07/01/2018</a:t>
+              <a:t>09/01/2018</a:t>
             </a:fld>
             <a:endParaRPr lang="en-GB"/>
           </a:p>
@@ -2376,7 +2401,7 @@
           <a:p>
             <a:fld id="{84306E19-38DB-4254-BBD9-6C4CBC784CC1}" type="datetimeFigureOut">
               <a:rPr lang="en-GB" smtClean="0"/>
-              <a:t>07/01/2018</a:t>
+              <a:t>09/01/2018</a:t>
             </a:fld>
             <a:endParaRPr lang="en-GB"/>
           </a:p>
@@ -2622,7 +2647,7 @@
           <a:p>
             <a:fld id="{84306E19-38DB-4254-BBD9-6C4CBC784CC1}" type="datetimeFigureOut">
               <a:rPr lang="en-GB" smtClean="0"/>
-              <a:t>07/01/2018</a:t>
+              <a:t>09/01/2018</a:t>
             </a:fld>
             <a:endParaRPr lang="en-GB"/>
           </a:p>
@@ -2854,7 +2879,7 @@
           <a:p>
             <a:fld id="{84306E19-38DB-4254-BBD9-6C4CBC784CC1}" type="datetimeFigureOut">
               <a:rPr lang="en-GB" smtClean="0"/>
-              <a:t>07/01/2018</a:t>
+              <a:t>09/01/2018</a:t>
             </a:fld>
             <a:endParaRPr lang="en-GB"/>
           </a:p>
@@ -3221,7 +3246,7 @@
           <a:p>
             <a:fld id="{84306E19-38DB-4254-BBD9-6C4CBC784CC1}" type="datetimeFigureOut">
               <a:rPr lang="en-GB" smtClean="0"/>
-              <a:t>07/01/2018</a:t>
+              <a:t>09/01/2018</a:t>
             </a:fld>
             <a:endParaRPr lang="en-GB"/>
           </a:p>
@@ -3339,7 +3364,7 @@
           <a:p>
             <a:fld id="{84306E19-38DB-4254-BBD9-6C4CBC784CC1}" type="datetimeFigureOut">
               <a:rPr lang="en-GB" smtClean="0"/>
-              <a:t>07/01/2018</a:t>
+              <a:t>09/01/2018</a:t>
             </a:fld>
             <a:endParaRPr lang="en-GB"/>
           </a:p>
@@ -3434,7 +3459,7 @@
           <a:p>
             <a:fld id="{84306E19-38DB-4254-BBD9-6C4CBC784CC1}" type="datetimeFigureOut">
               <a:rPr lang="en-GB" smtClean="0"/>
-              <a:t>07/01/2018</a:t>
+              <a:t>09/01/2018</a:t>
             </a:fld>
             <a:endParaRPr lang="en-GB"/>
           </a:p>
@@ -3711,7 +3736,7 @@
           <a:p>
             <a:fld id="{84306E19-38DB-4254-BBD9-6C4CBC784CC1}" type="datetimeFigureOut">
               <a:rPr lang="en-GB" smtClean="0"/>
-              <a:t>07/01/2018</a:t>
+              <a:t>09/01/2018</a:t>
             </a:fld>
             <a:endParaRPr lang="en-GB"/>
           </a:p>
@@ -3964,7 +3989,7 @@
           <a:p>
             <a:fld id="{84306E19-38DB-4254-BBD9-6C4CBC784CC1}" type="datetimeFigureOut">
               <a:rPr lang="en-GB" smtClean="0"/>
-              <a:t>07/01/2018</a:t>
+              <a:t>09/01/2018</a:t>
             </a:fld>
             <a:endParaRPr lang="en-GB"/>
           </a:p>
@@ -4177,7 +4202,7 @@
           <a:p>
             <a:fld id="{84306E19-38DB-4254-BBD9-6C4CBC784CC1}" type="datetimeFigureOut">
               <a:rPr lang="en-GB" smtClean="0"/>
-              <a:t>07/01/2018</a:t>
+              <a:t>09/01/2018</a:t>
             </a:fld>
             <a:endParaRPr lang="en-GB"/>
           </a:p>
@@ -4717,6 +4742,100 @@
           <a:lstStyle/>
           <a:p>
             <a:r>
+              <a:rPr lang="pl-PL" dirty="0"/>
+              <a:t>Narzędzia dla </a:t>
+            </a:r>
+            <a:r>
+              <a:rPr lang="pl-PL" dirty="0" smtClean="0"/>
+              <a:t>developera/opsa</a:t>
+            </a:r>
+            <a:endParaRPr lang="pl-PL" dirty="0"/>
+          </a:p>
+        </p:txBody>
+      </p:sp>
+      <p:sp>
+        <p:nvSpPr>
+          <p:cNvPr id="3" name="Content Placeholder 2"/>
+          <p:cNvSpPr>
+            <a:spLocks noGrp="1"/>
+          </p:cNvSpPr>
+          <p:nvPr>
+            <p:ph idx="1"/>
+          </p:nvPr>
+        </p:nvSpPr>
+        <p:spPr/>
+        <p:txBody>
+          <a:bodyPr/>
+          <a:lstStyle/>
+          <a:p>
+            <a:r>
+              <a:rPr lang="pl-PL" dirty="0" smtClean="0"/>
+              <a:t>Narzędzia do wykorzystania podczas uruchomienia w danym środowisku</a:t>
+            </a:r>
+          </a:p>
+          <a:p>
+            <a:pPr lvl="1"/>
+            <a:r>
+              <a:rPr lang="pl-PL" dirty="0" smtClean="0"/>
+              <a:t>Agent CD uruchamia kod z testami, które sprawdzają integrację z zewnętrznymi serwisami (np.: sprawdzenie endpoint’u, etc)</a:t>
+            </a:r>
+          </a:p>
+          <a:p>
+            <a:pPr lvl="1"/>
+            <a:r>
+              <a:rPr lang="pl-PL" dirty="0" smtClean="0"/>
+              <a:t>Uruchomienie diagnostyki zależności przy starcie serwisu</a:t>
+            </a:r>
+            <a:endParaRPr lang="pl-PL" dirty="0"/>
+          </a:p>
+        </p:txBody>
+      </p:sp>
+    </p:spTree>
+    <p:extLst>
+      <p:ext uri="{BB962C8B-B14F-4D97-AF65-F5344CB8AC3E}">
+        <p14:creationId xmlns:p14="http://schemas.microsoft.com/office/powerpoint/2010/main" val="442111246"/>
+      </p:ext>
+    </p:extLst>
+  </p:cSld>
+  <p:clrMapOvr>
+    <a:masterClrMapping/>
+  </p:clrMapOvr>
+</p:sld>
+</file>
+
+<file path=ppt/slides/slide11.xml><?xml version="1.0" encoding="utf-8"?>
+<p:sld xmlns:a="http://schemas.openxmlformats.org/drawingml/2006/main" xmlns:r="http://schemas.openxmlformats.org/officeDocument/2006/relationships" xmlns:p="http://schemas.openxmlformats.org/presentationml/2006/main">
+  <p:cSld>
+    <p:spTree>
+      <p:nvGrpSpPr>
+        <p:cNvPr id="1" name=""/>
+        <p:cNvGrpSpPr/>
+        <p:nvPr/>
+      </p:nvGrpSpPr>
+      <p:grpSpPr>
+        <a:xfrm>
+          <a:off x="0" y="0"/>
+          <a:ext cx="0" cy="0"/>
+          <a:chOff x="0" y="0"/>
+          <a:chExt cx="0" cy="0"/>
+        </a:xfrm>
+      </p:grpSpPr>
+      <p:sp>
+        <p:nvSpPr>
+          <p:cNvPr id="2" name="Title 1"/>
+          <p:cNvSpPr>
+            <a:spLocks noGrp="1"/>
+          </p:cNvSpPr>
+          <p:nvPr>
+            <p:ph type="title"/>
+          </p:nvPr>
+        </p:nvSpPr>
+        <p:spPr/>
+        <p:txBody>
+          <a:bodyPr/>
+          <a:lstStyle/>
+          <a:p>
+            <a:r>
               <a:rPr lang="pl-PL" dirty="0" smtClean="0"/>
               <a:t>Narzędzia dla developera – przykłady 1,2</a:t>
             </a:r>
@@ -4841,7 +4960,7 @@
 </p:sld>
 </file>
 
-<file path=ppt/slides/slide11.xml><?xml version="1.0" encoding="utf-8"?>
+<file path=ppt/slides/slide12.xml><?xml version="1.0" encoding="utf-8"?>
 <p:sld xmlns:a="http://schemas.openxmlformats.org/drawingml/2006/main" xmlns:r="http://schemas.openxmlformats.org/officeDocument/2006/relationships" xmlns:p="http://schemas.openxmlformats.org/presentationml/2006/main">
   <p:cSld>
     <p:spTree>
@@ -4997,7 +5116,7 @@
 </p:sld>
 </file>
 
-<file path=ppt/slides/slide12.xml><?xml version="1.0" encoding="utf-8"?>
+<file path=ppt/slides/slide13.xml><?xml version="1.0" encoding="utf-8"?>
 <p:sld xmlns:a="http://schemas.openxmlformats.org/drawingml/2006/main" xmlns:r="http://schemas.openxmlformats.org/officeDocument/2006/relationships" xmlns:p="http://schemas.openxmlformats.org/presentationml/2006/main">
   <p:cSld>
     <p:spTree>
@@ -5097,7 +5216,7 @@
 </p:sld>
 </file>
 
-<file path=ppt/slides/slide13.xml><?xml version="1.0" encoding="utf-8"?>
+<file path=ppt/slides/slide14.xml><?xml version="1.0" encoding="utf-8"?>
 <p:sld xmlns:a="http://schemas.openxmlformats.org/drawingml/2006/main" xmlns:r="http://schemas.openxmlformats.org/officeDocument/2006/relationships" xmlns:p="http://schemas.openxmlformats.org/presentationml/2006/main">
   <p:cSld>
     <p:spTree>
@@ -5186,7 +5305,7 @@
 </p:sld>
 </file>
 
-<file path=ppt/slides/slide14.xml><?xml version="1.0" encoding="utf-8"?>
+<file path=ppt/slides/slide15.xml><?xml version="1.0" encoding="utf-8"?>
 <p:sld xmlns:a="http://schemas.openxmlformats.org/drawingml/2006/main" xmlns:r="http://schemas.openxmlformats.org/officeDocument/2006/relationships" xmlns:p="http://schemas.openxmlformats.org/presentationml/2006/main">
   <p:cSld>
     <p:spTree>
@@ -5264,7 +5383,7 @@
 </p:sld>
 </file>
 
-<file path=ppt/slides/slide15.xml><?xml version="1.0" encoding="utf-8"?>
+<file path=ppt/slides/slide16.xml><?xml version="1.0" encoding="utf-8"?>
 <p:sld xmlns:a="http://schemas.openxmlformats.org/drawingml/2006/main" xmlns:r="http://schemas.openxmlformats.org/officeDocument/2006/relationships" xmlns:p="http://schemas.openxmlformats.org/presentationml/2006/main">
   <p:cSld>
     <p:spTree>
@@ -5348,7 +5467,7 @@
 </p:sld>
 </file>
 
-<file path=ppt/slides/slide16.xml><?xml version="1.0" encoding="utf-8"?>
+<file path=ppt/slides/slide17.xml><?xml version="1.0" encoding="utf-8"?>
 <p:sld xmlns:a="http://schemas.openxmlformats.org/drawingml/2006/main" xmlns:r="http://schemas.openxmlformats.org/officeDocument/2006/relationships" xmlns:p="http://schemas.openxmlformats.org/presentationml/2006/main">
   <p:cSld>
     <p:spTree>
@@ -5432,7 +5551,7 @@
 </p:sld>
 </file>
 
-<file path=ppt/slides/slide17.xml><?xml version="1.0" encoding="utf-8"?>
+<file path=ppt/slides/slide18.xml><?xml version="1.0" encoding="utf-8"?>
 <p:sld xmlns:a="http://schemas.openxmlformats.org/drawingml/2006/main" xmlns:r="http://schemas.openxmlformats.org/officeDocument/2006/relationships" xmlns:p="http://schemas.openxmlformats.org/presentationml/2006/main">
   <p:cSld>
     <p:spTree>
@@ -5516,7 +5635,7 @@
 </p:sld>
 </file>
 
-<file path=ppt/slides/slide18.xml><?xml version="1.0" encoding="utf-8"?>
+<file path=ppt/slides/slide19.xml><?xml version="1.0" encoding="utf-8"?>
 <p:sld xmlns:a="http://schemas.openxmlformats.org/drawingml/2006/main" xmlns:r="http://schemas.openxmlformats.org/officeDocument/2006/relationships" xmlns:p="http://schemas.openxmlformats.org/presentationml/2006/main">
   <p:cSld>
     <p:spTree>
@@ -5562,8 +5681,13 @@
           <a:p>
             <a:r>
               <a:rPr lang="pl-PL" dirty="0" smtClean="0"/>
-              <a:t>Ilość wprowadzeń nowych wersji na produkcję vs wycofanych wersji</a:t>
-            </a:r>
+              <a:t>Ilość wprowadzeń nowych wersji na produkcję vs wycofanych </a:t>
+            </a:r>
+            <a:r>
+              <a:rPr lang="pl-PL" dirty="0" smtClean="0"/>
+              <a:t>wersji spowodowanych błędami implementacji</a:t>
+            </a:r>
+            <a:endParaRPr lang="pl-PL" dirty="0" smtClean="0"/>
           </a:p>
           <a:p>
             <a:r>
@@ -5574,13 +5698,8 @@
           <a:p>
             <a:r>
               <a:rPr lang="pl-PL" dirty="0" smtClean="0"/>
-              <a:t>Mutation tests (testy </a:t>
-            </a:r>
-            <a:r>
-              <a:rPr lang="pl-PL" smtClean="0"/>
-              <a:t>mutacyjne)</a:t>
-            </a:r>
-            <a:endParaRPr lang="pl-PL" dirty="0" smtClean="0"/>
+              <a:t>Mutation tests (testy mutacyjne)</a:t>
+            </a:r>
           </a:p>
         </p:txBody>
       </p:sp>
@@ -5604,7 +5723,123 @@
 </p:sld>
 </file>
 
-<file path=ppt/slides/slide19.xml><?xml version="1.0" encoding="utf-8"?>
+<file path=ppt/slides/slide2.xml><?xml version="1.0" encoding="utf-8"?>
+<p:sld xmlns:a="http://schemas.openxmlformats.org/drawingml/2006/main" xmlns:r="http://schemas.openxmlformats.org/officeDocument/2006/relationships" xmlns:p="http://schemas.openxmlformats.org/presentationml/2006/main">
+  <p:cSld>
+    <p:spTree>
+      <p:nvGrpSpPr>
+        <p:cNvPr id="1" name=""/>
+        <p:cNvGrpSpPr/>
+        <p:nvPr/>
+      </p:nvGrpSpPr>
+      <p:grpSpPr>
+        <a:xfrm>
+          <a:off x="0" y="0"/>
+          <a:ext cx="0" cy="0"/>
+          <a:chOff x="0" y="0"/>
+          <a:chExt cx="0" cy="0"/>
+        </a:xfrm>
+      </p:grpSpPr>
+      <p:sp>
+        <p:nvSpPr>
+          <p:cNvPr id="2" name="Title 1"/>
+          <p:cNvSpPr>
+            <a:spLocks noGrp="1"/>
+          </p:cNvSpPr>
+          <p:nvPr>
+            <p:ph type="title"/>
+          </p:nvPr>
+        </p:nvSpPr>
+        <p:spPr/>
+        <p:txBody>
+          <a:bodyPr/>
+          <a:lstStyle/>
+          <a:p>
+            <a:r>
+              <a:rPr lang="pl-PL" dirty="0" smtClean="0"/>
+              <a:t>Agenda</a:t>
+            </a:r>
+            <a:endParaRPr lang="en-GB" dirty="0"/>
+          </a:p>
+        </p:txBody>
+      </p:sp>
+      <p:sp>
+        <p:nvSpPr>
+          <p:cNvPr id="3" name="Content Placeholder 2"/>
+          <p:cNvSpPr>
+            <a:spLocks noGrp="1"/>
+          </p:cNvSpPr>
+          <p:nvPr>
+            <p:ph idx="1"/>
+          </p:nvPr>
+        </p:nvSpPr>
+        <p:spPr/>
+        <p:txBody>
+          <a:bodyPr/>
+          <a:lstStyle/>
+          <a:p>
+            <a:r>
+              <a:rPr lang="pl-PL" dirty="0" smtClean="0"/>
+              <a:t>W czym tkwi problem?</a:t>
+            </a:r>
+          </a:p>
+          <a:p>
+            <a:r>
+              <a:rPr lang="pl-PL" dirty="0"/>
+              <a:t>Rodzaje </a:t>
+            </a:r>
+            <a:r>
+              <a:rPr lang="pl-PL" dirty="0" smtClean="0"/>
+              <a:t>testów</a:t>
+            </a:r>
+          </a:p>
+          <a:p>
+            <a:r>
+              <a:rPr lang="pl-PL" dirty="0" smtClean="0"/>
+              <a:t>Jakich narzędzi użyć?</a:t>
+            </a:r>
+          </a:p>
+          <a:p>
+            <a:r>
+              <a:rPr lang="pl-PL" dirty="0" smtClean="0"/>
+              <a:t>Jak pisać testy automatyczne?</a:t>
+            </a:r>
+          </a:p>
+          <a:p>
+            <a:r>
+              <a:rPr lang="pl-PL" dirty="0" smtClean="0"/>
+              <a:t>Jak testować testy?</a:t>
+            </a:r>
+          </a:p>
+          <a:p>
+            <a:r>
+              <a:rPr lang="pl-PL" dirty="0" smtClean="0"/>
+              <a:t>Podsumowanie - wady i zalety</a:t>
+            </a:r>
+          </a:p>
+        </p:txBody>
+      </p:sp>
+    </p:spTree>
+    <p:extLst>
+      <p:ext uri="{BB962C8B-B14F-4D97-AF65-F5344CB8AC3E}">
+        <p14:creationId xmlns:p14="http://schemas.microsoft.com/office/powerpoint/2010/main" val="4042561130"/>
+      </p:ext>
+    </p:extLst>
+  </p:cSld>
+  <p:clrMapOvr>
+    <a:masterClrMapping/>
+  </p:clrMapOvr>
+  <p:timing>
+    <p:tnLst>
+      <p:par>
+        <p:cTn id="1" dur="indefinite" restart="never" nodeType="tmRoot"/>
+      </p:par>
+    </p:tnLst>
+  </p:timing>
+</p:sld>
+</file>
+
+<file path=ppt/slides/slide20.xml><?xml version="1.0" encoding="utf-8"?>
 <p:sld xmlns:a="http://schemas.openxmlformats.org/drawingml/2006/main" xmlns:r="http://schemas.openxmlformats.org/officeDocument/2006/relationships" xmlns:p="http://schemas.openxmlformats.org/presentationml/2006/main">
   <p:cSld>
     <p:spTree>
@@ -5694,123 +5929,7 @@
 </p:sld>
 </file>
 
-<file path=ppt/slides/slide2.xml><?xml version="1.0" encoding="utf-8"?>
-<p:sld xmlns:a="http://schemas.openxmlformats.org/drawingml/2006/main" xmlns:r="http://schemas.openxmlformats.org/officeDocument/2006/relationships" xmlns:p="http://schemas.openxmlformats.org/presentationml/2006/main">
-  <p:cSld>
-    <p:spTree>
-      <p:nvGrpSpPr>
-        <p:cNvPr id="1" name=""/>
-        <p:cNvGrpSpPr/>
-        <p:nvPr/>
-      </p:nvGrpSpPr>
-      <p:grpSpPr>
-        <a:xfrm>
-          <a:off x="0" y="0"/>
-          <a:ext cx="0" cy="0"/>
-          <a:chOff x="0" y="0"/>
-          <a:chExt cx="0" cy="0"/>
-        </a:xfrm>
-      </p:grpSpPr>
-      <p:sp>
-        <p:nvSpPr>
-          <p:cNvPr id="2" name="Title 1"/>
-          <p:cNvSpPr>
-            <a:spLocks noGrp="1"/>
-          </p:cNvSpPr>
-          <p:nvPr>
-            <p:ph type="title"/>
-          </p:nvPr>
-        </p:nvSpPr>
-        <p:spPr/>
-        <p:txBody>
-          <a:bodyPr/>
-          <a:lstStyle/>
-          <a:p>
-            <a:r>
-              <a:rPr lang="pl-PL" dirty="0" smtClean="0"/>
-              <a:t>Agenda</a:t>
-            </a:r>
-            <a:endParaRPr lang="en-GB" dirty="0"/>
-          </a:p>
-        </p:txBody>
-      </p:sp>
-      <p:sp>
-        <p:nvSpPr>
-          <p:cNvPr id="3" name="Content Placeholder 2"/>
-          <p:cNvSpPr>
-            <a:spLocks noGrp="1"/>
-          </p:cNvSpPr>
-          <p:nvPr>
-            <p:ph idx="1"/>
-          </p:nvPr>
-        </p:nvSpPr>
-        <p:spPr/>
-        <p:txBody>
-          <a:bodyPr/>
-          <a:lstStyle/>
-          <a:p>
-            <a:r>
-              <a:rPr lang="pl-PL" dirty="0" smtClean="0"/>
-              <a:t>W czym tkwi problem?</a:t>
-            </a:r>
-          </a:p>
-          <a:p>
-            <a:r>
-              <a:rPr lang="pl-PL" dirty="0"/>
-              <a:t>Rodzaje </a:t>
-            </a:r>
-            <a:r>
-              <a:rPr lang="pl-PL" dirty="0" smtClean="0"/>
-              <a:t>testów</a:t>
-            </a:r>
-          </a:p>
-          <a:p>
-            <a:r>
-              <a:rPr lang="pl-PL" dirty="0" smtClean="0"/>
-              <a:t>Jakich narzędzi użyć?</a:t>
-            </a:r>
-          </a:p>
-          <a:p>
-            <a:r>
-              <a:rPr lang="pl-PL" dirty="0" smtClean="0"/>
-              <a:t>Jak pisać testy automatyczne?</a:t>
-            </a:r>
-          </a:p>
-          <a:p>
-            <a:r>
-              <a:rPr lang="pl-PL" dirty="0" smtClean="0"/>
-              <a:t>Jak testować testy?</a:t>
-            </a:r>
-          </a:p>
-          <a:p>
-            <a:r>
-              <a:rPr lang="pl-PL" dirty="0" smtClean="0"/>
-              <a:t>Podsumowanie - wady i zalety</a:t>
-            </a:r>
-          </a:p>
-        </p:txBody>
-      </p:sp>
-    </p:spTree>
-    <p:extLst>
-      <p:ext uri="{BB962C8B-B14F-4D97-AF65-F5344CB8AC3E}">
-        <p14:creationId xmlns:p14="http://schemas.microsoft.com/office/powerpoint/2010/main" val="4042561130"/>
-      </p:ext>
-    </p:extLst>
-  </p:cSld>
-  <p:clrMapOvr>
-    <a:masterClrMapping/>
-  </p:clrMapOvr>
-  <p:timing>
-    <p:tnLst>
-      <p:par>
-        <p:cTn id="1" dur="indefinite" restart="never" nodeType="tmRoot"/>
-      </p:par>
-    </p:tnLst>
-  </p:timing>
-</p:sld>
-</file>
-
-<file path=ppt/slides/slide20.xml><?xml version="1.0" encoding="utf-8"?>
+<file path=ppt/slides/slide21.xml><?xml version="1.0" encoding="utf-8"?>
 <p:sld xmlns:a="http://schemas.openxmlformats.org/drawingml/2006/main" xmlns:r="http://schemas.openxmlformats.org/officeDocument/2006/relationships" xmlns:p="http://schemas.openxmlformats.org/presentationml/2006/main">
   <p:cSld>
     <p:spTree>
@@ -5904,7 +6023,7 @@
 </p:sld>
 </file>
 
-<file path=ppt/slides/slide21.xml><?xml version="1.0" encoding="utf-8"?>
+<file path=ppt/slides/slide22.xml><?xml version="1.0" encoding="utf-8"?>
 <p:sld xmlns:a="http://schemas.openxmlformats.org/drawingml/2006/main" xmlns:r="http://schemas.openxmlformats.org/officeDocument/2006/relationships" xmlns:p="http://schemas.openxmlformats.org/presentationml/2006/main">
   <p:cSld>
     <p:spTree>
@@ -6005,7 +6124,7 @@
 </p:sld>
 </file>
 
-<file path=ppt/slides/slide22.xml><?xml version="1.0" encoding="utf-8"?>
+<file path=ppt/slides/slide23.xml><?xml version="1.0" encoding="utf-8"?>
 <p:sld xmlns:a="http://schemas.openxmlformats.org/drawingml/2006/main" xmlns:r="http://schemas.openxmlformats.org/officeDocument/2006/relationships" xmlns:p="http://schemas.openxmlformats.org/presentationml/2006/main">
   <p:cSld>
     <p:spTree>
@@ -6095,7 +6214,7 @@
 </p:sld>
 </file>
 
-<file path=ppt/slides/slide23.xml><?xml version="1.0" encoding="utf-8"?>
+<file path=ppt/slides/slide24.xml><?xml version="1.0" encoding="utf-8"?>
 <p:sld xmlns:a="http://schemas.openxmlformats.org/drawingml/2006/main" xmlns:r="http://schemas.openxmlformats.org/officeDocument/2006/relationships" xmlns:p="http://schemas.openxmlformats.org/presentationml/2006/main">
   <p:cSld>
     <p:spTree>
@@ -6178,16 +6297,22 @@
               <a:buNone/>
             </a:pPr>
             <a:r>
+              <a:rPr lang="pl-PL" dirty="0" smtClean="0">
+                <a:hlinkClick r:id="rId3"/>
+              </a:rPr>
+              <a:t>https</a:t>
+            </a:r>
+            <a:r>
               <a:rPr lang="pl-PL" dirty="0">
                 <a:hlinkClick r:id="rId3"/>
               </a:rPr>
-              <a:t>https://</a:t>
+              <a:t>://</a:t>
             </a:r>
             <a:r>
               <a:rPr lang="pl-PL" dirty="0" smtClean="0">
                 <a:hlinkClick r:id="rId3"/>
               </a:rPr>
-              <a:t>en.wikipedia.org/wiki/Formal_verification</a:t>
+              <a:t>medium.com/netflix-techblog/the-netflix-simian-army-16e57fbab116</a:t>
             </a:r>
             <a:endParaRPr lang="pl-PL" dirty="0" smtClean="0"/>
           </a:p>
@@ -6196,16 +6321,22 @@
               <a:buNone/>
             </a:pPr>
             <a:r>
+              <a:rPr lang="pl-PL" dirty="0" smtClean="0">
+                <a:hlinkClick r:id="rId4"/>
+              </a:rPr>
+              <a:t>https</a:t>
+            </a:r>
+            <a:r>
               <a:rPr lang="pl-PL" dirty="0">
                 <a:hlinkClick r:id="rId4"/>
               </a:rPr>
-              <a:t>https://</a:t>
+              <a:t>://</a:t>
             </a:r>
             <a:r>
               <a:rPr lang="pl-PL" dirty="0" smtClean="0">
                 <a:hlinkClick r:id="rId4"/>
               </a:rPr>
-              <a:t>medium.com/netflix-techblog/the-netflix-simian-army-16e57fbab116</a:t>
+              <a:t>en.wikipedia.org/wiki/Mutation_testing</a:t>
             </a:r>
             <a:endParaRPr lang="pl-PL" dirty="0" smtClean="0"/>
           </a:p>
@@ -6222,42 +6353,6 @@
             <a:r>
               <a:rPr lang="pl-PL" dirty="0" smtClean="0">
                 <a:hlinkClick r:id="rId5"/>
-              </a:rPr>
-              <a:t>medium.com/netflix-techblog/chaos-engineering-upgraded-878d341f15fa</a:t>
-            </a:r>
-            <a:endParaRPr lang="pl-PL" dirty="0" smtClean="0"/>
-          </a:p>
-          <a:p>
-            <a:pPr marL="0" indent="0">
-              <a:buNone/>
-            </a:pPr>
-            <a:r>
-              <a:rPr lang="pl-PL" dirty="0">
-                <a:hlinkClick r:id="rId6"/>
-              </a:rPr>
-              <a:t>https://</a:t>
-            </a:r>
-            <a:r>
-              <a:rPr lang="pl-PL" dirty="0" smtClean="0">
-                <a:hlinkClick r:id="rId6"/>
-              </a:rPr>
-              <a:t>en.wikipedia.org/wiki/Mutation_testing</a:t>
-            </a:r>
-            <a:endParaRPr lang="pl-PL" dirty="0" smtClean="0"/>
-          </a:p>
-          <a:p>
-            <a:pPr marL="0" indent="0">
-              <a:buNone/>
-            </a:pPr>
-            <a:r>
-              <a:rPr lang="pl-PL" dirty="0">
-                <a:hlinkClick r:id="rId7"/>
-              </a:rPr>
-              <a:t>https://</a:t>
-            </a:r>
-            <a:r>
-              <a:rPr lang="pl-PL" dirty="0" smtClean="0">
-                <a:hlinkClick r:id="rId7"/>
               </a:rPr>
               <a:t>martinfowler.com/articles/microservice-testing</a:t>
             </a:r>

--- a/presentation/polish/Automatycznie testowalne aplikacje w srodowisku rozproszonym.pptx
+++ b/presentation/polish/Automatycznie testowalne aplikacje w srodowisku rozproszonym.pptx
@@ -5,7 +5,7 @@
     <p:sldMasterId id="2147483648" r:id="rId1"/>
   </p:sldMasterIdLst>
   <p:notesMasterIdLst>
-    <p:notesMasterId r:id="rId26"/>
+    <p:notesMasterId r:id="rId24"/>
   </p:notesMasterIdLst>
   <p:sldIdLst>
     <p:sldId id="256" r:id="rId2"/>
@@ -17,21 +17,19 @@
     <p:sldId id="281" r:id="rId8"/>
     <p:sldId id="259" r:id="rId9"/>
     <p:sldId id="260" r:id="rId10"/>
-    <p:sldId id="283" r:id="rId11"/>
-    <p:sldId id="261" r:id="rId12"/>
-    <p:sldId id="282" r:id="rId13"/>
-    <p:sldId id="262" r:id="rId14"/>
-    <p:sldId id="267" r:id="rId15"/>
-    <p:sldId id="268" r:id="rId16"/>
-    <p:sldId id="269" r:id="rId17"/>
-    <p:sldId id="270" r:id="rId18"/>
-    <p:sldId id="271" r:id="rId19"/>
-    <p:sldId id="272" r:id="rId20"/>
-    <p:sldId id="273" r:id="rId21"/>
-    <p:sldId id="274" r:id="rId22"/>
-    <p:sldId id="275" r:id="rId23"/>
-    <p:sldId id="276" r:id="rId24"/>
-    <p:sldId id="277" r:id="rId25"/>
+    <p:sldId id="261" r:id="rId11"/>
+    <p:sldId id="283" r:id="rId12"/>
+    <p:sldId id="262" r:id="rId13"/>
+    <p:sldId id="267" r:id="rId14"/>
+    <p:sldId id="268" r:id="rId15"/>
+    <p:sldId id="269" r:id="rId16"/>
+    <p:sldId id="271" r:id="rId17"/>
+    <p:sldId id="272" r:id="rId18"/>
+    <p:sldId id="273" r:id="rId19"/>
+    <p:sldId id="274" r:id="rId20"/>
+    <p:sldId id="275" r:id="rId21"/>
+    <p:sldId id="276" r:id="rId22"/>
+    <p:sldId id="277" r:id="rId23"/>
   </p:sldIdLst>
   <p:sldSz cx="12192000" cy="6858000"/>
   <p:notesSz cx="6858000" cy="9144000"/>
@@ -232,7 +230,7 @@
           <a:p>
             <a:fld id="{6D50C51E-EFFB-4915-A982-E3AC0495EF2E}" type="datetimeFigureOut">
               <a:rPr lang="en-GB" smtClean="0"/>
-              <a:t>09/01/2018</a:t>
+              <a:t>24/04/2022</a:t>
             </a:fld>
             <a:endParaRPr lang="en-GB"/>
           </a:p>
@@ -642,31 +640,7 @@
             </a:r>
             <a:r>
               <a:rPr lang="pl-PL" baseline="0" dirty="0" smtClean="0"/>
-              <a:t> = wspomaganie rozwoju (TDD), regresja, testowanie glownego </a:t>
-            </a:r>
-            <a:r>
-              <a:rPr lang="pl-PL" baseline="0" dirty="0" smtClean="0"/>
-              <a:t>flow/happy </a:t>
-            </a:r>
-            <a:r>
-              <a:rPr lang="pl-PL" baseline="0" dirty="0" smtClean="0"/>
-              <a:t>path, testowanie wszystkich przypadkow, wybranych</a:t>
-            </a:r>
-            <a:r>
-              <a:rPr lang="pl-PL" baseline="0" dirty="0" smtClean="0"/>
-              <a:t>, </a:t>
-            </a:r>
-            <a:r>
-              <a:rPr lang="pl-PL" baseline="0" dirty="0" smtClean="0"/>
-              <a:t>red-green </a:t>
-            </a:r>
-            <a:r>
-              <a:rPr lang="pl-PL" baseline="0" dirty="0" smtClean="0"/>
-              <a:t>refactor, </a:t>
-            </a:r>
-            <a:r>
-              <a:rPr lang="pl-PL" baseline="0" dirty="0" smtClean="0"/>
-              <a:t>etc.</a:t>
+              <a:t> = wspomaganie rozwoju (TDD), regresja, testowanie glownego flow/happy path, testowanie wszystkich przypadkow, wybranych, red-green refactor, etc.</a:t>
             </a:r>
           </a:p>
           <a:p>
@@ -701,7 +675,7 @@
           <a:p>
             <a:fld id="{1FE3D8C1-E517-46B6-9C32-FED0C0B6C2DD}" type="slidenum">
               <a:rPr lang="en-GB" smtClean="0"/>
-              <a:t>15</a:t>
+              <a:t>14</a:t>
             </a:fld>
             <a:endParaRPr lang="en-GB"/>
           </a:p>
@@ -793,7 +767,7 @@
           <a:p>
             <a:fld id="{1FE3D8C1-E517-46B6-9C32-FED0C0B6C2DD}" type="slidenum">
               <a:rPr lang="en-GB" smtClean="0"/>
-              <a:t>20</a:t>
+              <a:t>18</a:t>
             </a:fld>
             <a:endParaRPr lang="en-GB"/>
           </a:p>
@@ -905,7 +879,7 @@
           <a:p>
             <a:fld id="{1FE3D8C1-E517-46B6-9C32-FED0C0B6C2DD}" type="slidenum">
               <a:rPr lang="en-GB" smtClean="0"/>
-              <a:t>22</a:t>
+              <a:t>20</a:t>
             </a:fld>
             <a:endParaRPr lang="en-GB"/>
           </a:p>
@@ -1647,7 +1621,7 @@
           <a:p>
             <a:fld id="{1FE3D8C1-E517-46B6-9C32-FED0C0B6C2DD}" type="slidenum">
               <a:rPr lang="en-GB" smtClean="0"/>
-              <a:t>13</a:t>
+              <a:t>12</a:t>
             </a:fld>
             <a:endParaRPr lang="en-GB"/>
           </a:p>
@@ -1731,7 +1705,7 @@
           <a:p>
             <a:fld id="{1FE3D8C1-E517-46B6-9C32-FED0C0B6C2DD}" type="slidenum">
               <a:rPr lang="en-GB" smtClean="0"/>
-              <a:t>14</a:t>
+              <a:t>13</a:t>
             </a:fld>
             <a:endParaRPr lang="en-GB"/>
           </a:p>
@@ -1881,7 +1855,7 @@
           <a:p>
             <a:fld id="{84306E19-38DB-4254-BBD9-6C4CBC784CC1}" type="datetimeFigureOut">
               <a:rPr lang="en-GB" smtClean="0"/>
-              <a:t>09/01/2018</a:t>
+              <a:t>24/04/2022</a:t>
             </a:fld>
             <a:endParaRPr lang="en-GB"/>
           </a:p>
@@ -2051,7 +2025,7 @@
           <a:p>
             <a:fld id="{84306E19-38DB-4254-BBD9-6C4CBC784CC1}" type="datetimeFigureOut">
               <a:rPr lang="en-GB" smtClean="0"/>
-              <a:t>09/01/2018</a:t>
+              <a:t>24/04/2022</a:t>
             </a:fld>
             <a:endParaRPr lang="en-GB"/>
           </a:p>
@@ -2231,7 +2205,7 @@
           <a:p>
             <a:fld id="{84306E19-38DB-4254-BBD9-6C4CBC784CC1}" type="datetimeFigureOut">
               <a:rPr lang="en-GB" smtClean="0"/>
-              <a:t>09/01/2018</a:t>
+              <a:t>24/04/2022</a:t>
             </a:fld>
             <a:endParaRPr lang="en-GB"/>
           </a:p>
@@ -2401,7 +2375,7 @@
           <a:p>
             <a:fld id="{84306E19-38DB-4254-BBD9-6C4CBC784CC1}" type="datetimeFigureOut">
               <a:rPr lang="en-GB" smtClean="0"/>
-              <a:t>09/01/2018</a:t>
+              <a:t>24/04/2022</a:t>
             </a:fld>
             <a:endParaRPr lang="en-GB"/>
           </a:p>
@@ -2647,7 +2621,7 @@
           <a:p>
             <a:fld id="{84306E19-38DB-4254-BBD9-6C4CBC784CC1}" type="datetimeFigureOut">
               <a:rPr lang="en-GB" smtClean="0"/>
-              <a:t>09/01/2018</a:t>
+              <a:t>24/04/2022</a:t>
             </a:fld>
             <a:endParaRPr lang="en-GB"/>
           </a:p>
@@ -2879,7 +2853,7 @@
           <a:p>
             <a:fld id="{84306E19-38DB-4254-BBD9-6C4CBC784CC1}" type="datetimeFigureOut">
               <a:rPr lang="en-GB" smtClean="0"/>
-              <a:t>09/01/2018</a:t>
+              <a:t>24/04/2022</a:t>
             </a:fld>
             <a:endParaRPr lang="en-GB"/>
           </a:p>
@@ -3246,7 +3220,7 @@
           <a:p>
             <a:fld id="{84306E19-38DB-4254-BBD9-6C4CBC784CC1}" type="datetimeFigureOut">
               <a:rPr lang="en-GB" smtClean="0"/>
-              <a:t>09/01/2018</a:t>
+              <a:t>24/04/2022</a:t>
             </a:fld>
             <a:endParaRPr lang="en-GB"/>
           </a:p>
@@ -3364,7 +3338,7 @@
           <a:p>
             <a:fld id="{84306E19-38DB-4254-BBD9-6C4CBC784CC1}" type="datetimeFigureOut">
               <a:rPr lang="en-GB" smtClean="0"/>
-              <a:t>09/01/2018</a:t>
+              <a:t>24/04/2022</a:t>
             </a:fld>
             <a:endParaRPr lang="en-GB"/>
           </a:p>
@@ -3459,7 +3433,7 @@
           <a:p>
             <a:fld id="{84306E19-38DB-4254-BBD9-6C4CBC784CC1}" type="datetimeFigureOut">
               <a:rPr lang="en-GB" smtClean="0"/>
-              <a:t>09/01/2018</a:t>
+              <a:t>24/04/2022</a:t>
             </a:fld>
             <a:endParaRPr lang="en-GB"/>
           </a:p>
@@ -3736,7 +3710,7 @@
           <a:p>
             <a:fld id="{84306E19-38DB-4254-BBD9-6C4CBC784CC1}" type="datetimeFigureOut">
               <a:rPr lang="en-GB" smtClean="0"/>
-              <a:t>09/01/2018</a:t>
+              <a:t>24/04/2022</a:t>
             </a:fld>
             <a:endParaRPr lang="en-GB"/>
           </a:p>
@@ -3989,7 +3963,7 @@
           <a:p>
             <a:fld id="{84306E19-38DB-4254-BBD9-6C4CBC784CC1}" type="datetimeFigureOut">
               <a:rPr lang="en-GB" smtClean="0"/>
-              <a:t>09/01/2018</a:t>
+              <a:t>24/04/2022</a:t>
             </a:fld>
             <a:endParaRPr lang="en-GB"/>
           </a:p>
@@ -4202,7 +4176,7 @@
           <a:p>
             <a:fld id="{84306E19-38DB-4254-BBD9-6C4CBC784CC1}" type="datetimeFigureOut">
               <a:rPr lang="en-GB" smtClean="0"/>
-              <a:t>09/01/2018</a:t>
+              <a:t>24/04/2022</a:t>
             </a:fld>
             <a:endParaRPr lang="en-GB"/>
           </a:p>
@@ -4671,17 +4645,11 @@
           <a:p>
             <a:r>
               <a:rPr lang="pl-PL" sz="3100" dirty="0" smtClean="0"/>
-              <a:t>Software Engineer, NewVoiceMedia</a:t>
-            </a:r>
-          </a:p>
-          <a:p>
-            <a:r>
-              <a:rPr lang="pl-PL" sz="3100" dirty="0"/>
-              <a:t>g</a:t>
+              <a:t>github</a:t>
             </a:r>
             <a:r>
               <a:rPr lang="pl-PL" sz="3100" dirty="0" smtClean="0"/>
-              <a:t>ithub: https://github.com/plitwinski</a:t>
+              <a:t>: https://github.com/plitwinski</a:t>
             </a:r>
           </a:p>
           <a:p>
@@ -4742,50 +4710,72 @@
           <a:lstStyle/>
           <a:p>
             <a:r>
+              <a:rPr lang="pl-PL" dirty="0" smtClean="0"/>
+              <a:t>Narzędzia dla developera – </a:t>
+            </a:r>
+            <a:r>
+              <a:rPr lang="pl-PL" dirty="0" smtClean="0"/>
+              <a:t>przykład</a:t>
+            </a:r>
+            <a:r>
+              <a:rPr lang="en-GB" dirty="0" smtClean="0"/>
+              <a:t>y</a:t>
+            </a:r>
+            <a:endParaRPr lang="en-GB" dirty="0"/>
+          </a:p>
+        </p:txBody>
+      </p:sp>
+      <p:sp>
+        <p:nvSpPr>
+          <p:cNvPr id="3" name="Content Placeholder 2"/>
+          <p:cNvSpPr>
+            <a:spLocks noGrp="1"/>
+          </p:cNvSpPr>
+          <p:nvPr>
+            <p:ph idx="1"/>
+          </p:nvPr>
+        </p:nvSpPr>
+        <p:spPr>
+          <a:xfrm>
+            <a:off x="838200" y="1791758"/>
+            <a:ext cx="10515600" cy="4351338"/>
+          </a:xfrm>
+        </p:spPr>
+        <p:txBody>
+          <a:bodyPr/>
+          <a:lstStyle/>
+          <a:p>
+            <a:r>
+              <a:rPr lang="pl-PL" dirty="0" smtClean="0"/>
+              <a:t>Coarse grained unit </a:t>
+            </a:r>
+            <a:r>
+              <a:rPr lang="pl-PL" dirty="0" smtClean="0"/>
+              <a:t>tests</a:t>
+            </a:r>
+            <a:endParaRPr lang="pl-PL" dirty="0"/>
+          </a:p>
+          <a:p>
+            <a:r>
+              <a:rPr lang="pl-PL" dirty="0" smtClean="0"/>
+              <a:t>InMemory database and test </a:t>
+            </a:r>
+            <a:r>
+              <a:rPr lang="pl-PL" dirty="0" smtClean="0"/>
+              <a:t>server</a:t>
+            </a:r>
+            <a:endParaRPr lang="en-GB" dirty="0" smtClean="0"/>
+          </a:p>
+          <a:p>
+            <a:r>
               <a:rPr lang="pl-PL" dirty="0"/>
-              <a:t>Narzędzia dla </a:t>
-            </a:r>
-            <a:r>
-              <a:rPr lang="pl-PL" dirty="0" smtClean="0"/>
-              <a:t>developera/opsa</a:t>
-            </a:r>
-            <a:endParaRPr lang="pl-PL" dirty="0"/>
-          </a:p>
-        </p:txBody>
-      </p:sp>
-      <p:sp>
-        <p:nvSpPr>
-          <p:cNvPr id="3" name="Content Placeholder 2"/>
-          <p:cNvSpPr>
-            <a:spLocks noGrp="1"/>
-          </p:cNvSpPr>
-          <p:nvPr>
-            <p:ph idx="1"/>
-          </p:nvPr>
-        </p:nvSpPr>
-        <p:spPr/>
-        <p:txBody>
-          <a:bodyPr/>
-          <a:lstStyle/>
-          <a:p>
-            <a:r>
-              <a:rPr lang="pl-PL" dirty="0" smtClean="0"/>
-              <a:t>Narzędzia do wykorzystania podczas uruchomienia w danym środowisku</a:t>
-            </a:r>
-          </a:p>
-          <a:p>
-            <a:pPr lvl="1"/>
-            <a:r>
-              <a:rPr lang="pl-PL" dirty="0" smtClean="0"/>
-              <a:t>Agent CD uruchamia kod z testami, które sprawdzają integrację z zewnętrznymi serwisami (np.: sprawdzenie endpoint’u, etc)</a:t>
-            </a:r>
-          </a:p>
-          <a:p>
-            <a:pPr lvl="1"/>
-            <a:r>
-              <a:rPr lang="pl-PL" dirty="0" smtClean="0"/>
-              <a:t>Uruchomienie diagnostyki zależności przy starcie serwisu</a:t>
-            </a:r>
+              <a:t>Selenium WebDriver + Http Server + Json Server + headless Firefox</a:t>
+            </a:r>
+          </a:p>
+          <a:p>
+            <a:pPr marL="0" indent="0">
+              <a:buNone/>
+            </a:pPr>
             <a:endParaRPr lang="pl-PL" dirty="0"/>
           </a:p>
         </p:txBody>
@@ -4793,13 +4783,20 @@
     </p:spTree>
     <p:extLst>
       <p:ext uri="{BB962C8B-B14F-4D97-AF65-F5344CB8AC3E}">
-        <p14:creationId xmlns:p14="http://schemas.microsoft.com/office/powerpoint/2010/main" val="442111246"/>
+        <p14:creationId xmlns:p14="http://schemas.microsoft.com/office/powerpoint/2010/main" val="3216344548"/>
       </p:ext>
     </p:extLst>
   </p:cSld>
   <p:clrMapOvr>
     <a:masterClrMapping/>
   </p:clrMapOvr>
+  <p:timing>
+    <p:tnLst>
+      <p:par>
+        <p:cTn id="1" dur="indefinite" restart="never" nodeType="tmRoot"/>
+      </p:par>
+    </p:tnLst>
+  </p:timing>
 </p:sld>
 </file>
 
@@ -4836,10 +4833,14 @@
           <a:lstStyle/>
           <a:p>
             <a:r>
-              <a:rPr lang="pl-PL" dirty="0" smtClean="0"/>
-              <a:t>Narzędzia dla developera – przykłady 1,2</a:t>
-            </a:r>
-            <a:endParaRPr lang="en-GB" dirty="0"/>
+              <a:rPr lang="pl-PL" dirty="0"/>
+              <a:t>Narzędzia dla </a:t>
+            </a:r>
+            <a:r>
+              <a:rPr lang="pl-PL" dirty="0" smtClean="0"/>
+              <a:t>developera/opsa</a:t>
+            </a:r>
+            <a:endParaRPr lang="pl-PL" dirty="0"/>
           </a:p>
         </p:txBody>
       </p:sp>
@@ -4853,110 +4854,43 @@
             <p:ph idx="1"/>
           </p:nvPr>
         </p:nvSpPr>
-        <p:spPr>
-          <a:xfrm>
-            <a:off x="838200" y="1791758"/>
-            <a:ext cx="10515600" cy="4351338"/>
-          </a:xfrm>
-        </p:spPr>
-        <p:txBody>
-          <a:bodyPr/>
-          <a:lstStyle/>
-          <a:p>
-            <a:r>
-              <a:rPr lang="pl-PL" dirty="0" smtClean="0"/>
-              <a:t>Coarse grained unit tests</a:t>
-            </a:r>
-          </a:p>
-          <a:p>
-            <a:pPr marL="914400" lvl="2" indent="0">
-              <a:buNone/>
-            </a:pPr>
-            <a:endParaRPr lang="pl-PL" dirty="0" smtClean="0"/>
-          </a:p>
-          <a:p>
-            <a:endParaRPr lang="pl-PL" dirty="0" smtClean="0"/>
-          </a:p>
-          <a:p>
-            <a:endParaRPr lang="pl-PL" dirty="0" smtClean="0"/>
-          </a:p>
-          <a:p>
+        <p:spPr/>
+        <p:txBody>
+          <a:bodyPr/>
+          <a:lstStyle/>
+          <a:p>
+            <a:r>
+              <a:rPr lang="pl-PL" dirty="0" smtClean="0"/>
+              <a:t>Narzędzia do wykorzystania podczas uruchomienia w danym środowisku</a:t>
+            </a:r>
+          </a:p>
+          <a:p>
+            <a:pPr lvl="1"/>
+            <a:r>
+              <a:rPr lang="pl-PL" dirty="0" smtClean="0"/>
+              <a:t>Agent CD uruchamia kod z testami, które sprawdzają integrację z zewnętrznymi serwisami (np.: sprawdzenie endpoint’u, etc)</a:t>
+            </a:r>
+          </a:p>
+          <a:p>
+            <a:pPr lvl="1"/>
+            <a:r>
+              <a:rPr lang="pl-PL" dirty="0" smtClean="0"/>
+              <a:t>Uruchomienie diagnostyki zależności przy starcie serwisu</a:t>
+            </a:r>
             <a:endParaRPr lang="pl-PL" dirty="0"/>
           </a:p>
-          <a:p>
-            <a:r>
-              <a:rPr lang="pl-PL" dirty="0" smtClean="0"/>
-              <a:t>InMemory database and test server</a:t>
-            </a:r>
-            <a:endParaRPr lang="pl-PL" dirty="0"/>
-          </a:p>
-        </p:txBody>
-      </p:sp>
-      <p:pic>
-        <p:nvPicPr>
-          <p:cNvPr id="4" name="Picture 3"/>
-          <p:cNvPicPr>
-            <a:picLocks noChangeAspect="1"/>
-          </p:cNvPicPr>
-          <p:nvPr/>
-        </p:nvPicPr>
-        <p:blipFill>
-          <a:blip r:embed="rId2"/>
-          <a:stretch>
-            <a:fillRect/>
-          </a:stretch>
-        </p:blipFill>
-        <p:spPr>
-          <a:xfrm>
-            <a:off x="1521530" y="2427905"/>
-            <a:ext cx="7227359" cy="1290130"/>
-          </a:xfrm>
-          <a:prstGeom prst="rect">
-            <a:avLst/>
-          </a:prstGeom>
-        </p:spPr>
-      </p:pic>
-      <p:pic>
-        <p:nvPicPr>
-          <p:cNvPr id="5" name="Picture 4"/>
-          <p:cNvPicPr>
-            <a:picLocks noChangeAspect="1"/>
-          </p:cNvPicPr>
-          <p:nvPr/>
-        </p:nvPicPr>
-        <p:blipFill>
-          <a:blip r:embed="rId3"/>
-          <a:stretch>
-            <a:fillRect/>
-          </a:stretch>
-        </p:blipFill>
-        <p:spPr>
-          <a:xfrm>
-            <a:off x="1521530" y="4723931"/>
-            <a:ext cx="7227359" cy="1419165"/>
-          </a:xfrm>
-          <a:prstGeom prst="rect">
-            <a:avLst/>
-          </a:prstGeom>
-        </p:spPr>
-      </p:pic>
+        </p:txBody>
+      </p:sp>
     </p:spTree>
     <p:extLst>
       <p:ext uri="{BB962C8B-B14F-4D97-AF65-F5344CB8AC3E}">
-        <p14:creationId xmlns:p14="http://schemas.microsoft.com/office/powerpoint/2010/main" val="3216344548"/>
+        <p14:creationId xmlns:p14="http://schemas.microsoft.com/office/powerpoint/2010/main" val="442111246"/>
       </p:ext>
     </p:extLst>
   </p:cSld>
   <p:clrMapOvr>
     <a:masterClrMapping/>
   </p:clrMapOvr>
-  <p:timing>
-    <p:tnLst>
-      <p:par>
-        <p:cTn id="1" dur="indefinite" restart="never" nodeType="tmRoot"/>
-      </p:par>
-    </p:tnLst>
-  </p:timing>
 </p:sld>
 </file>
 
@@ -4993,162 +4927,6 @@
           <a:lstStyle/>
           <a:p>
             <a:r>
-              <a:rPr lang="pl-PL" dirty="0"/>
-              <a:t>Narzędzie dla developera – </a:t>
-            </a:r>
-            <a:r>
-              <a:rPr lang="pl-PL" dirty="0" smtClean="0"/>
-              <a:t>przykład </a:t>
-            </a:r>
-            <a:r>
-              <a:rPr lang="pl-PL" dirty="0"/>
-              <a:t>3</a:t>
-            </a:r>
-          </a:p>
-        </p:txBody>
-      </p:sp>
-      <p:sp>
-        <p:nvSpPr>
-          <p:cNvPr id="3" name="Content Placeholder 2"/>
-          <p:cNvSpPr>
-            <a:spLocks noGrp="1"/>
-          </p:cNvSpPr>
-          <p:nvPr>
-            <p:ph idx="1"/>
-          </p:nvPr>
-        </p:nvSpPr>
-        <p:spPr/>
-        <p:txBody>
-          <a:bodyPr/>
-          <a:lstStyle/>
-          <a:p>
-            <a:r>
-              <a:rPr lang="pl-PL" dirty="0"/>
-              <a:t>Selenium WebDriver + Http </a:t>
-            </a:r>
-            <a:r>
-              <a:rPr lang="pl-PL" dirty="0" smtClean="0"/>
-              <a:t>Server + Json Server </a:t>
-            </a:r>
-            <a:r>
-              <a:rPr lang="pl-PL" dirty="0"/>
-              <a:t>+ headless </a:t>
-            </a:r>
-            <a:r>
-              <a:rPr lang="pl-PL" dirty="0" smtClean="0"/>
-              <a:t>Firefox</a:t>
-            </a:r>
-            <a:endParaRPr lang="pl-PL" dirty="0"/>
-          </a:p>
-          <a:p>
-            <a:pPr lvl="1"/>
-            <a:r>
-              <a:rPr lang="pl-PL" dirty="0"/>
-              <a:t>Kroki:</a:t>
-            </a:r>
-          </a:p>
-          <a:p>
-            <a:pPr lvl="2"/>
-            <a:r>
-              <a:rPr lang="pl-PL" dirty="0"/>
-              <a:t>npm run startWebServer (w osobnym procesie)</a:t>
-            </a:r>
-          </a:p>
-          <a:p>
-            <a:pPr lvl="2"/>
-            <a:r>
-              <a:rPr lang="pl-PL" dirty="0"/>
-              <a:t>npm run startApi (w osobnym procesie)</a:t>
-            </a:r>
-          </a:p>
-          <a:p>
-            <a:pPr lvl="2"/>
-            <a:r>
-              <a:rPr lang="pl-PL" dirty="0" smtClean="0"/>
-              <a:t>npm </a:t>
-            </a:r>
-            <a:r>
-              <a:rPr lang="pl-PL" dirty="0"/>
-              <a:t>run selenium-test (w osobnym procesie</a:t>
-            </a:r>
-            <a:r>
-              <a:rPr lang="pl-PL" dirty="0" smtClean="0"/>
-              <a:t>)</a:t>
-            </a:r>
-            <a:endParaRPr lang="pl-PL" dirty="0"/>
-          </a:p>
-        </p:txBody>
-      </p:sp>
-      <p:pic>
-        <p:nvPicPr>
-          <p:cNvPr id="5" name="Picture 4"/>
-          <p:cNvPicPr>
-            <a:picLocks noChangeAspect="1"/>
-          </p:cNvPicPr>
-          <p:nvPr/>
-        </p:nvPicPr>
-        <p:blipFill>
-          <a:blip r:embed="rId2"/>
-          <a:stretch>
-            <a:fillRect/>
-          </a:stretch>
-        </p:blipFill>
-        <p:spPr>
-          <a:xfrm>
-            <a:off x="679626" y="3835400"/>
-            <a:ext cx="11058525" cy="2476500"/>
-          </a:xfrm>
-          <a:prstGeom prst="rect">
-            <a:avLst/>
-          </a:prstGeom>
-        </p:spPr>
-      </p:pic>
-    </p:spTree>
-    <p:extLst>
-      <p:ext uri="{BB962C8B-B14F-4D97-AF65-F5344CB8AC3E}">
-        <p14:creationId xmlns:p14="http://schemas.microsoft.com/office/powerpoint/2010/main" val="1104678181"/>
-      </p:ext>
-    </p:extLst>
-  </p:cSld>
-  <p:clrMapOvr>
-    <a:masterClrMapping/>
-  </p:clrMapOvr>
-</p:sld>
-</file>
-
-<file path=ppt/slides/slide13.xml><?xml version="1.0" encoding="utf-8"?>
-<p:sld xmlns:a="http://schemas.openxmlformats.org/drawingml/2006/main" xmlns:r="http://schemas.openxmlformats.org/officeDocument/2006/relationships" xmlns:p="http://schemas.openxmlformats.org/presentationml/2006/main">
-  <p:cSld>
-    <p:spTree>
-      <p:nvGrpSpPr>
-        <p:cNvPr id="1" name=""/>
-        <p:cNvGrpSpPr/>
-        <p:nvPr/>
-      </p:nvGrpSpPr>
-      <p:grpSpPr>
-        <a:xfrm>
-          <a:off x="0" y="0"/>
-          <a:ext cx="0" cy="0"/>
-          <a:chOff x="0" y="0"/>
-          <a:chExt cx="0" cy="0"/>
-        </a:xfrm>
-      </p:grpSpPr>
-      <p:sp>
-        <p:nvSpPr>
-          <p:cNvPr id="2" name="Title 1"/>
-          <p:cNvSpPr>
-            <a:spLocks noGrp="1"/>
-          </p:cNvSpPr>
-          <p:nvPr>
-            <p:ph type="title"/>
-          </p:nvPr>
-        </p:nvSpPr>
-        <p:spPr/>
-        <p:txBody>
-          <a:bodyPr/>
-          <a:lstStyle/>
-          <a:p>
-            <a:r>
               <a:rPr lang="pl-PL" dirty="0" smtClean="0"/>
               <a:t>Narzędzia dla ops’a</a:t>
             </a:r>
@@ -5216,7 +4994,7 @@
 </p:sld>
 </file>
 
-<file path=ppt/slides/slide14.xml><?xml version="1.0" encoding="utf-8"?>
+<file path=ppt/slides/slide13.xml><?xml version="1.0" encoding="utf-8"?>
 <p:sld xmlns:a="http://schemas.openxmlformats.org/drawingml/2006/main" xmlns:r="http://schemas.openxmlformats.org/officeDocument/2006/relationships" xmlns:p="http://schemas.openxmlformats.org/presentationml/2006/main">
   <p:cSld>
     <p:spTree>
@@ -5305,7 +5083,7 @@
 </p:sld>
 </file>
 
-<file path=ppt/slides/slide15.xml><?xml version="1.0" encoding="utf-8"?>
+<file path=ppt/slides/slide14.xml><?xml version="1.0" encoding="utf-8"?>
 <p:sld xmlns:a="http://schemas.openxmlformats.org/drawingml/2006/main" xmlns:r="http://schemas.openxmlformats.org/officeDocument/2006/relationships" xmlns:p="http://schemas.openxmlformats.org/presentationml/2006/main">
   <p:cSld>
     <p:spTree>
@@ -5383,7 +5161,7 @@
 </p:sld>
 </file>
 
-<file path=ppt/slides/slide16.xml><?xml version="1.0" encoding="utf-8"?>
+<file path=ppt/slides/slide15.xml><?xml version="1.0" encoding="utf-8"?>
 <p:sld xmlns:a="http://schemas.openxmlformats.org/drawingml/2006/main" xmlns:r="http://schemas.openxmlformats.org/officeDocument/2006/relationships" xmlns:p="http://schemas.openxmlformats.org/presentationml/2006/main">
   <p:cSld>
     <p:spTree>
@@ -5416,37 +5194,67 @@
           <a:lstStyle/>
           <a:p>
             <a:r>
-              <a:rPr lang="pl-PL" dirty="0" smtClean="0"/>
-              <a:t>Metodologia – przykład 4</a:t>
+              <a:rPr lang="en-GB" dirty="0" err="1" smtClean="0"/>
+              <a:t>Jak</a:t>
+            </a:r>
+            <a:r>
+              <a:rPr lang="en-GB" dirty="0" smtClean="0"/>
+              <a:t> </a:t>
+            </a:r>
+            <a:r>
+              <a:rPr lang="en-GB" dirty="0" err="1" smtClean="0"/>
+              <a:t>pisa</a:t>
+            </a:r>
+            <a:r>
+              <a:rPr lang="pl-PL" dirty="0" smtClean="0"/>
+              <a:t>ć</a:t>
+            </a:r>
+            <a:r>
+              <a:rPr lang="en-GB" dirty="0" smtClean="0"/>
+              <a:t> testy</a:t>
+            </a:r>
+            <a:r>
+              <a:rPr lang="pl-PL" dirty="0" smtClean="0"/>
+              <a:t> - przykłady</a:t>
             </a:r>
             <a:endParaRPr lang="en-GB" dirty="0"/>
           </a:p>
         </p:txBody>
       </p:sp>
-      <p:pic>
-        <p:nvPicPr>
-          <p:cNvPr id="3" name="Picture 2"/>
-          <p:cNvPicPr>
-            <a:picLocks noChangeAspect="1"/>
-          </p:cNvPicPr>
-          <p:nvPr/>
-        </p:nvPicPr>
-        <p:blipFill>
-          <a:blip r:embed="rId2"/>
-          <a:stretch>
-            <a:fillRect/>
-          </a:stretch>
-        </p:blipFill>
+      <p:sp>
+        <p:nvSpPr>
+          <p:cNvPr id="5" name="Content Placeholder 2"/>
+          <p:cNvSpPr>
+            <a:spLocks noGrp="1"/>
+          </p:cNvSpPr>
+          <p:nvPr>
+            <p:ph idx="1"/>
+          </p:nvPr>
+        </p:nvSpPr>
         <p:spPr>
           <a:xfrm>
-            <a:off x="952500" y="2211211"/>
-            <a:ext cx="10401300" cy="2819400"/>
+            <a:off x="838200" y="1825625"/>
+            <a:ext cx="10515600" cy="4351338"/>
           </a:xfrm>
-          <a:prstGeom prst="rect">
-            <a:avLst/>
-          </a:prstGeom>
         </p:spPr>
-      </p:pic>
+        <p:txBody>
+          <a:bodyPr/>
+          <a:lstStyle/>
+          <a:p>
+            <a:r>
+              <a:rPr lang="pl-PL" dirty="0" smtClean="0"/>
+              <a:t>Testy scenariuszowe</a:t>
+            </a:r>
+          </a:p>
+          <a:p>
+            <a:r>
+              <a:rPr lang="pl-PL" dirty="0" smtClean="0"/>
+              <a:t>Modułowość</a:t>
+            </a:r>
+            <a:endParaRPr lang="en-GB" dirty="0"/>
+          </a:p>
+        </p:txBody>
+      </p:sp>
     </p:spTree>
     <p:extLst>
       <p:ext uri="{BB962C8B-B14F-4D97-AF65-F5344CB8AC3E}">
@@ -5467,91 +5275,7 @@
 </p:sld>
 </file>
 
-<file path=ppt/slides/slide17.xml><?xml version="1.0" encoding="utf-8"?>
-<p:sld xmlns:a="http://schemas.openxmlformats.org/drawingml/2006/main" xmlns:r="http://schemas.openxmlformats.org/officeDocument/2006/relationships" xmlns:p="http://schemas.openxmlformats.org/presentationml/2006/main">
-  <p:cSld>
-    <p:spTree>
-      <p:nvGrpSpPr>
-        <p:cNvPr id="1" name=""/>
-        <p:cNvGrpSpPr/>
-        <p:nvPr/>
-      </p:nvGrpSpPr>
-      <p:grpSpPr>
-        <a:xfrm>
-          <a:off x="0" y="0"/>
-          <a:ext cx="0" cy="0"/>
-          <a:chOff x="0" y="0"/>
-          <a:chExt cx="0" cy="0"/>
-        </a:xfrm>
-      </p:grpSpPr>
-      <p:sp>
-        <p:nvSpPr>
-          <p:cNvPr id="2" name="Title 1"/>
-          <p:cNvSpPr>
-            <a:spLocks noGrp="1"/>
-          </p:cNvSpPr>
-          <p:nvPr>
-            <p:ph type="title"/>
-          </p:nvPr>
-        </p:nvSpPr>
-        <p:spPr/>
-        <p:txBody>
-          <a:bodyPr/>
-          <a:lstStyle/>
-          <a:p>
-            <a:r>
-              <a:rPr lang="pl-PL" dirty="0" smtClean="0"/>
-              <a:t>Modułowość  - przykład 5</a:t>
-            </a:r>
-            <a:endParaRPr lang="en-GB" dirty="0"/>
-          </a:p>
-        </p:txBody>
-      </p:sp>
-      <p:pic>
-        <p:nvPicPr>
-          <p:cNvPr id="3" name="Picture 2"/>
-          <p:cNvPicPr>
-            <a:picLocks noChangeAspect="1"/>
-          </p:cNvPicPr>
-          <p:nvPr/>
-        </p:nvPicPr>
-        <p:blipFill>
-          <a:blip r:embed="rId2"/>
-          <a:stretch>
-            <a:fillRect/>
-          </a:stretch>
-        </p:blipFill>
-        <p:spPr>
-          <a:xfrm>
-            <a:off x="838200" y="1981553"/>
-            <a:ext cx="10515600" cy="3752850"/>
-          </a:xfrm>
-          <a:prstGeom prst="rect">
-            <a:avLst/>
-          </a:prstGeom>
-        </p:spPr>
-      </p:pic>
-    </p:spTree>
-    <p:extLst>
-      <p:ext uri="{BB962C8B-B14F-4D97-AF65-F5344CB8AC3E}">
-        <p14:creationId xmlns:p14="http://schemas.microsoft.com/office/powerpoint/2010/main" val="2812195985"/>
-      </p:ext>
-    </p:extLst>
-  </p:cSld>
-  <p:clrMapOvr>
-    <a:masterClrMapping/>
-  </p:clrMapOvr>
-  <p:timing>
-    <p:tnLst>
-      <p:par>
-        <p:cTn id="1" dur="indefinite" restart="never" nodeType="tmRoot"/>
-      </p:par>
-    </p:tnLst>
-  </p:timing>
-</p:sld>
-</file>
-
-<file path=ppt/slides/slide18.xml><?xml version="1.0" encoding="utf-8"?>
+<file path=ppt/slides/slide16.xml><?xml version="1.0" encoding="utf-8"?>
 <p:sld xmlns:a="http://schemas.openxmlformats.org/drawingml/2006/main" xmlns:r="http://schemas.openxmlformats.org/officeDocument/2006/relationships" xmlns:p="http://schemas.openxmlformats.org/presentationml/2006/main">
   <p:cSld>
     <p:spTree>
@@ -5635,7 +5359,7 @@
 </p:sld>
 </file>
 
-<file path=ppt/slides/slide19.xml><?xml version="1.0" encoding="utf-8"?>
+<file path=ppt/slides/slide17.xml><?xml version="1.0" encoding="utf-8"?>
 <p:sld xmlns:a="http://schemas.openxmlformats.org/drawingml/2006/main" xmlns:r="http://schemas.openxmlformats.org/officeDocument/2006/relationships" xmlns:p="http://schemas.openxmlformats.org/presentationml/2006/main">
   <p:cSld>
     <p:spTree>
@@ -5681,13 +5405,8 @@
           <a:p>
             <a:r>
               <a:rPr lang="pl-PL" dirty="0" smtClean="0"/>
-              <a:t>Ilość wprowadzeń nowych wersji na produkcję vs wycofanych </a:t>
-            </a:r>
-            <a:r>
-              <a:rPr lang="pl-PL" dirty="0" smtClean="0"/>
-              <a:t>wersji spowodowanych błędami implementacji</a:t>
-            </a:r>
-            <a:endParaRPr lang="pl-PL" dirty="0" smtClean="0"/>
+              <a:t>Ilość wprowadzeń nowych wersji na produkcję vs wycofanych wersji spowodowanych błędami implementacji</a:t>
+            </a:r>
           </a:p>
           <a:p>
             <a:r>
@@ -5723,123 +5442,7 @@
 </p:sld>
 </file>
 
-<file path=ppt/slides/slide2.xml><?xml version="1.0" encoding="utf-8"?>
-<p:sld xmlns:a="http://schemas.openxmlformats.org/drawingml/2006/main" xmlns:r="http://schemas.openxmlformats.org/officeDocument/2006/relationships" xmlns:p="http://schemas.openxmlformats.org/presentationml/2006/main">
-  <p:cSld>
-    <p:spTree>
-      <p:nvGrpSpPr>
-        <p:cNvPr id="1" name=""/>
-        <p:cNvGrpSpPr/>
-        <p:nvPr/>
-      </p:nvGrpSpPr>
-      <p:grpSpPr>
-        <a:xfrm>
-          <a:off x="0" y="0"/>
-          <a:ext cx="0" cy="0"/>
-          <a:chOff x="0" y="0"/>
-          <a:chExt cx="0" cy="0"/>
-        </a:xfrm>
-      </p:grpSpPr>
-      <p:sp>
-        <p:nvSpPr>
-          <p:cNvPr id="2" name="Title 1"/>
-          <p:cNvSpPr>
-            <a:spLocks noGrp="1"/>
-          </p:cNvSpPr>
-          <p:nvPr>
-            <p:ph type="title"/>
-          </p:nvPr>
-        </p:nvSpPr>
-        <p:spPr/>
-        <p:txBody>
-          <a:bodyPr/>
-          <a:lstStyle/>
-          <a:p>
-            <a:r>
-              <a:rPr lang="pl-PL" dirty="0" smtClean="0"/>
-              <a:t>Agenda</a:t>
-            </a:r>
-            <a:endParaRPr lang="en-GB" dirty="0"/>
-          </a:p>
-        </p:txBody>
-      </p:sp>
-      <p:sp>
-        <p:nvSpPr>
-          <p:cNvPr id="3" name="Content Placeholder 2"/>
-          <p:cNvSpPr>
-            <a:spLocks noGrp="1"/>
-          </p:cNvSpPr>
-          <p:nvPr>
-            <p:ph idx="1"/>
-          </p:nvPr>
-        </p:nvSpPr>
-        <p:spPr/>
-        <p:txBody>
-          <a:bodyPr/>
-          <a:lstStyle/>
-          <a:p>
-            <a:r>
-              <a:rPr lang="pl-PL" dirty="0" smtClean="0"/>
-              <a:t>W czym tkwi problem?</a:t>
-            </a:r>
-          </a:p>
-          <a:p>
-            <a:r>
-              <a:rPr lang="pl-PL" dirty="0"/>
-              <a:t>Rodzaje </a:t>
-            </a:r>
-            <a:r>
-              <a:rPr lang="pl-PL" dirty="0" smtClean="0"/>
-              <a:t>testów</a:t>
-            </a:r>
-          </a:p>
-          <a:p>
-            <a:r>
-              <a:rPr lang="pl-PL" dirty="0" smtClean="0"/>
-              <a:t>Jakich narzędzi użyć?</a:t>
-            </a:r>
-          </a:p>
-          <a:p>
-            <a:r>
-              <a:rPr lang="pl-PL" dirty="0" smtClean="0"/>
-              <a:t>Jak pisać testy automatyczne?</a:t>
-            </a:r>
-          </a:p>
-          <a:p>
-            <a:r>
-              <a:rPr lang="pl-PL" dirty="0" smtClean="0"/>
-              <a:t>Jak testować testy?</a:t>
-            </a:r>
-          </a:p>
-          <a:p>
-            <a:r>
-              <a:rPr lang="pl-PL" dirty="0" smtClean="0"/>
-              <a:t>Podsumowanie - wady i zalety</a:t>
-            </a:r>
-          </a:p>
-        </p:txBody>
-      </p:sp>
-    </p:spTree>
-    <p:extLst>
-      <p:ext uri="{BB962C8B-B14F-4D97-AF65-F5344CB8AC3E}">
-        <p14:creationId xmlns:p14="http://schemas.microsoft.com/office/powerpoint/2010/main" val="4042561130"/>
-      </p:ext>
-    </p:extLst>
-  </p:cSld>
-  <p:clrMapOvr>
-    <a:masterClrMapping/>
-  </p:clrMapOvr>
-  <p:timing>
-    <p:tnLst>
-      <p:par>
-        <p:cTn id="1" dur="indefinite" restart="never" nodeType="tmRoot"/>
-      </p:par>
-    </p:tnLst>
-  </p:timing>
-</p:sld>
-</file>
-
-<file path=ppt/slides/slide20.xml><?xml version="1.0" encoding="utf-8"?>
+<file path=ppt/slides/slide18.xml><?xml version="1.0" encoding="utf-8"?>
 <p:sld xmlns:a="http://schemas.openxmlformats.org/drawingml/2006/main" xmlns:r="http://schemas.openxmlformats.org/officeDocument/2006/relationships" xmlns:p="http://schemas.openxmlformats.org/presentationml/2006/main">
   <p:cSld>
     <p:spTree>
@@ -5929,7 +5532,7 @@
 </p:sld>
 </file>
 
-<file path=ppt/slides/slide21.xml><?xml version="1.0" encoding="utf-8"?>
+<file path=ppt/slides/slide19.xml><?xml version="1.0" encoding="utf-8"?>
 <p:sld xmlns:a="http://schemas.openxmlformats.org/drawingml/2006/main" xmlns:r="http://schemas.openxmlformats.org/officeDocument/2006/relationships" xmlns:p="http://schemas.openxmlformats.org/presentationml/2006/main">
   <p:cSld>
     <p:spTree>
@@ -6023,7 +5626,123 @@
 </p:sld>
 </file>
 
-<file path=ppt/slides/slide22.xml><?xml version="1.0" encoding="utf-8"?>
+<file path=ppt/slides/slide2.xml><?xml version="1.0" encoding="utf-8"?>
+<p:sld xmlns:a="http://schemas.openxmlformats.org/drawingml/2006/main" xmlns:r="http://schemas.openxmlformats.org/officeDocument/2006/relationships" xmlns:p="http://schemas.openxmlformats.org/presentationml/2006/main">
+  <p:cSld>
+    <p:spTree>
+      <p:nvGrpSpPr>
+        <p:cNvPr id="1" name=""/>
+        <p:cNvGrpSpPr/>
+        <p:nvPr/>
+      </p:nvGrpSpPr>
+      <p:grpSpPr>
+        <a:xfrm>
+          <a:off x="0" y="0"/>
+          <a:ext cx="0" cy="0"/>
+          <a:chOff x="0" y="0"/>
+          <a:chExt cx="0" cy="0"/>
+        </a:xfrm>
+      </p:grpSpPr>
+      <p:sp>
+        <p:nvSpPr>
+          <p:cNvPr id="2" name="Title 1"/>
+          <p:cNvSpPr>
+            <a:spLocks noGrp="1"/>
+          </p:cNvSpPr>
+          <p:nvPr>
+            <p:ph type="title"/>
+          </p:nvPr>
+        </p:nvSpPr>
+        <p:spPr/>
+        <p:txBody>
+          <a:bodyPr/>
+          <a:lstStyle/>
+          <a:p>
+            <a:r>
+              <a:rPr lang="pl-PL" dirty="0" smtClean="0"/>
+              <a:t>Agenda</a:t>
+            </a:r>
+            <a:endParaRPr lang="en-GB" dirty="0"/>
+          </a:p>
+        </p:txBody>
+      </p:sp>
+      <p:sp>
+        <p:nvSpPr>
+          <p:cNvPr id="3" name="Content Placeholder 2"/>
+          <p:cNvSpPr>
+            <a:spLocks noGrp="1"/>
+          </p:cNvSpPr>
+          <p:nvPr>
+            <p:ph idx="1"/>
+          </p:nvPr>
+        </p:nvSpPr>
+        <p:spPr/>
+        <p:txBody>
+          <a:bodyPr/>
+          <a:lstStyle/>
+          <a:p>
+            <a:r>
+              <a:rPr lang="pl-PL" dirty="0" smtClean="0"/>
+              <a:t>W czym tkwi problem?</a:t>
+            </a:r>
+          </a:p>
+          <a:p>
+            <a:r>
+              <a:rPr lang="pl-PL" dirty="0"/>
+              <a:t>Rodzaje </a:t>
+            </a:r>
+            <a:r>
+              <a:rPr lang="pl-PL" dirty="0" smtClean="0"/>
+              <a:t>testów</a:t>
+            </a:r>
+          </a:p>
+          <a:p>
+            <a:r>
+              <a:rPr lang="pl-PL" dirty="0" smtClean="0"/>
+              <a:t>Jakich narzędzi użyć?</a:t>
+            </a:r>
+          </a:p>
+          <a:p>
+            <a:r>
+              <a:rPr lang="pl-PL" dirty="0" smtClean="0"/>
+              <a:t>Jak pisać testy automatyczne?</a:t>
+            </a:r>
+          </a:p>
+          <a:p>
+            <a:r>
+              <a:rPr lang="pl-PL" dirty="0" smtClean="0"/>
+              <a:t>Jak testować testy?</a:t>
+            </a:r>
+          </a:p>
+          <a:p>
+            <a:r>
+              <a:rPr lang="pl-PL" dirty="0" smtClean="0"/>
+              <a:t>Podsumowanie - wady i zalety</a:t>
+            </a:r>
+          </a:p>
+        </p:txBody>
+      </p:sp>
+    </p:spTree>
+    <p:extLst>
+      <p:ext uri="{BB962C8B-B14F-4D97-AF65-F5344CB8AC3E}">
+        <p14:creationId xmlns:p14="http://schemas.microsoft.com/office/powerpoint/2010/main" val="4042561130"/>
+      </p:ext>
+    </p:extLst>
+  </p:cSld>
+  <p:clrMapOvr>
+    <a:masterClrMapping/>
+  </p:clrMapOvr>
+  <p:timing>
+    <p:tnLst>
+      <p:par>
+        <p:cTn id="1" dur="indefinite" restart="never" nodeType="tmRoot"/>
+      </p:par>
+    </p:tnLst>
+  </p:timing>
+</p:sld>
+</file>
+
+<file path=ppt/slides/slide20.xml><?xml version="1.0" encoding="utf-8"?>
 <p:sld xmlns:a="http://schemas.openxmlformats.org/drawingml/2006/main" xmlns:r="http://schemas.openxmlformats.org/officeDocument/2006/relationships" xmlns:p="http://schemas.openxmlformats.org/presentationml/2006/main">
   <p:cSld>
     <p:spTree>
@@ -6124,7 +5843,7 @@
 </p:sld>
 </file>
 
-<file path=ppt/slides/slide23.xml><?xml version="1.0" encoding="utf-8"?>
+<file path=ppt/slides/slide21.xml><?xml version="1.0" encoding="utf-8"?>
 <p:sld xmlns:a="http://schemas.openxmlformats.org/drawingml/2006/main" xmlns:r="http://schemas.openxmlformats.org/officeDocument/2006/relationships" xmlns:p="http://schemas.openxmlformats.org/presentationml/2006/main">
   <p:cSld>
     <p:spTree>
@@ -6214,7 +5933,7 @@
 </p:sld>
 </file>
 
-<file path=ppt/slides/slide24.xml><?xml version="1.0" encoding="utf-8"?>
+<file path=ppt/slides/slide22.xml><?xml version="1.0" encoding="utf-8"?>
 <p:sld xmlns:a="http://schemas.openxmlformats.org/drawingml/2006/main" xmlns:r="http://schemas.openxmlformats.org/officeDocument/2006/relationships" xmlns:p="http://schemas.openxmlformats.org/presentationml/2006/main">
   <p:cSld>
     <p:spTree>
@@ -6648,6 +6367,21 @@
               <a:rPr lang="pl-PL" dirty="0" smtClean="0"/>
               <a:t>Serwisowe/Komponentowe</a:t>
             </a:r>
+            <a:endParaRPr lang="en-GB" dirty="0" smtClean="0"/>
+          </a:p>
+          <a:p>
+            <a:r>
+              <a:rPr lang="en-GB" dirty="0" err="1" smtClean="0"/>
+              <a:t>Klasyczne</a:t>
+            </a:r>
+            <a:r>
+              <a:rPr lang="en-GB" dirty="0" smtClean="0"/>
+              <a:t> testy </a:t>
+            </a:r>
+            <a:r>
+              <a:rPr lang="en-GB" dirty="0" err="1" smtClean="0"/>
+              <a:t>integracyjne</a:t>
+            </a:r>
             <a:endParaRPr lang="en-GB" dirty="0"/>
           </a:p>
         </p:txBody>
@@ -7064,8 +6798,85 @@
             <a:pPr lvl="1"/>
             <a:r>
               <a:rPr lang="pl-PL" dirty="0" smtClean="0"/>
-              <a:t>Lokalne odpowiedniki (np.: local sql, json server, etc.)</a:t>
-            </a:r>
+              <a:t>Lokalne odpowiedniki (np.: local sql</a:t>
+            </a:r>
+            <a:r>
+              <a:rPr lang="pl-PL" dirty="0" smtClean="0"/>
+              <a:t>,</a:t>
+            </a:r>
+            <a:r>
+              <a:rPr lang="en-GB" dirty="0" smtClean="0"/>
+              <a:t> </a:t>
+            </a:r>
+            <a:r>
+              <a:rPr lang="en-GB" dirty="0" err="1" smtClean="0"/>
+              <a:t>sql</a:t>
+            </a:r>
+            <a:r>
+              <a:rPr lang="en-GB" dirty="0" err="1" smtClean="0"/>
+              <a:t>ite</a:t>
+            </a:r>
+            <a:r>
+              <a:rPr lang="en-GB" dirty="0" smtClean="0"/>
+              <a:t>,</a:t>
+            </a:r>
+            <a:r>
+              <a:rPr lang="pl-PL" dirty="0" smtClean="0"/>
+              <a:t> </a:t>
+            </a:r>
+            <a:r>
+              <a:rPr lang="pl-PL" dirty="0" smtClean="0"/>
+              <a:t>json server, etc</a:t>
+            </a:r>
+            <a:r>
+              <a:rPr lang="pl-PL" dirty="0" smtClean="0"/>
+              <a:t>.)</a:t>
+            </a:r>
+            <a:endParaRPr lang="en-GB" dirty="0" smtClean="0"/>
+          </a:p>
+          <a:p>
+            <a:pPr lvl="1"/>
+            <a:r>
+              <a:rPr lang="en-GB" dirty="0" err="1" smtClean="0"/>
+              <a:t>Lokalne</a:t>
+            </a:r>
+            <a:r>
+              <a:rPr lang="en-GB" dirty="0" smtClean="0"/>
+              <a:t> </a:t>
+            </a:r>
+            <a:r>
+              <a:rPr lang="en-GB" dirty="0" err="1" smtClean="0"/>
+              <a:t>odpowiedniki</a:t>
+            </a:r>
+            <a:r>
+              <a:rPr lang="en-GB" dirty="0" smtClean="0"/>
+              <a:t> </a:t>
+            </a:r>
+            <a:r>
+              <a:rPr lang="en-GB" dirty="0" err="1" smtClean="0"/>
+              <a:t>dystrybuowane</a:t>
+            </a:r>
+            <a:r>
+              <a:rPr lang="en-GB" dirty="0" smtClean="0"/>
+              <a:t> </a:t>
+            </a:r>
+            <a:r>
+              <a:rPr lang="en-GB" dirty="0" err="1" smtClean="0"/>
+              <a:t>przy</a:t>
+            </a:r>
+            <a:r>
+              <a:rPr lang="en-GB" dirty="0" smtClean="0"/>
+              <a:t> </a:t>
+            </a:r>
+            <a:r>
+              <a:rPr lang="en-GB" dirty="0" err="1" smtClean="0"/>
+              <a:t>pomocy</a:t>
+            </a:r>
+            <a:r>
+              <a:rPr lang="en-GB" dirty="0" smtClean="0"/>
+              <a:t> Docker</a:t>
+            </a:r>
+            <a:endParaRPr lang="pl-PL" dirty="0" smtClean="0"/>
           </a:p>
           <a:p>
             <a:pPr lvl="1"/>
